--- a/Presentation/Mat Cap draft.pptx
+++ b/Presentation/Mat Cap draft.pptx
@@ -4,6 +4,9 @@
   <p:sldMasterIdLst>
     <p:sldMasterId id="2147483648" r:id="rId1"/>
   </p:sldMasterIdLst>
+  <p:notesMasterIdLst>
+    <p:notesMasterId r:id="rId14"/>
+  </p:notesMasterIdLst>
   <p:sldIdLst>
     <p:sldId id="256" r:id="rId2"/>
     <p:sldId id="257" r:id="rId3"/>
@@ -12,8 +15,8 @@
     <p:sldId id="260" r:id="rId6"/>
     <p:sldId id="263" r:id="rId7"/>
     <p:sldId id="264" r:id="rId8"/>
-    <p:sldId id="261" r:id="rId9"/>
-    <p:sldId id="262" r:id="rId10"/>
+    <p:sldId id="262" r:id="rId9"/>
+    <p:sldId id="261" r:id="rId10"/>
     <p:sldId id="265" r:id="rId11"/>
     <p:sldId id="266" r:id="rId12"/>
     <p:sldId id="267" r:id="rId13"/>
@@ -115,7 +118,456 @@
       </a:defRPr>
     </a:lvl9pPr>
   </p:defaultTextStyle>
+  <p:extLst>
+    <p:ext uri="{EFAFB233-063F-42B5-8137-9DF3F51BA10A}">
+      <p15:sldGuideLst xmlns:p15="http://schemas.microsoft.com/office/powerpoint/2012/main"/>
+    </p:ext>
+  </p:extLst>
 </p:presentation>
+</file>
+
+<file path=ppt/notesMasters/notesMaster1.xml><?xml version="1.0" encoding="utf-8"?>
+<p:notesMaster xmlns:a="http://schemas.openxmlformats.org/drawingml/2006/main" xmlns:r="http://schemas.openxmlformats.org/officeDocument/2006/relationships" xmlns:p="http://schemas.openxmlformats.org/presentationml/2006/main">
+  <p:cSld>
+    <p:bg>
+      <p:bgRef idx="1001">
+        <a:schemeClr val="bg1"/>
+      </p:bgRef>
+    </p:bg>
+    <p:spTree>
+      <p:nvGrpSpPr>
+        <p:cNvPr id="1" name=""/>
+        <p:cNvGrpSpPr/>
+        <p:nvPr/>
+      </p:nvGrpSpPr>
+      <p:grpSpPr>
+        <a:xfrm>
+          <a:off x="0" y="0"/>
+          <a:ext cx="0" cy="0"/>
+          <a:chOff x="0" y="0"/>
+          <a:chExt cx="0" cy="0"/>
+        </a:xfrm>
+      </p:grpSpPr>
+      <p:sp>
+        <p:nvSpPr>
+          <p:cNvPr id="2" name="Header Placeholder 1"/>
+          <p:cNvSpPr>
+            <a:spLocks noGrp="1"/>
+          </p:cNvSpPr>
+          <p:nvPr>
+            <p:ph type="hdr" sz="quarter"/>
+          </p:nvPr>
+        </p:nvSpPr>
+        <p:spPr>
+          <a:xfrm>
+            <a:off x="0" y="0"/>
+            <a:ext cx="2971800" cy="458788"/>
+          </a:xfrm>
+          <a:prstGeom prst="rect">
+            <a:avLst/>
+          </a:prstGeom>
+        </p:spPr>
+        <p:txBody>
+          <a:bodyPr vert="horz" lIns="91440" tIns="45720" rIns="91440" bIns="45720" rtlCol="0"/>
+          <a:lstStyle>
+            <a:lvl1pPr algn="l">
+              <a:defRPr sz="1200"/>
+            </a:lvl1pPr>
+          </a:lstStyle>
+          <a:p>
+            <a:endParaRPr lang="en-US"/>
+          </a:p>
+        </p:txBody>
+      </p:sp>
+      <p:sp>
+        <p:nvSpPr>
+          <p:cNvPr id="3" name="Date Placeholder 2"/>
+          <p:cNvSpPr>
+            <a:spLocks noGrp="1"/>
+          </p:cNvSpPr>
+          <p:nvPr>
+            <p:ph type="dt" idx="1"/>
+          </p:nvPr>
+        </p:nvSpPr>
+        <p:spPr>
+          <a:xfrm>
+            <a:off x="3884613" y="0"/>
+            <a:ext cx="2971800" cy="458788"/>
+          </a:xfrm>
+          <a:prstGeom prst="rect">
+            <a:avLst/>
+          </a:prstGeom>
+        </p:spPr>
+        <p:txBody>
+          <a:bodyPr vert="horz" lIns="91440" tIns="45720" rIns="91440" bIns="45720" rtlCol="0"/>
+          <a:lstStyle>
+            <a:lvl1pPr algn="r">
+              <a:defRPr sz="1200"/>
+            </a:lvl1pPr>
+          </a:lstStyle>
+          <a:p>
+            <a:fld id="{36A3AEE4-FDD0-4F75-BD7D-00E9E1F73F05}" type="datetimeFigureOut">
+              <a:rPr lang="en-US" smtClean="0"/>
+              <a:t>9/23/2021</a:t>
+            </a:fld>
+            <a:endParaRPr lang="en-US"/>
+          </a:p>
+        </p:txBody>
+      </p:sp>
+      <p:sp>
+        <p:nvSpPr>
+          <p:cNvPr id="4" name="Slide Image Placeholder 3"/>
+          <p:cNvSpPr>
+            <a:spLocks noGrp="1" noRot="1" noChangeAspect="1"/>
+          </p:cNvSpPr>
+          <p:nvPr>
+            <p:ph type="sldImg" idx="2"/>
+          </p:nvPr>
+        </p:nvSpPr>
+        <p:spPr>
+          <a:xfrm>
+            <a:off x="685800" y="1143000"/>
+            <a:ext cx="5486400" cy="3086100"/>
+          </a:xfrm>
+          <a:prstGeom prst="rect">
+            <a:avLst/>
+          </a:prstGeom>
+          <a:noFill/>
+          <a:ln w="12700">
+            <a:solidFill>
+              <a:prstClr val="black"/>
+            </a:solidFill>
+          </a:ln>
+        </p:spPr>
+        <p:txBody>
+          <a:bodyPr vert="horz" lIns="91440" tIns="45720" rIns="91440" bIns="45720" rtlCol="0" anchor="ctr"/>
+          <a:lstStyle/>
+          <a:p>
+            <a:endParaRPr lang="en-US"/>
+          </a:p>
+        </p:txBody>
+      </p:sp>
+      <p:sp>
+        <p:nvSpPr>
+          <p:cNvPr id="5" name="Notes Placeholder 4"/>
+          <p:cNvSpPr>
+            <a:spLocks noGrp="1"/>
+          </p:cNvSpPr>
+          <p:nvPr>
+            <p:ph type="body" sz="quarter" idx="3"/>
+          </p:nvPr>
+        </p:nvSpPr>
+        <p:spPr>
+          <a:xfrm>
+            <a:off x="685800" y="4400550"/>
+            <a:ext cx="5486400" cy="3600450"/>
+          </a:xfrm>
+          <a:prstGeom prst="rect">
+            <a:avLst/>
+          </a:prstGeom>
+        </p:spPr>
+        <p:txBody>
+          <a:bodyPr vert="horz" lIns="91440" tIns="45720" rIns="91440" bIns="45720" rtlCol="0"/>
+          <a:lstStyle/>
+          <a:p>
+            <a:pPr lvl="0"/>
+            <a:r>
+              <a:rPr lang="en-US"/>
+              <a:t>Click to edit Master text styles</a:t>
+            </a:r>
+          </a:p>
+          <a:p>
+            <a:pPr lvl="1"/>
+            <a:r>
+              <a:rPr lang="en-US"/>
+              <a:t>Second level</a:t>
+            </a:r>
+          </a:p>
+          <a:p>
+            <a:pPr lvl="2"/>
+            <a:r>
+              <a:rPr lang="en-US"/>
+              <a:t>Third level</a:t>
+            </a:r>
+          </a:p>
+          <a:p>
+            <a:pPr lvl="3"/>
+            <a:r>
+              <a:rPr lang="en-US"/>
+              <a:t>Fourth level</a:t>
+            </a:r>
+          </a:p>
+          <a:p>
+            <a:pPr lvl="4"/>
+            <a:r>
+              <a:rPr lang="en-US"/>
+              <a:t>Fifth level</a:t>
+            </a:r>
+          </a:p>
+        </p:txBody>
+      </p:sp>
+      <p:sp>
+        <p:nvSpPr>
+          <p:cNvPr id="6" name="Footer Placeholder 5"/>
+          <p:cNvSpPr>
+            <a:spLocks noGrp="1"/>
+          </p:cNvSpPr>
+          <p:nvPr>
+            <p:ph type="ftr" sz="quarter" idx="4"/>
+          </p:nvPr>
+        </p:nvSpPr>
+        <p:spPr>
+          <a:xfrm>
+            <a:off x="0" y="8685213"/>
+            <a:ext cx="2971800" cy="458787"/>
+          </a:xfrm>
+          <a:prstGeom prst="rect">
+            <a:avLst/>
+          </a:prstGeom>
+        </p:spPr>
+        <p:txBody>
+          <a:bodyPr vert="horz" lIns="91440" tIns="45720" rIns="91440" bIns="45720" rtlCol="0" anchor="b"/>
+          <a:lstStyle>
+            <a:lvl1pPr algn="l">
+              <a:defRPr sz="1200"/>
+            </a:lvl1pPr>
+          </a:lstStyle>
+          <a:p>
+            <a:endParaRPr lang="en-US"/>
+          </a:p>
+        </p:txBody>
+      </p:sp>
+      <p:sp>
+        <p:nvSpPr>
+          <p:cNvPr id="7" name="Slide Number Placeholder 6"/>
+          <p:cNvSpPr>
+            <a:spLocks noGrp="1"/>
+          </p:cNvSpPr>
+          <p:nvPr>
+            <p:ph type="sldNum" sz="quarter" idx="5"/>
+          </p:nvPr>
+        </p:nvSpPr>
+        <p:spPr>
+          <a:xfrm>
+            <a:off x="3884613" y="8685213"/>
+            <a:ext cx="2971800" cy="458787"/>
+          </a:xfrm>
+          <a:prstGeom prst="rect">
+            <a:avLst/>
+          </a:prstGeom>
+        </p:spPr>
+        <p:txBody>
+          <a:bodyPr vert="horz" lIns="91440" tIns="45720" rIns="91440" bIns="45720" rtlCol="0" anchor="b"/>
+          <a:lstStyle>
+            <a:lvl1pPr algn="r">
+              <a:defRPr sz="1200"/>
+            </a:lvl1pPr>
+          </a:lstStyle>
+          <a:p>
+            <a:fld id="{E4A54888-1F1E-4497-B6EE-80C4D8711430}" type="slidenum">
+              <a:rPr lang="en-US" smtClean="0"/>
+              <a:t>‹#›</a:t>
+            </a:fld>
+            <a:endParaRPr lang="en-US"/>
+          </a:p>
+        </p:txBody>
+      </p:sp>
+    </p:spTree>
+    <p:extLst>
+      <p:ext uri="{BB962C8B-B14F-4D97-AF65-F5344CB8AC3E}">
+        <p14:creationId xmlns:p14="http://schemas.microsoft.com/office/powerpoint/2010/main" val="3450249490"/>
+      </p:ext>
+    </p:extLst>
+  </p:cSld>
+  <p:clrMap bg1="lt1" tx1="dk1" bg2="lt2" tx2="dk2" accent1="accent1" accent2="accent2" accent3="accent3" accent4="accent4" accent5="accent5" accent6="accent6" hlink="hlink" folHlink="folHlink"/>
+  <p:notesStyle>
+    <a:lvl1pPr marL="0" algn="l" defTabSz="914400" rtl="0" eaLnBrk="1" latinLnBrk="0" hangingPunct="1">
+      <a:defRPr sz="1200" kern="1200">
+        <a:solidFill>
+          <a:schemeClr val="tx1"/>
+        </a:solidFill>
+        <a:latin typeface="+mn-lt"/>
+        <a:ea typeface="+mn-ea"/>
+        <a:cs typeface="+mn-cs"/>
+      </a:defRPr>
+    </a:lvl1pPr>
+    <a:lvl2pPr marL="457200" algn="l" defTabSz="914400" rtl="0" eaLnBrk="1" latinLnBrk="0" hangingPunct="1">
+      <a:defRPr sz="1200" kern="1200">
+        <a:solidFill>
+          <a:schemeClr val="tx1"/>
+        </a:solidFill>
+        <a:latin typeface="+mn-lt"/>
+        <a:ea typeface="+mn-ea"/>
+        <a:cs typeface="+mn-cs"/>
+      </a:defRPr>
+    </a:lvl2pPr>
+    <a:lvl3pPr marL="914400" algn="l" defTabSz="914400" rtl="0" eaLnBrk="1" latinLnBrk="0" hangingPunct="1">
+      <a:defRPr sz="1200" kern="1200">
+        <a:solidFill>
+          <a:schemeClr val="tx1"/>
+        </a:solidFill>
+        <a:latin typeface="+mn-lt"/>
+        <a:ea typeface="+mn-ea"/>
+        <a:cs typeface="+mn-cs"/>
+      </a:defRPr>
+    </a:lvl3pPr>
+    <a:lvl4pPr marL="1371600" algn="l" defTabSz="914400" rtl="0" eaLnBrk="1" latinLnBrk="0" hangingPunct="1">
+      <a:defRPr sz="1200" kern="1200">
+        <a:solidFill>
+          <a:schemeClr val="tx1"/>
+        </a:solidFill>
+        <a:latin typeface="+mn-lt"/>
+        <a:ea typeface="+mn-ea"/>
+        <a:cs typeface="+mn-cs"/>
+      </a:defRPr>
+    </a:lvl4pPr>
+    <a:lvl5pPr marL="1828800" algn="l" defTabSz="914400" rtl="0" eaLnBrk="1" latinLnBrk="0" hangingPunct="1">
+      <a:defRPr sz="1200" kern="1200">
+        <a:solidFill>
+          <a:schemeClr val="tx1"/>
+        </a:solidFill>
+        <a:latin typeface="+mn-lt"/>
+        <a:ea typeface="+mn-ea"/>
+        <a:cs typeface="+mn-cs"/>
+      </a:defRPr>
+    </a:lvl5pPr>
+    <a:lvl6pPr marL="2286000" algn="l" defTabSz="914400" rtl="0" eaLnBrk="1" latinLnBrk="0" hangingPunct="1">
+      <a:defRPr sz="1200" kern="1200">
+        <a:solidFill>
+          <a:schemeClr val="tx1"/>
+        </a:solidFill>
+        <a:latin typeface="+mn-lt"/>
+        <a:ea typeface="+mn-ea"/>
+        <a:cs typeface="+mn-cs"/>
+      </a:defRPr>
+    </a:lvl6pPr>
+    <a:lvl7pPr marL="2743200" algn="l" defTabSz="914400" rtl="0" eaLnBrk="1" latinLnBrk="0" hangingPunct="1">
+      <a:defRPr sz="1200" kern="1200">
+        <a:solidFill>
+          <a:schemeClr val="tx1"/>
+        </a:solidFill>
+        <a:latin typeface="+mn-lt"/>
+        <a:ea typeface="+mn-ea"/>
+        <a:cs typeface="+mn-cs"/>
+      </a:defRPr>
+    </a:lvl7pPr>
+    <a:lvl8pPr marL="3200400" algn="l" defTabSz="914400" rtl="0" eaLnBrk="1" latinLnBrk="0" hangingPunct="1">
+      <a:defRPr sz="1200" kern="1200">
+        <a:solidFill>
+          <a:schemeClr val="tx1"/>
+        </a:solidFill>
+        <a:latin typeface="+mn-lt"/>
+        <a:ea typeface="+mn-ea"/>
+        <a:cs typeface="+mn-cs"/>
+      </a:defRPr>
+    </a:lvl8pPr>
+    <a:lvl9pPr marL="3657600" algn="l" defTabSz="914400" rtl="0" eaLnBrk="1" latinLnBrk="0" hangingPunct="1">
+      <a:defRPr sz="1200" kern="1200">
+        <a:solidFill>
+          <a:schemeClr val="tx1"/>
+        </a:solidFill>
+        <a:latin typeface="+mn-lt"/>
+        <a:ea typeface="+mn-ea"/>
+        <a:cs typeface="+mn-cs"/>
+      </a:defRPr>
+    </a:lvl9pPr>
+  </p:notesStyle>
+</p:notesMaster>
+</file>
+
+<file path=ppt/notesSlides/notesSlide1.xml><?xml version="1.0" encoding="utf-8"?>
+<p:notes xmlns:a="http://schemas.openxmlformats.org/drawingml/2006/main" xmlns:r="http://schemas.openxmlformats.org/officeDocument/2006/relationships" xmlns:p="http://schemas.openxmlformats.org/presentationml/2006/main">
+  <p:cSld>
+    <p:spTree>
+      <p:nvGrpSpPr>
+        <p:cNvPr id="1" name=""/>
+        <p:cNvGrpSpPr/>
+        <p:nvPr/>
+      </p:nvGrpSpPr>
+      <p:grpSpPr>
+        <a:xfrm>
+          <a:off x="0" y="0"/>
+          <a:ext cx="0" cy="0"/>
+          <a:chOff x="0" y="0"/>
+          <a:chExt cx="0" cy="0"/>
+        </a:xfrm>
+      </p:grpSpPr>
+      <p:sp>
+        <p:nvSpPr>
+          <p:cNvPr id="2" name="Slide Image Placeholder 1"/>
+          <p:cNvSpPr>
+            <a:spLocks noGrp="1" noRot="1" noChangeAspect="1"/>
+          </p:cNvSpPr>
+          <p:nvPr>
+            <p:ph type="sldImg"/>
+          </p:nvPr>
+        </p:nvSpPr>
+        <p:spPr/>
+      </p:sp>
+      <p:sp>
+        <p:nvSpPr>
+          <p:cNvPr id="3" name="Notes Placeholder 2"/>
+          <p:cNvSpPr>
+            <a:spLocks noGrp="1"/>
+          </p:cNvSpPr>
+          <p:nvPr>
+            <p:ph type="body" idx="1"/>
+          </p:nvPr>
+        </p:nvSpPr>
+        <p:spPr/>
+        <p:txBody>
+          <a:bodyPr/>
+          <a:lstStyle/>
+          <a:p>
+            <a:r>
+              <a:rPr lang="en-US" dirty="0"/>
+              <a:t>On the table, but just keep it in mind, </a:t>
+            </a:r>
+            <a:r>
+              <a:rPr lang="en-US" dirty="0" err="1"/>
+              <a:t>nnum</a:t>
+            </a:r>
+            <a:r>
+              <a:rPr lang="en-US" dirty="0"/>
+              <a:t> no more than a sentence, maybe mention multiple boards?</a:t>
+            </a:r>
+          </a:p>
+        </p:txBody>
+      </p:sp>
+      <p:sp>
+        <p:nvSpPr>
+          <p:cNvPr id="4" name="Slide Number Placeholder 3"/>
+          <p:cNvSpPr>
+            <a:spLocks noGrp="1"/>
+          </p:cNvSpPr>
+          <p:nvPr>
+            <p:ph type="sldNum" sz="quarter" idx="5"/>
+          </p:nvPr>
+        </p:nvSpPr>
+        <p:spPr/>
+        <p:txBody>
+          <a:bodyPr/>
+          <a:lstStyle/>
+          <a:p>
+            <a:fld id="{E4A54888-1F1E-4497-B6EE-80C4D8711430}" type="slidenum">
+              <a:rPr lang="en-US" smtClean="0"/>
+              <a:t>8</a:t>
+            </a:fld>
+            <a:endParaRPr lang="en-US"/>
+          </a:p>
+        </p:txBody>
+      </p:sp>
+    </p:spTree>
+    <p:extLst>
+      <p:ext uri="{BB962C8B-B14F-4D97-AF65-F5344CB8AC3E}">
+        <p14:creationId xmlns:p14="http://schemas.microsoft.com/office/powerpoint/2010/main" val="2773304931"/>
+      </p:ext>
+    </p:extLst>
+  </p:cSld>
+  <p:clrMapOvr>
+    <a:masterClrMapping/>
+  </p:clrMapOvr>
+</p:notes>
 </file>
 
 <file path=ppt/slideLayouts/slideLayout1.xml><?xml version="1.0" encoding="utf-8"?>
@@ -3675,13 +4127,8 @@
           <a:p>
             <a:r>
               <a:rPr lang="en-US" dirty="0"/>
-              <a:t>Can't reach in one move from 3 x N, but it </a:t>
-            </a:r>
-            <a:r>
-              <a:rPr lang="en-US"/>
-              <a:t>is stable</a:t>
-            </a:r>
-            <a:endParaRPr lang="en-US" dirty="0"/>
+              <a:t>Can't reach in one move from $3$ x $N$, but it is stable</a:t>
+            </a:r>
           </a:p>
         </p:txBody>
       </p:sp>
@@ -3836,7 +4283,7 @@
           <a:p>
             <a:r>
               <a:rPr lang="en-US" dirty="0"/>
-              <a:t>What is a combinatorial Game</a:t>
+              <a:t>What is a Combinatorial Game</a:t>
             </a:r>
           </a:p>
         </p:txBody>
@@ -4325,7 +4772,7 @@
           <p:cNvPr id="2" name="Title 1">
             <a:extLst>
               <a:ext uri="{FF2B5EF4-FFF2-40B4-BE49-F238E27FC236}">
-                <a16:creationId xmlns:a16="http://schemas.microsoft.com/office/drawing/2014/main" id="{EFF4A8FD-2C1B-42F8-9FEA-EAE2E9AACCD9}"/>
+                <a16:creationId xmlns:a16="http://schemas.microsoft.com/office/drawing/2014/main" id="{28AB77A8-739D-4BAB-92B9-DEA5C4D28DF9}"/>
               </a:ext>
             </a:extLst>
           </p:cNvPr>
@@ -4343,40 +4790,75 @@
           <a:p>
             <a:r>
               <a:rPr lang="en-US" dirty="0"/>
-              <a:t>What did I do</a:t>
-            </a:r>
-          </a:p>
-        </p:txBody>
-      </p:sp>
-      <p:sp>
-        <p:nvSpPr>
-          <p:cNvPr id="3" name="Text Placeholder 2">
-            <a:extLst>
-              <a:ext uri="{FF2B5EF4-FFF2-40B4-BE49-F238E27FC236}">
-                <a16:creationId xmlns:a16="http://schemas.microsoft.com/office/drawing/2014/main" id="{E4C6D9C8-C71C-4F29-BD1A-9170B55FD154}"/>
-              </a:ext>
-            </a:extLst>
-          </p:cNvPr>
-          <p:cNvSpPr>
-            <a:spLocks noGrp="1"/>
-          </p:cNvSpPr>
-          <p:nvPr>
-            <p:ph type="body" idx="1"/>
-          </p:nvPr>
-        </p:nvSpPr>
-        <p:spPr/>
-        <p:txBody>
-          <a:bodyPr/>
-          <a:lstStyle/>
-          <a:p>
-            <a:endParaRPr lang="en-US"/>
+              <a:t>Nim Numbers</a:t>
+            </a:r>
+          </a:p>
+        </p:txBody>
+      </p:sp>
+      <p:sp>
+        <p:nvSpPr>
+          <p:cNvPr id="3" name="Content Placeholder 2">
+            <a:extLst>
+              <a:ext uri="{FF2B5EF4-FFF2-40B4-BE49-F238E27FC236}">
+                <a16:creationId xmlns:a16="http://schemas.microsoft.com/office/drawing/2014/main" id="{1D29C310-E282-4DAC-9F75-8FA0E8A51674}"/>
+              </a:ext>
+            </a:extLst>
+          </p:cNvPr>
+          <p:cNvSpPr>
+            <a:spLocks noGrp="1"/>
+          </p:cNvSpPr>
+          <p:nvPr>
+            <p:ph idx="1"/>
+          </p:nvPr>
+        </p:nvSpPr>
+        <p:spPr/>
+        <p:txBody>
+          <a:bodyPr/>
+          <a:lstStyle/>
+          <a:p>
+            <a:r>
+              <a:rPr lang="en-US" dirty="0"/>
+              <a:t>Winning and losing positions (P vs N)</a:t>
+            </a:r>
+          </a:p>
+          <a:p>
+            <a:r>
+              <a:rPr lang="en-US" strike="sngStrike" dirty="0"/>
+              <a:t>Counting up and MEX</a:t>
+            </a:r>
+          </a:p>
+          <a:p>
+            <a:r>
+              <a:rPr lang="en-US" dirty="0"/>
+              <a:t>Every board has a recursively defined </a:t>
+            </a:r>
+            <a:r>
+              <a:rPr lang="en-US" dirty="0" err="1"/>
+              <a:t>nim</a:t>
+            </a:r>
+            <a:r>
+              <a:rPr lang="en-US" dirty="0"/>
+              <a:t> number, but they blew up fast</a:t>
+            </a:r>
+          </a:p>
+          <a:p>
+            <a:r>
+              <a:rPr lang="en-US" dirty="0"/>
+              <a:t>Eventually moved to only looking at Winning and Losing positions</a:t>
+            </a:r>
+          </a:p>
+          <a:p>
+            <a:r>
+              <a:rPr lang="en-US" dirty="0"/>
+              <a:t>Looking at 3 x N boards</a:t>
+            </a:r>
           </a:p>
         </p:txBody>
       </p:sp>
     </p:spTree>
     <p:extLst>
       <p:ext uri="{BB962C8B-B14F-4D97-AF65-F5344CB8AC3E}">
-        <p14:creationId xmlns:p14="http://schemas.microsoft.com/office/powerpoint/2010/main" val="1829637777"/>
+        <p14:creationId xmlns:p14="http://schemas.microsoft.com/office/powerpoint/2010/main" val="2585537677"/>
       </p:ext>
     </p:extLst>
   </p:cSld>
@@ -4408,7 +4890,7 @@
           <p:cNvPr id="2" name="Title 1">
             <a:extLst>
               <a:ext uri="{FF2B5EF4-FFF2-40B4-BE49-F238E27FC236}">
-                <a16:creationId xmlns:a16="http://schemas.microsoft.com/office/drawing/2014/main" id="{28AB77A8-739D-4BAB-92B9-DEA5C4D28DF9}"/>
+                <a16:creationId xmlns:a16="http://schemas.microsoft.com/office/drawing/2014/main" id="{EFF4A8FD-2C1B-42F8-9FEA-EAE2E9AACCD9}"/>
               </a:ext>
             </a:extLst>
           </p:cNvPr>
@@ -4426,75 +4908,40 @@
           <a:p>
             <a:r>
               <a:rPr lang="en-US" dirty="0"/>
-              <a:t>Nim Numbers</a:t>
-            </a:r>
-          </a:p>
-        </p:txBody>
-      </p:sp>
-      <p:sp>
-        <p:nvSpPr>
-          <p:cNvPr id="3" name="Content Placeholder 2">
-            <a:extLst>
-              <a:ext uri="{FF2B5EF4-FFF2-40B4-BE49-F238E27FC236}">
-                <a16:creationId xmlns:a16="http://schemas.microsoft.com/office/drawing/2014/main" id="{1D29C310-E282-4DAC-9F75-8FA0E8A51674}"/>
-              </a:ext>
-            </a:extLst>
-          </p:cNvPr>
-          <p:cNvSpPr>
-            <a:spLocks noGrp="1"/>
-          </p:cNvSpPr>
-          <p:nvPr>
-            <p:ph idx="1"/>
-          </p:nvPr>
-        </p:nvSpPr>
-        <p:spPr/>
-        <p:txBody>
-          <a:bodyPr/>
-          <a:lstStyle/>
-          <a:p>
-            <a:r>
-              <a:rPr lang="en-US" dirty="0"/>
-              <a:t>Winning and losing positions (P vs N)</a:t>
-            </a:r>
-          </a:p>
-          <a:p>
-            <a:r>
-              <a:rPr lang="en-US" dirty="0"/>
-              <a:t>Counting up and MEX</a:t>
-            </a:r>
-          </a:p>
-          <a:p>
-            <a:r>
-              <a:rPr lang="en-US" dirty="0"/>
-              <a:t>Every board has a recursively defined </a:t>
-            </a:r>
-            <a:r>
-              <a:rPr lang="en-US" dirty="0" err="1"/>
-              <a:t>nim</a:t>
-            </a:r>
-            <a:r>
-              <a:rPr lang="en-US" dirty="0"/>
-              <a:t> number, but they blew up fast</a:t>
-            </a:r>
-          </a:p>
-          <a:p>
-            <a:r>
-              <a:rPr lang="en-US" dirty="0"/>
-              <a:t>Eventually moved to only looking at Winning and Losing positions</a:t>
-            </a:r>
-          </a:p>
-          <a:p>
-            <a:r>
-              <a:rPr lang="en-US" dirty="0"/>
-              <a:t>Looking at 3 x N boards</a:t>
-            </a:r>
+              <a:t>What did I do</a:t>
+            </a:r>
+          </a:p>
+        </p:txBody>
+      </p:sp>
+      <p:sp>
+        <p:nvSpPr>
+          <p:cNvPr id="3" name="Text Placeholder 2">
+            <a:extLst>
+              <a:ext uri="{FF2B5EF4-FFF2-40B4-BE49-F238E27FC236}">
+                <a16:creationId xmlns:a16="http://schemas.microsoft.com/office/drawing/2014/main" id="{E4C6D9C8-C71C-4F29-BD1A-9170B55FD154}"/>
+              </a:ext>
+            </a:extLst>
+          </p:cNvPr>
+          <p:cNvSpPr>
+            <a:spLocks noGrp="1"/>
+          </p:cNvSpPr>
+          <p:nvPr>
+            <p:ph type="body" idx="1"/>
+          </p:nvPr>
+        </p:nvSpPr>
+        <p:spPr/>
+        <p:txBody>
+          <a:bodyPr/>
+          <a:lstStyle/>
+          <a:p>
+            <a:endParaRPr lang="en-US"/>
           </a:p>
         </p:txBody>
       </p:sp>
     </p:spTree>
     <p:extLst>
       <p:ext uri="{BB962C8B-B14F-4D97-AF65-F5344CB8AC3E}">
-        <p14:creationId xmlns:p14="http://schemas.microsoft.com/office/powerpoint/2010/main" val="2585537677"/>
+        <p14:creationId xmlns:p14="http://schemas.microsoft.com/office/powerpoint/2010/main" val="1829637777"/>
       </p:ext>
     </p:extLst>
   </p:cSld>
@@ -4797,4 +5244,299 @@
     </a:ext>
   </a:extLst>
 </a:theme>
+</file>
+
+<file path=ppt/theme/theme2.xml><?xml version="1.0" encoding="utf-8"?>
+<a:theme xmlns:a="http://schemas.openxmlformats.org/drawingml/2006/main" name="Office Theme">
+  <a:themeElements>
+    <a:clrScheme name="Office">
+      <a:dk1>
+        <a:sysClr val="windowText" lastClr="000000"/>
+      </a:dk1>
+      <a:lt1>
+        <a:sysClr val="window" lastClr="FFFFFF"/>
+      </a:lt1>
+      <a:dk2>
+        <a:srgbClr val="44546A"/>
+      </a:dk2>
+      <a:lt2>
+        <a:srgbClr val="E7E6E6"/>
+      </a:lt2>
+      <a:accent1>
+        <a:srgbClr val="4472C4"/>
+      </a:accent1>
+      <a:accent2>
+        <a:srgbClr val="ED7D31"/>
+      </a:accent2>
+      <a:accent3>
+        <a:srgbClr val="A5A5A5"/>
+      </a:accent3>
+      <a:accent4>
+        <a:srgbClr val="FFC000"/>
+      </a:accent4>
+      <a:accent5>
+        <a:srgbClr val="5B9BD5"/>
+      </a:accent5>
+      <a:accent6>
+        <a:srgbClr val="70AD47"/>
+      </a:accent6>
+      <a:hlink>
+        <a:srgbClr val="0563C1"/>
+      </a:hlink>
+      <a:folHlink>
+        <a:srgbClr val="954F72"/>
+      </a:folHlink>
+    </a:clrScheme>
+    <a:fontScheme name="Office">
+      <a:majorFont>
+        <a:latin typeface="Calibri Light" panose="020F0302020204030204"/>
+        <a:ea typeface=""/>
+        <a:cs typeface=""/>
+        <a:font script="Jpan" typeface="游ゴシック Light"/>
+        <a:font script="Hang" typeface="맑은 고딕"/>
+        <a:font script="Hans" typeface="等线 Light"/>
+        <a:font script="Hant" typeface="新細明體"/>
+        <a:font script="Arab" typeface="Times New Roman"/>
+        <a:font script="Hebr" typeface="Times New Roman"/>
+        <a:font script="Thai" typeface="Angsana New"/>
+        <a:font script="Ethi" typeface="Nyala"/>
+        <a:font script="Beng" typeface="Vrinda"/>
+        <a:font script="Gujr" typeface="Shruti"/>
+        <a:font script="Khmr" typeface="MoolBoran"/>
+        <a:font script="Knda" typeface="Tunga"/>
+        <a:font script="Guru" typeface="Raavi"/>
+        <a:font script="Cans" typeface="Euphemia"/>
+        <a:font script="Cher" typeface="Plantagenet Cherokee"/>
+        <a:font script="Yiii" typeface="Microsoft Yi Baiti"/>
+        <a:font script="Tibt" typeface="Microsoft Himalaya"/>
+        <a:font script="Thaa" typeface="MV Boli"/>
+        <a:font script="Deva" typeface="Mangal"/>
+        <a:font script="Telu" typeface="Gautami"/>
+        <a:font script="Taml" typeface="Latha"/>
+        <a:font script="Syrc" typeface="Estrangelo Edessa"/>
+        <a:font script="Orya" typeface="Kalinga"/>
+        <a:font script="Mlym" typeface="Kartika"/>
+        <a:font script="Laoo" typeface="DokChampa"/>
+        <a:font script="Sinh" typeface="Iskoola Pota"/>
+        <a:font script="Mong" typeface="Mongolian Baiti"/>
+        <a:font script="Viet" typeface="Times New Roman"/>
+        <a:font script="Uigh" typeface="Microsoft Uighur"/>
+        <a:font script="Geor" typeface="Sylfaen"/>
+        <a:font script="Armn" typeface="Arial"/>
+        <a:font script="Bugi" typeface="Leelawadee UI"/>
+        <a:font script="Bopo" typeface="Microsoft JhengHei"/>
+        <a:font script="Java" typeface="Javanese Text"/>
+        <a:font script="Lisu" typeface="Segoe UI"/>
+        <a:font script="Mymr" typeface="Myanmar Text"/>
+        <a:font script="Nkoo" typeface="Ebrima"/>
+        <a:font script="Olck" typeface="Nirmala UI"/>
+        <a:font script="Osma" typeface="Ebrima"/>
+        <a:font script="Phag" typeface="Phagspa"/>
+        <a:font script="Syrn" typeface="Estrangelo Edessa"/>
+        <a:font script="Syrj" typeface="Estrangelo Edessa"/>
+        <a:font script="Syre" typeface="Estrangelo Edessa"/>
+        <a:font script="Sora" typeface="Nirmala UI"/>
+        <a:font script="Tale" typeface="Microsoft Tai Le"/>
+        <a:font script="Talu" typeface="Microsoft New Tai Lue"/>
+        <a:font script="Tfng" typeface="Ebrima"/>
+      </a:majorFont>
+      <a:minorFont>
+        <a:latin typeface="Calibri" panose="020F0502020204030204"/>
+        <a:ea typeface=""/>
+        <a:cs typeface=""/>
+        <a:font script="Jpan" typeface="游ゴシック"/>
+        <a:font script="Hang" typeface="맑은 고딕"/>
+        <a:font script="Hans" typeface="等线"/>
+        <a:font script="Hant" typeface="新細明體"/>
+        <a:font script="Arab" typeface="Arial"/>
+        <a:font script="Hebr" typeface="Arial"/>
+        <a:font script="Thai" typeface="Cordia New"/>
+        <a:font script="Ethi" typeface="Nyala"/>
+        <a:font script="Beng" typeface="Vrinda"/>
+        <a:font script="Gujr" typeface="Shruti"/>
+        <a:font script="Khmr" typeface="DaunPenh"/>
+        <a:font script="Knda" typeface="Tunga"/>
+        <a:font script="Guru" typeface="Raavi"/>
+        <a:font script="Cans" typeface="Euphemia"/>
+        <a:font script="Cher" typeface="Plantagenet Cherokee"/>
+        <a:font script="Yiii" typeface="Microsoft Yi Baiti"/>
+        <a:font script="Tibt" typeface="Microsoft Himalaya"/>
+        <a:font script="Thaa" typeface="MV Boli"/>
+        <a:font script="Deva" typeface="Mangal"/>
+        <a:font script="Telu" typeface="Gautami"/>
+        <a:font script="Taml" typeface="Latha"/>
+        <a:font script="Syrc" typeface="Estrangelo Edessa"/>
+        <a:font script="Orya" typeface="Kalinga"/>
+        <a:font script="Mlym" typeface="Kartika"/>
+        <a:font script="Laoo" typeface="DokChampa"/>
+        <a:font script="Sinh" typeface="Iskoola Pota"/>
+        <a:font script="Mong" typeface="Mongolian Baiti"/>
+        <a:font script="Viet" typeface="Arial"/>
+        <a:font script="Uigh" typeface="Microsoft Uighur"/>
+        <a:font script="Geor" typeface="Sylfaen"/>
+        <a:font script="Armn" typeface="Arial"/>
+        <a:font script="Bugi" typeface="Leelawadee UI"/>
+        <a:font script="Bopo" typeface="Microsoft JhengHei"/>
+        <a:font script="Java" typeface="Javanese Text"/>
+        <a:font script="Lisu" typeface="Segoe UI"/>
+        <a:font script="Mymr" typeface="Myanmar Text"/>
+        <a:font script="Nkoo" typeface="Ebrima"/>
+        <a:font script="Olck" typeface="Nirmala UI"/>
+        <a:font script="Osma" typeface="Ebrima"/>
+        <a:font script="Phag" typeface="Phagspa"/>
+        <a:font script="Syrn" typeface="Estrangelo Edessa"/>
+        <a:font script="Syrj" typeface="Estrangelo Edessa"/>
+        <a:font script="Syre" typeface="Estrangelo Edessa"/>
+        <a:font script="Sora" typeface="Nirmala UI"/>
+        <a:font script="Tale" typeface="Microsoft Tai Le"/>
+        <a:font script="Talu" typeface="Microsoft New Tai Lue"/>
+        <a:font script="Tfng" typeface="Ebrima"/>
+      </a:minorFont>
+    </a:fontScheme>
+    <a:fmtScheme name="Office">
+      <a:fillStyleLst>
+        <a:solidFill>
+          <a:schemeClr val="phClr"/>
+        </a:solidFill>
+        <a:gradFill rotWithShape="1">
+          <a:gsLst>
+            <a:gs pos="0">
+              <a:schemeClr val="phClr">
+                <a:lumMod val="110000"/>
+                <a:satMod val="105000"/>
+                <a:tint val="67000"/>
+              </a:schemeClr>
+            </a:gs>
+            <a:gs pos="50000">
+              <a:schemeClr val="phClr">
+                <a:lumMod val="105000"/>
+                <a:satMod val="103000"/>
+                <a:tint val="73000"/>
+              </a:schemeClr>
+            </a:gs>
+            <a:gs pos="100000">
+              <a:schemeClr val="phClr">
+                <a:lumMod val="105000"/>
+                <a:satMod val="109000"/>
+                <a:tint val="81000"/>
+              </a:schemeClr>
+            </a:gs>
+          </a:gsLst>
+          <a:lin ang="5400000" scaled="0"/>
+        </a:gradFill>
+        <a:gradFill rotWithShape="1">
+          <a:gsLst>
+            <a:gs pos="0">
+              <a:schemeClr val="phClr">
+                <a:satMod val="103000"/>
+                <a:lumMod val="102000"/>
+                <a:tint val="94000"/>
+              </a:schemeClr>
+            </a:gs>
+            <a:gs pos="50000">
+              <a:schemeClr val="phClr">
+                <a:satMod val="110000"/>
+                <a:lumMod val="100000"/>
+                <a:shade val="100000"/>
+              </a:schemeClr>
+            </a:gs>
+            <a:gs pos="100000">
+              <a:schemeClr val="phClr">
+                <a:lumMod val="99000"/>
+                <a:satMod val="120000"/>
+                <a:shade val="78000"/>
+              </a:schemeClr>
+            </a:gs>
+          </a:gsLst>
+          <a:lin ang="5400000" scaled="0"/>
+        </a:gradFill>
+      </a:fillStyleLst>
+      <a:lnStyleLst>
+        <a:ln w="6350" cap="flat" cmpd="sng" algn="ctr">
+          <a:solidFill>
+            <a:schemeClr val="phClr"/>
+          </a:solidFill>
+          <a:prstDash val="solid"/>
+          <a:miter lim="800000"/>
+        </a:ln>
+        <a:ln w="12700" cap="flat" cmpd="sng" algn="ctr">
+          <a:solidFill>
+            <a:schemeClr val="phClr"/>
+          </a:solidFill>
+          <a:prstDash val="solid"/>
+          <a:miter lim="800000"/>
+        </a:ln>
+        <a:ln w="19050" cap="flat" cmpd="sng" algn="ctr">
+          <a:solidFill>
+            <a:schemeClr val="phClr"/>
+          </a:solidFill>
+          <a:prstDash val="solid"/>
+          <a:miter lim="800000"/>
+        </a:ln>
+      </a:lnStyleLst>
+      <a:effectStyleLst>
+        <a:effectStyle>
+          <a:effectLst/>
+        </a:effectStyle>
+        <a:effectStyle>
+          <a:effectLst/>
+        </a:effectStyle>
+        <a:effectStyle>
+          <a:effectLst>
+            <a:outerShdw blurRad="57150" dist="19050" dir="5400000" algn="ctr" rotWithShape="0">
+              <a:srgbClr val="000000">
+                <a:alpha val="63000"/>
+              </a:srgbClr>
+            </a:outerShdw>
+          </a:effectLst>
+        </a:effectStyle>
+      </a:effectStyleLst>
+      <a:bgFillStyleLst>
+        <a:solidFill>
+          <a:schemeClr val="phClr"/>
+        </a:solidFill>
+        <a:solidFill>
+          <a:schemeClr val="phClr">
+            <a:tint val="95000"/>
+            <a:satMod val="170000"/>
+          </a:schemeClr>
+        </a:solidFill>
+        <a:gradFill rotWithShape="1">
+          <a:gsLst>
+            <a:gs pos="0">
+              <a:schemeClr val="phClr">
+                <a:tint val="93000"/>
+                <a:satMod val="150000"/>
+                <a:shade val="98000"/>
+                <a:lumMod val="102000"/>
+              </a:schemeClr>
+            </a:gs>
+            <a:gs pos="50000">
+              <a:schemeClr val="phClr">
+                <a:tint val="98000"/>
+                <a:satMod val="130000"/>
+                <a:shade val="90000"/>
+                <a:lumMod val="103000"/>
+              </a:schemeClr>
+            </a:gs>
+            <a:gs pos="100000">
+              <a:schemeClr val="phClr">
+                <a:shade val="63000"/>
+                <a:satMod val="120000"/>
+              </a:schemeClr>
+            </a:gs>
+          </a:gsLst>
+          <a:lin ang="5400000" scaled="0"/>
+        </a:gradFill>
+      </a:bgFillStyleLst>
+    </a:fmtScheme>
+  </a:themeElements>
+  <a:objectDefaults/>
+  <a:extraClrSchemeLst/>
+  <a:extLst>
+    <a:ext uri="{05A4C25C-085E-4340-85A3-A5531E510DB2}">
+      <thm15:themeFamily xmlns:thm15="http://schemas.microsoft.com/office/thememl/2012/main" name="Office Theme" id="{62F939B6-93AF-4DB8-9C6B-D6C7DFDC589F}" vid="{4A3C46E8-61CC-4603-A589-7422A47A8E4A}"/>
+    </a:ext>
+  </a:extLst>
+</a:theme>
 </file>
--- a/Presentation/Mat Cap draft.pptx
+++ b/Presentation/Mat Cap draft.pptx
@@ -5,7 +5,7 @@
     <p:sldMasterId id="2147483648" r:id="rId1"/>
   </p:sldMasterIdLst>
   <p:notesMasterIdLst>
-    <p:notesMasterId r:id="rId14"/>
+    <p:notesMasterId r:id="rId30"/>
   </p:notesMasterIdLst>
   <p:sldIdLst>
     <p:sldId id="256" r:id="rId2"/>
@@ -19,7 +19,23 @@
     <p:sldId id="261" r:id="rId10"/>
     <p:sldId id="265" r:id="rId11"/>
     <p:sldId id="266" r:id="rId12"/>
-    <p:sldId id="267" r:id="rId13"/>
+    <p:sldId id="283" r:id="rId13"/>
+    <p:sldId id="269" r:id="rId14"/>
+    <p:sldId id="276" r:id="rId15"/>
+    <p:sldId id="282" r:id="rId16"/>
+    <p:sldId id="284" r:id="rId17"/>
+    <p:sldId id="268" r:id="rId18"/>
+    <p:sldId id="270" r:id="rId19"/>
+    <p:sldId id="281" r:id="rId20"/>
+    <p:sldId id="285" r:id="rId21"/>
+    <p:sldId id="275" r:id="rId22"/>
+    <p:sldId id="278" r:id="rId23"/>
+    <p:sldId id="280" r:id="rId24"/>
+    <p:sldId id="286" r:id="rId25"/>
+    <p:sldId id="271" r:id="rId26"/>
+    <p:sldId id="277" r:id="rId27"/>
+    <p:sldId id="279" r:id="rId28"/>
+    <p:sldId id="267" r:id="rId29"/>
   </p:sldIdLst>
   <p:sldSz cx="12192000" cy="6858000"/>
   <p:notesSz cx="6858000" cy="9144000"/>
@@ -208,7 +224,7 @@
           <a:p>
             <a:fld id="{36A3AEE4-FDD0-4F75-BD7D-00E9E1F73F05}" type="datetimeFigureOut">
               <a:rPr lang="en-US" smtClean="0"/>
-              <a:t>9/23/2021</a:t>
+              <a:t>10/6/2021</a:t>
             </a:fld>
             <a:endParaRPr lang="en-US"/>
           </a:p>
@@ -570,6 +586,97 @@
 </p:notes>
 </file>
 
+<file path=ppt/notesSlides/notesSlide2.xml><?xml version="1.0" encoding="utf-8"?>
+<p:notes xmlns:a="http://schemas.openxmlformats.org/drawingml/2006/main" xmlns:r="http://schemas.openxmlformats.org/officeDocument/2006/relationships" xmlns:p="http://schemas.openxmlformats.org/presentationml/2006/main">
+  <p:cSld>
+    <p:spTree>
+      <p:nvGrpSpPr>
+        <p:cNvPr id="1" name=""/>
+        <p:cNvGrpSpPr/>
+        <p:nvPr/>
+      </p:nvGrpSpPr>
+      <p:grpSpPr>
+        <a:xfrm>
+          <a:off x="0" y="0"/>
+          <a:ext cx="0" cy="0"/>
+          <a:chOff x="0" y="0"/>
+          <a:chExt cx="0" cy="0"/>
+        </a:xfrm>
+      </p:grpSpPr>
+      <p:sp>
+        <p:nvSpPr>
+          <p:cNvPr id="2" name="Slide Image Placeholder 1"/>
+          <p:cNvSpPr>
+            <a:spLocks noGrp="1" noRot="1" noChangeAspect="1"/>
+          </p:cNvSpPr>
+          <p:nvPr>
+            <p:ph type="sldImg"/>
+          </p:nvPr>
+        </p:nvSpPr>
+        <p:spPr/>
+      </p:sp>
+      <p:sp>
+        <p:nvSpPr>
+          <p:cNvPr id="3" name="Notes Placeholder 2"/>
+          <p:cNvSpPr>
+            <a:spLocks noGrp="1"/>
+          </p:cNvSpPr>
+          <p:nvPr>
+            <p:ph type="body" idx="1"/>
+          </p:nvPr>
+        </p:nvSpPr>
+        <p:spPr/>
+        <p:txBody>
+          <a:bodyPr/>
+          <a:lstStyle/>
+          <a:p>
+            <a:r>
+              <a:rPr lang="en-US" dirty="0" err="1"/>
+              <a:t>Adressed</a:t>
+            </a:r>
+            <a:r>
+              <a:rPr lang="en-US" dirty="0"/>
+              <a:t> in paper, but for presentation</a:t>
+            </a:r>
+          </a:p>
+        </p:txBody>
+      </p:sp>
+      <p:sp>
+        <p:nvSpPr>
+          <p:cNvPr id="4" name="Slide Number Placeholder 3"/>
+          <p:cNvSpPr>
+            <a:spLocks noGrp="1"/>
+          </p:cNvSpPr>
+          <p:nvPr>
+            <p:ph type="sldNum" sz="quarter" idx="5"/>
+          </p:nvPr>
+        </p:nvSpPr>
+        <p:spPr/>
+        <p:txBody>
+          <a:bodyPr/>
+          <a:lstStyle/>
+          <a:p>
+            <a:fld id="{E4A54888-1F1E-4497-B6EE-80C4D8711430}" type="slidenum">
+              <a:rPr lang="en-US" smtClean="0"/>
+              <a:t>12</a:t>
+            </a:fld>
+            <a:endParaRPr lang="en-US"/>
+          </a:p>
+        </p:txBody>
+      </p:sp>
+    </p:spTree>
+    <p:extLst>
+      <p:ext uri="{BB962C8B-B14F-4D97-AF65-F5344CB8AC3E}">
+        <p14:creationId xmlns:p14="http://schemas.microsoft.com/office/powerpoint/2010/main" val="2765733154"/>
+      </p:ext>
+    </p:extLst>
+  </p:cSld>
+  <p:clrMapOvr>
+    <a:masterClrMapping/>
+  </p:clrMapOvr>
+</p:notes>
+</file>
+
 <file path=ppt/slideLayouts/slideLayout1.xml><?xml version="1.0" encoding="utf-8"?>
 <p:sldLayout xmlns:a="http://schemas.openxmlformats.org/drawingml/2006/main" xmlns:r="http://schemas.openxmlformats.org/officeDocument/2006/relationships" xmlns:p="http://schemas.openxmlformats.org/presentationml/2006/main" type="title" preserve="1">
   <p:cSld name="Title Slide">
@@ -717,7 +824,7 @@
           <a:p>
             <a:fld id="{5EBDE367-CAA5-4E3B-930C-AF184D1E7F4F}" type="datetimeFigureOut">
               <a:rPr lang="en-US" smtClean="0"/>
-              <a:t>9/23/2021</a:t>
+              <a:t>10/6/2021</a:t>
             </a:fld>
             <a:endParaRPr lang="en-US"/>
           </a:p>
@@ -915,7 +1022,7 @@
           <a:p>
             <a:fld id="{5EBDE367-CAA5-4E3B-930C-AF184D1E7F4F}" type="datetimeFigureOut">
               <a:rPr lang="en-US" smtClean="0"/>
-              <a:t>9/23/2021</a:t>
+              <a:t>10/6/2021</a:t>
             </a:fld>
             <a:endParaRPr lang="en-US"/>
           </a:p>
@@ -1123,7 +1230,7 @@
           <a:p>
             <a:fld id="{5EBDE367-CAA5-4E3B-930C-AF184D1E7F4F}" type="datetimeFigureOut">
               <a:rPr lang="en-US" smtClean="0"/>
-              <a:t>9/23/2021</a:t>
+              <a:t>10/6/2021</a:t>
             </a:fld>
             <a:endParaRPr lang="en-US"/>
           </a:p>
@@ -1321,7 +1428,7 @@
           <a:p>
             <a:fld id="{5EBDE367-CAA5-4E3B-930C-AF184D1E7F4F}" type="datetimeFigureOut">
               <a:rPr lang="en-US" smtClean="0"/>
-              <a:t>9/23/2021</a:t>
+              <a:t>10/6/2021</a:t>
             </a:fld>
             <a:endParaRPr lang="en-US"/>
           </a:p>
@@ -1596,7 +1703,7 @@
           <a:p>
             <a:fld id="{5EBDE367-CAA5-4E3B-930C-AF184D1E7F4F}" type="datetimeFigureOut">
               <a:rPr lang="en-US" smtClean="0"/>
-              <a:t>9/23/2021</a:t>
+              <a:t>10/6/2021</a:t>
             </a:fld>
             <a:endParaRPr lang="en-US"/>
           </a:p>
@@ -1861,7 +1968,7 @@
           <a:p>
             <a:fld id="{5EBDE367-CAA5-4E3B-930C-AF184D1E7F4F}" type="datetimeFigureOut">
               <a:rPr lang="en-US" smtClean="0"/>
-              <a:t>9/23/2021</a:t>
+              <a:t>10/6/2021</a:t>
             </a:fld>
             <a:endParaRPr lang="en-US"/>
           </a:p>
@@ -2273,7 +2380,7 @@
           <a:p>
             <a:fld id="{5EBDE367-CAA5-4E3B-930C-AF184D1E7F4F}" type="datetimeFigureOut">
               <a:rPr lang="en-US" smtClean="0"/>
-              <a:t>9/23/2021</a:t>
+              <a:t>10/6/2021</a:t>
             </a:fld>
             <a:endParaRPr lang="en-US"/>
           </a:p>
@@ -2414,7 +2521,7 @@
           <a:p>
             <a:fld id="{5EBDE367-CAA5-4E3B-930C-AF184D1E7F4F}" type="datetimeFigureOut">
               <a:rPr lang="en-US" smtClean="0"/>
-              <a:t>9/23/2021</a:t>
+              <a:t>10/6/2021</a:t>
             </a:fld>
             <a:endParaRPr lang="en-US"/>
           </a:p>
@@ -2527,7 +2634,7 @@
           <a:p>
             <a:fld id="{5EBDE367-CAA5-4E3B-930C-AF184D1E7F4F}" type="datetimeFigureOut">
               <a:rPr lang="en-US" smtClean="0"/>
-              <a:t>9/23/2021</a:t>
+              <a:t>10/6/2021</a:t>
             </a:fld>
             <a:endParaRPr lang="en-US"/>
           </a:p>
@@ -2838,7 +2945,7 @@
           <a:p>
             <a:fld id="{5EBDE367-CAA5-4E3B-930C-AF184D1E7F4F}" type="datetimeFigureOut">
               <a:rPr lang="en-US" smtClean="0"/>
-              <a:t>9/23/2021</a:t>
+              <a:t>10/6/2021</a:t>
             </a:fld>
             <a:endParaRPr lang="en-US"/>
           </a:p>
@@ -3126,7 +3233,7 @@
           <a:p>
             <a:fld id="{5EBDE367-CAA5-4E3B-930C-AF184D1E7F4F}" type="datetimeFigureOut">
               <a:rPr lang="en-US" smtClean="0"/>
-              <a:t>9/23/2021</a:t>
+              <a:t>10/6/2021</a:t>
             </a:fld>
             <a:endParaRPr lang="en-US"/>
           </a:p>
@@ -3367,7 +3474,7 @@
           <a:p>
             <a:fld id="{5EBDE367-CAA5-4E3B-930C-AF184D1E7F4F}" type="datetimeFigureOut">
               <a:rPr lang="en-US" smtClean="0"/>
-              <a:t>9/23/2021</a:t>
+              <a:t>10/6/2021</a:t>
             </a:fld>
             <a:endParaRPr lang="en-US"/>
           </a:p>
@@ -3802,12 +3909,14 @@
         </p:nvSpPr>
         <p:spPr/>
         <p:txBody>
-          <a:bodyPr/>
-          <a:lstStyle/>
-          <a:p>
-            <a:r>
-              <a:rPr lang="en-US" dirty="0"/>
-              <a:t>Title</a:t>
+          <a:bodyPr>
+            <a:normAutofit fontScale="90000"/>
+          </a:bodyPr>
+          <a:lstStyle/>
+          <a:p>
+            <a:r>
+              <a:rPr lang="en-US" dirty="0"/>
+              <a:t>Partial Solution of 3 x N Chomp boards in the form of (2, H, 2)</a:t>
             </a:r>
           </a:p>
         </p:txBody>
@@ -3918,15 +4027,19 @@
           <a:p>
             <a:r>
               <a:rPr lang="en-US" dirty="0"/>
-              <a:t>Wrote a Python script to iterate through all boards from a maximum size to get its </a:t>
+              <a:t>Wrote a Python script to iterate through all boards from a maximum size to get its position state and those of its children recursively with </a:t>
             </a:r>
             <a:r>
               <a:rPr lang="en-US" dirty="0" err="1"/>
-              <a:t>nnum</a:t>
-            </a:r>
-            <a:r>
-              <a:rPr lang="en-US" dirty="0"/>
-              <a:t> and those of its children</a:t>
+              <a:t>memoization</a:t>
+            </a:r>
+            <a:endParaRPr lang="en-US" dirty="0"/>
+          </a:p>
+          <a:p>
+            <a:pPr lvl="1"/>
+            <a:r>
+              <a:rPr lang="en-US" dirty="0"/>
+              <a:t>Work toward the base case, can exit early</a:t>
             </a:r>
           </a:p>
           <a:p>
@@ -3946,7 +4059,7 @@
             <a:pPr lvl="1"/>
             <a:r>
               <a:rPr lang="en-US" dirty="0"/>
-              <a:t>[2, k, 2]</a:t>
+              <a:t>[2, H, 2]</a:t>
             </a:r>
           </a:p>
           <a:p>
@@ -4036,7 +4149,17 @@
           <a:bodyPr/>
           <a:lstStyle/>
           <a:p>
-            <a:endParaRPr lang="en-US"/>
+            <a:r>
+              <a:rPr lang="en-US" dirty="0"/>
+              <a:t>GRAPHIC GENERATING THE LIST OF THEM</a:t>
+            </a:r>
+          </a:p>
+          <a:p>
+            <a:pPr lvl="1"/>
+            <a:r>
+              <a:rPr lang="en-US" dirty="0"/>
+              <a:t>(Unless I can present in person)</a:t>
+            </a:r>
           </a:p>
         </p:txBody>
       </p:sp>
@@ -4075,7 +4198,7 @@
           <p:cNvPr id="2" name="Title 1">
             <a:extLst>
               <a:ext uri="{FF2B5EF4-FFF2-40B4-BE49-F238E27FC236}">
-                <a16:creationId xmlns:a16="http://schemas.microsoft.com/office/drawing/2014/main" id="{88B2E67C-F2D9-46C6-A957-2726761AAC94}"/>
+                <a16:creationId xmlns:a16="http://schemas.microsoft.com/office/drawing/2014/main" id="{B732DACA-8368-466D-A2DB-F8AA2A006EC8}"/>
               </a:ext>
             </a:extLst>
           </p:cNvPr>
@@ -4093,7 +4216,7 @@
           <a:p>
             <a:r>
               <a:rPr lang="en-US" dirty="0"/>
-              <a:t>Current Problems</a:t>
+              <a:t>A Funky Dude</a:t>
             </a:r>
           </a:p>
         </p:txBody>
@@ -4103,7 +4226,7 @@
           <p:cNvPr id="3" name="Content Placeholder 2">
             <a:extLst>
               <a:ext uri="{FF2B5EF4-FFF2-40B4-BE49-F238E27FC236}">
-                <a16:creationId xmlns:a16="http://schemas.microsoft.com/office/drawing/2014/main" id="{372F942C-8F57-49FA-BB55-DA08D6BBAE6B}"/>
+                <a16:creationId xmlns:a16="http://schemas.microsoft.com/office/drawing/2014/main" id="{58DCAEF9-9336-42FE-AD45-F9896FFCBC99}"/>
               </a:ext>
             </a:extLst>
           </p:cNvPr>
@@ -4121,21 +4244,1105 @@
           <a:p>
             <a:r>
               <a:rPr lang="en-US" dirty="0"/>
-              <a:t>Not very elegant, cases may reduce</a:t>
-            </a:r>
-          </a:p>
-          <a:p>
-            <a:r>
-              <a:rPr lang="en-US" dirty="0"/>
-              <a:t>Can't reach in one move from $3$ x $N$, but it is stable</a:t>
-            </a:r>
-          </a:p>
-        </p:txBody>
-      </p:sp>
+              <a:t>Aka [2, H, 2] when H = 0</a:t>
+            </a:r>
+          </a:p>
+          <a:p>
+            <a:pPr lvl="1"/>
+            <a:r>
+              <a:rPr lang="en-US" dirty="0"/>
+              <a:t>Just Follow the normal table and treat H as zero</a:t>
+            </a:r>
+          </a:p>
+          <a:p>
+            <a:pPr lvl="1"/>
+            <a:r>
+              <a:rPr lang="en-US" dirty="0"/>
+              <a:t>It works fine, but I just wanted to address the base</a:t>
+            </a:r>
+            <a:br>
+              <a:rPr lang="en-US" dirty="0"/>
+            </a:br>
+            <a:r>
+              <a:rPr lang="en-US" dirty="0"/>
+              <a:t>case real fast</a:t>
+            </a:r>
+          </a:p>
+        </p:txBody>
+      </p:sp>
+      <p:pic>
+        <p:nvPicPr>
+          <p:cNvPr id="5" name="Picture 4">
+            <a:extLst>
+              <a:ext uri="{FF2B5EF4-FFF2-40B4-BE49-F238E27FC236}">
+                <a16:creationId xmlns:a16="http://schemas.microsoft.com/office/drawing/2014/main" id="{4E0F6FF3-6045-47F4-B87C-ED25B57A7C5A}"/>
+              </a:ext>
+            </a:extLst>
+          </p:cNvPr>
+          <p:cNvPicPr>
+            <a:picLocks noChangeAspect="1"/>
+          </p:cNvPicPr>
+          <p:nvPr/>
+        </p:nvPicPr>
+        <p:blipFill>
+          <a:blip r:embed="rId3"/>
+          <a:stretch>
+            <a:fillRect/>
+          </a:stretch>
+        </p:blipFill>
+        <p:spPr>
+          <a:xfrm>
+            <a:off x="8174810" y="2628167"/>
+            <a:ext cx="2800741" cy="2181529"/>
+          </a:xfrm>
+          <a:prstGeom prst="rect">
+            <a:avLst/>
+          </a:prstGeom>
+        </p:spPr>
+      </p:pic>
     </p:spTree>
     <p:extLst>
       <p:ext uri="{BB962C8B-B14F-4D97-AF65-F5344CB8AC3E}">
-        <p14:creationId xmlns:p14="http://schemas.microsoft.com/office/powerpoint/2010/main" val="3292820267"/>
+        <p14:creationId xmlns:p14="http://schemas.microsoft.com/office/powerpoint/2010/main" val="964471657"/>
+      </p:ext>
+    </p:extLst>
+  </p:cSld>
+  <p:clrMapOvr>
+    <a:masterClrMapping/>
+  </p:clrMapOvr>
+</p:sld>
+</file>
+
+<file path=ppt/slides/slide13.xml><?xml version="1.0" encoding="utf-8"?>
+<p:sld xmlns:a="http://schemas.openxmlformats.org/drawingml/2006/main" xmlns:r="http://schemas.openxmlformats.org/officeDocument/2006/relationships" xmlns:p="http://schemas.openxmlformats.org/presentationml/2006/main">
+  <p:cSld>
+    <p:spTree>
+      <p:nvGrpSpPr>
+        <p:cNvPr id="1" name=""/>
+        <p:cNvGrpSpPr/>
+        <p:nvPr/>
+      </p:nvGrpSpPr>
+      <p:grpSpPr>
+        <a:xfrm>
+          <a:off x="0" y="0"/>
+          <a:ext cx="0" cy="0"/>
+          <a:chOff x="0" y="0"/>
+          <a:chExt cx="0" cy="0"/>
+        </a:xfrm>
+      </p:grpSpPr>
+      <p:sp>
+        <p:nvSpPr>
+          <p:cNvPr id="2" name="Title 1">
+            <a:extLst>
+              <a:ext uri="{FF2B5EF4-FFF2-40B4-BE49-F238E27FC236}">
+                <a16:creationId xmlns:a16="http://schemas.microsoft.com/office/drawing/2014/main" id="{2A7725F1-2143-4ABE-8B94-7214A8851B76}"/>
+              </a:ext>
+            </a:extLst>
+          </p:cNvPr>
+          <p:cNvSpPr>
+            <a:spLocks noGrp="1"/>
+          </p:cNvSpPr>
+          <p:nvPr>
+            <p:ph type="title"/>
+          </p:nvPr>
+        </p:nvSpPr>
+        <p:spPr/>
+        <p:txBody>
+          <a:bodyPr/>
+          <a:lstStyle/>
+          <a:p>
+            <a:r>
+              <a:rPr lang="en-US" dirty="0"/>
+              <a:t>1 x N</a:t>
+            </a:r>
+          </a:p>
+        </p:txBody>
+      </p:sp>
+      <p:sp>
+        <p:nvSpPr>
+          <p:cNvPr id="3" name="Text Placeholder 2">
+            <a:extLst>
+              <a:ext uri="{FF2B5EF4-FFF2-40B4-BE49-F238E27FC236}">
+                <a16:creationId xmlns:a16="http://schemas.microsoft.com/office/drawing/2014/main" id="{5945238D-9820-4411-8F14-41A301174F43}"/>
+              </a:ext>
+            </a:extLst>
+          </p:cNvPr>
+          <p:cNvSpPr>
+            <a:spLocks noGrp="1"/>
+          </p:cNvSpPr>
+          <p:nvPr>
+            <p:ph type="body" idx="1"/>
+          </p:nvPr>
+        </p:nvSpPr>
+        <p:spPr/>
+        <p:txBody>
+          <a:bodyPr/>
+          <a:lstStyle/>
+          <a:p>
+            <a:endParaRPr lang="en-US"/>
+          </a:p>
+        </p:txBody>
+      </p:sp>
+    </p:spTree>
+    <p:extLst>
+      <p:ext uri="{BB962C8B-B14F-4D97-AF65-F5344CB8AC3E}">
+        <p14:creationId xmlns:p14="http://schemas.microsoft.com/office/powerpoint/2010/main" val="3052663992"/>
+      </p:ext>
+    </p:extLst>
+  </p:cSld>
+  <p:clrMapOvr>
+    <a:masterClrMapping/>
+  </p:clrMapOvr>
+</p:sld>
+</file>
+
+<file path=ppt/slides/slide14.xml><?xml version="1.0" encoding="utf-8"?>
+<p:sld xmlns:a="http://schemas.openxmlformats.org/drawingml/2006/main" xmlns:r="http://schemas.openxmlformats.org/officeDocument/2006/relationships" xmlns:p="http://schemas.openxmlformats.org/presentationml/2006/main">
+  <p:cSld>
+    <p:spTree>
+      <p:nvGrpSpPr>
+        <p:cNvPr id="1" name=""/>
+        <p:cNvGrpSpPr/>
+        <p:nvPr/>
+      </p:nvGrpSpPr>
+      <p:grpSpPr>
+        <a:xfrm>
+          <a:off x="0" y="0"/>
+          <a:ext cx="0" cy="0"/>
+          <a:chOff x="0" y="0"/>
+          <a:chExt cx="0" cy="0"/>
+        </a:xfrm>
+      </p:grpSpPr>
+      <p:sp>
+        <p:nvSpPr>
+          <p:cNvPr id="2" name="Title 1">
+            <a:extLst>
+              <a:ext uri="{FF2B5EF4-FFF2-40B4-BE49-F238E27FC236}">
+                <a16:creationId xmlns:a16="http://schemas.microsoft.com/office/drawing/2014/main" id="{621A40DF-C87D-498D-8C2A-FA2C7C02DD59}"/>
+              </a:ext>
+            </a:extLst>
+          </p:cNvPr>
+          <p:cNvSpPr>
+            <a:spLocks noGrp="1"/>
+          </p:cNvSpPr>
+          <p:nvPr>
+            <p:ph type="title"/>
+          </p:nvPr>
+        </p:nvSpPr>
+        <p:spPr/>
+        <p:txBody>
+          <a:bodyPr/>
+          <a:lstStyle/>
+          <a:p>
+            <a:r>
+              <a:rPr lang="en-US" dirty="0"/>
+              <a:t>[0, 0, H + 2 + 2]</a:t>
+            </a:r>
+          </a:p>
+        </p:txBody>
+      </p:sp>
+      <p:sp>
+        <p:nvSpPr>
+          <p:cNvPr id="3" name="Content Placeholder 2">
+            <a:extLst>
+              <a:ext uri="{FF2B5EF4-FFF2-40B4-BE49-F238E27FC236}">
+                <a16:creationId xmlns:a16="http://schemas.microsoft.com/office/drawing/2014/main" id="{DF2042D7-0F3A-4423-9ABC-A65BABA0BF4D}"/>
+              </a:ext>
+            </a:extLst>
+          </p:cNvPr>
+          <p:cNvSpPr>
+            <a:spLocks noGrp="1"/>
+          </p:cNvSpPr>
+          <p:nvPr>
+            <p:ph sz="half" idx="1"/>
+          </p:nvPr>
+        </p:nvSpPr>
+        <p:spPr/>
+        <p:txBody>
+          <a:bodyPr/>
+          <a:lstStyle/>
+          <a:p>
+            <a:r>
+              <a:rPr lang="en-US" dirty="0"/>
+              <a:t>[0, 0, H + 4]; Op left only the bottom row</a:t>
+            </a:r>
+          </a:p>
+        </p:txBody>
+      </p:sp>
+      <p:sp>
+        <p:nvSpPr>
+          <p:cNvPr id="4" name="Content Placeholder 3">
+            <a:extLst>
+              <a:ext uri="{FF2B5EF4-FFF2-40B4-BE49-F238E27FC236}">
+                <a16:creationId xmlns:a16="http://schemas.microsoft.com/office/drawing/2014/main" id="{C0DA4476-09FD-4389-A1F8-7BAB1D77D725}"/>
+              </a:ext>
+            </a:extLst>
+          </p:cNvPr>
+          <p:cNvSpPr>
+            <a:spLocks noGrp="1"/>
+          </p:cNvSpPr>
+          <p:nvPr>
+            <p:ph sz="half" idx="2"/>
+          </p:nvPr>
+        </p:nvSpPr>
+        <p:spPr/>
+        <p:txBody>
+          <a:bodyPr/>
+          <a:lstStyle/>
+          <a:p>
+            <a:r>
+              <a:rPr lang="en-US" dirty="0"/>
+              <a:t>[1]; Solved 1 x N</a:t>
+            </a:r>
+          </a:p>
+        </p:txBody>
+      </p:sp>
+      <p:pic>
+        <p:nvPicPr>
+          <p:cNvPr id="6" name="Picture 5">
+            <a:extLst>
+              <a:ext uri="{FF2B5EF4-FFF2-40B4-BE49-F238E27FC236}">
+                <a16:creationId xmlns:a16="http://schemas.microsoft.com/office/drawing/2014/main" id="{6E95B806-591C-4A65-B7CE-D7771E1F9B89}"/>
+              </a:ext>
+            </a:extLst>
+          </p:cNvPr>
+          <p:cNvPicPr>
+            <a:picLocks noChangeAspect="1"/>
+          </p:cNvPicPr>
+          <p:nvPr/>
+        </p:nvPicPr>
+        <p:blipFill>
+          <a:blip r:embed="rId2"/>
+          <a:stretch>
+            <a:fillRect/>
+          </a:stretch>
+        </p:blipFill>
+        <p:spPr>
+          <a:xfrm>
+            <a:off x="713996" y="3292618"/>
+            <a:ext cx="5430008" cy="781159"/>
+          </a:xfrm>
+          <a:prstGeom prst="rect">
+            <a:avLst/>
+          </a:prstGeom>
+        </p:spPr>
+      </p:pic>
+      <p:pic>
+        <p:nvPicPr>
+          <p:cNvPr id="8" name="Picture 7">
+            <a:extLst>
+              <a:ext uri="{FF2B5EF4-FFF2-40B4-BE49-F238E27FC236}">
+                <a16:creationId xmlns:a16="http://schemas.microsoft.com/office/drawing/2014/main" id="{4B7095CB-69F4-451E-9989-678C3BC68559}"/>
+              </a:ext>
+            </a:extLst>
+          </p:cNvPr>
+          <p:cNvPicPr>
+            <a:picLocks noChangeAspect="1"/>
+          </p:cNvPicPr>
+          <p:nvPr/>
+        </p:nvPicPr>
+        <p:blipFill>
+          <a:blip r:embed="rId3"/>
+          <a:stretch>
+            <a:fillRect/>
+          </a:stretch>
+        </p:blipFill>
+        <p:spPr>
+          <a:xfrm>
+            <a:off x="7323972" y="3292618"/>
+            <a:ext cx="800212" cy="809738"/>
+          </a:xfrm>
+          <a:prstGeom prst="rect">
+            <a:avLst/>
+          </a:prstGeom>
+        </p:spPr>
+      </p:pic>
+    </p:spTree>
+    <p:extLst>
+      <p:ext uri="{BB962C8B-B14F-4D97-AF65-F5344CB8AC3E}">
+        <p14:creationId xmlns:p14="http://schemas.microsoft.com/office/powerpoint/2010/main" val="3024689128"/>
+      </p:ext>
+    </p:extLst>
+  </p:cSld>
+  <p:clrMapOvr>
+    <a:masterClrMapping/>
+  </p:clrMapOvr>
+</p:sld>
+</file>
+
+<file path=ppt/slides/slide15.xml><?xml version="1.0" encoding="utf-8"?>
+<p:sld xmlns:a="http://schemas.openxmlformats.org/drawingml/2006/main" xmlns:r="http://schemas.openxmlformats.org/officeDocument/2006/relationships" xmlns:p="http://schemas.openxmlformats.org/presentationml/2006/main">
+  <p:cSld>
+    <p:spTree>
+      <p:nvGrpSpPr>
+        <p:cNvPr id="1" name=""/>
+        <p:cNvGrpSpPr/>
+        <p:nvPr/>
+      </p:nvGrpSpPr>
+      <p:grpSpPr>
+        <a:xfrm>
+          <a:off x="0" y="0"/>
+          <a:ext cx="0" cy="0"/>
+          <a:chOff x="0" y="0"/>
+          <a:chExt cx="0" cy="0"/>
+        </a:xfrm>
+      </p:grpSpPr>
+      <p:sp>
+        <p:nvSpPr>
+          <p:cNvPr id="2" name="Title 1">
+            <a:extLst>
+              <a:ext uri="{FF2B5EF4-FFF2-40B4-BE49-F238E27FC236}">
+                <a16:creationId xmlns:a16="http://schemas.microsoft.com/office/drawing/2014/main" id="{F760A5BA-2979-422C-8C68-B9C92D41DCB5}"/>
+              </a:ext>
+            </a:extLst>
+          </p:cNvPr>
+          <p:cNvSpPr>
+            <a:spLocks noGrp="1"/>
+          </p:cNvSpPr>
+          <p:nvPr>
+            <p:ph type="title"/>
+          </p:nvPr>
+        </p:nvSpPr>
+        <p:spPr/>
+        <p:txBody>
+          <a:bodyPr/>
+          <a:lstStyle/>
+          <a:p>
+            <a:r>
+              <a:rPr lang="en-US" dirty="0"/>
+              <a:t>[1, 0, 0]</a:t>
+            </a:r>
+          </a:p>
+        </p:txBody>
+      </p:sp>
+      <p:sp>
+        <p:nvSpPr>
+          <p:cNvPr id="3" name="Content Placeholder 2">
+            <a:extLst>
+              <a:ext uri="{FF2B5EF4-FFF2-40B4-BE49-F238E27FC236}">
+                <a16:creationId xmlns:a16="http://schemas.microsoft.com/office/drawing/2014/main" id="{2CC09A55-4BAD-42F9-96DA-63A8CF56D8EA}"/>
+              </a:ext>
+            </a:extLst>
+          </p:cNvPr>
+          <p:cNvSpPr>
+            <a:spLocks noGrp="1"/>
+          </p:cNvSpPr>
+          <p:nvPr>
+            <p:ph sz="half" idx="1"/>
+          </p:nvPr>
+        </p:nvSpPr>
+        <p:spPr/>
+        <p:txBody>
+          <a:bodyPr/>
+          <a:lstStyle/>
+          <a:p>
+            <a:r>
+              <a:rPr lang="en-US" dirty="0"/>
+              <a:t>Op broke off all 2’s, all 1’s, and one 3</a:t>
+            </a:r>
+          </a:p>
+          <a:p>
+            <a:endParaRPr lang="en-US" dirty="0"/>
+          </a:p>
+        </p:txBody>
+      </p:sp>
+      <p:sp>
+        <p:nvSpPr>
+          <p:cNvPr id="4" name="Content Placeholder 3">
+            <a:extLst>
+              <a:ext uri="{FF2B5EF4-FFF2-40B4-BE49-F238E27FC236}">
+                <a16:creationId xmlns:a16="http://schemas.microsoft.com/office/drawing/2014/main" id="{A9CB5193-6115-4C21-966B-8C522F26C98F}"/>
+              </a:ext>
+            </a:extLst>
+          </p:cNvPr>
+          <p:cNvSpPr>
+            <a:spLocks noGrp="1"/>
+          </p:cNvSpPr>
+          <p:nvPr>
+            <p:ph sz="half" idx="2"/>
+          </p:nvPr>
+        </p:nvSpPr>
+        <p:spPr/>
+        <p:txBody>
+          <a:bodyPr/>
+          <a:lstStyle/>
+          <a:p>
+            <a:r>
+              <a:rPr lang="en-US" dirty="0"/>
+              <a:t>[1]; Solved 1 x N</a:t>
+            </a:r>
+          </a:p>
+        </p:txBody>
+      </p:sp>
+      <p:pic>
+        <p:nvPicPr>
+          <p:cNvPr id="6" name="Picture 5">
+            <a:extLst>
+              <a:ext uri="{FF2B5EF4-FFF2-40B4-BE49-F238E27FC236}">
+                <a16:creationId xmlns:a16="http://schemas.microsoft.com/office/drawing/2014/main" id="{F0F1D69A-BCEF-42E6-B3A8-A33543CE2166}"/>
+              </a:ext>
+            </a:extLst>
+          </p:cNvPr>
+          <p:cNvPicPr>
+            <a:picLocks noChangeAspect="1"/>
+          </p:cNvPicPr>
+          <p:nvPr/>
+        </p:nvPicPr>
+        <p:blipFill>
+          <a:blip r:embed="rId2"/>
+          <a:stretch>
+            <a:fillRect/>
+          </a:stretch>
+        </p:blipFill>
+        <p:spPr>
+          <a:xfrm>
+            <a:off x="3024131" y="2943871"/>
+            <a:ext cx="809738" cy="2114845"/>
+          </a:xfrm>
+          <a:prstGeom prst="rect">
+            <a:avLst/>
+          </a:prstGeom>
+        </p:spPr>
+      </p:pic>
+      <p:pic>
+        <p:nvPicPr>
+          <p:cNvPr id="8" name="Picture 7">
+            <a:extLst>
+              <a:ext uri="{FF2B5EF4-FFF2-40B4-BE49-F238E27FC236}">
+                <a16:creationId xmlns:a16="http://schemas.microsoft.com/office/drawing/2014/main" id="{AACFB9AB-3C74-4280-B13E-B1335D21EB13}"/>
+              </a:ext>
+            </a:extLst>
+          </p:cNvPr>
+          <p:cNvPicPr>
+            <a:picLocks noChangeAspect="1"/>
+          </p:cNvPicPr>
+          <p:nvPr/>
+        </p:nvPicPr>
+        <p:blipFill>
+          <a:blip r:embed="rId3"/>
+          <a:stretch>
+            <a:fillRect/>
+          </a:stretch>
+        </p:blipFill>
+        <p:spPr>
+          <a:xfrm>
+            <a:off x="8367190" y="3172502"/>
+            <a:ext cx="819264" cy="828791"/>
+          </a:xfrm>
+          <a:prstGeom prst="rect">
+            <a:avLst/>
+          </a:prstGeom>
+        </p:spPr>
+      </p:pic>
+    </p:spTree>
+    <p:extLst>
+      <p:ext uri="{BB962C8B-B14F-4D97-AF65-F5344CB8AC3E}">
+        <p14:creationId xmlns:p14="http://schemas.microsoft.com/office/powerpoint/2010/main" val="3658295514"/>
+      </p:ext>
+    </p:extLst>
+  </p:cSld>
+  <p:clrMapOvr>
+    <a:masterClrMapping/>
+  </p:clrMapOvr>
+</p:sld>
+</file>
+
+<file path=ppt/slides/slide16.xml><?xml version="1.0" encoding="utf-8"?>
+<p:sld xmlns:a="http://schemas.openxmlformats.org/drawingml/2006/main" xmlns:r="http://schemas.openxmlformats.org/officeDocument/2006/relationships" xmlns:p="http://schemas.openxmlformats.org/presentationml/2006/main">
+  <p:cSld>
+    <p:spTree>
+      <p:nvGrpSpPr>
+        <p:cNvPr id="1" name=""/>
+        <p:cNvGrpSpPr/>
+        <p:nvPr/>
+      </p:nvGrpSpPr>
+      <p:grpSpPr>
+        <a:xfrm>
+          <a:off x="0" y="0"/>
+          <a:ext cx="0" cy="0"/>
+          <a:chOff x="0" y="0"/>
+          <a:chExt cx="0" cy="0"/>
+        </a:xfrm>
+      </p:grpSpPr>
+      <p:sp>
+        <p:nvSpPr>
+          <p:cNvPr id="2" name="Title 1">
+            <a:extLst>
+              <a:ext uri="{FF2B5EF4-FFF2-40B4-BE49-F238E27FC236}">
+                <a16:creationId xmlns:a16="http://schemas.microsoft.com/office/drawing/2014/main" id="{AF574238-3500-40E7-868A-E582DEAAB13C}"/>
+              </a:ext>
+            </a:extLst>
+          </p:cNvPr>
+          <p:cNvSpPr>
+            <a:spLocks noGrp="1"/>
+          </p:cNvSpPr>
+          <p:nvPr>
+            <p:ph type="title"/>
+          </p:nvPr>
+        </p:nvSpPr>
+        <p:spPr/>
+        <p:txBody>
+          <a:bodyPr/>
+          <a:lstStyle/>
+          <a:p>
+            <a:r>
+              <a:rPr lang="en-US" dirty="0"/>
+              <a:t>2 x N</a:t>
+            </a:r>
+          </a:p>
+        </p:txBody>
+      </p:sp>
+      <p:sp>
+        <p:nvSpPr>
+          <p:cNvPr id="3" name="Text Placeholder 2">
+            <a:extLst>
+              <a:ext uri="{FF2B5EF4-FFF2-40B4-BE49-F238E27FC236}">
+                <a16:creationId xmlns:a16="http://schemas.microsoft.com/office/drawing/2014/main" id="{7907BB21-72F4-4AF7-925C-EC49A2C35624}"/>
+              </a:ext>
+            </a:extLst>
+          </p:cNvPr>
+          <p:cNvSpPr>
+            <a:spLocks noGrp="1"/>
+          </p:cNvSpPr>
+          <p:nvPr>
+            <p:ph type="body" idx="1"/>
+          </p:nvPr>
+        </p:nvSpPr>
+        <p:spPr/>
+        <p:txBody>
+          <a:bodyPr/>
+          <a:lstStyle/>
+          <a:p>
+            <a:endParaRPr lang="en-US"/>
+          </a:p>
+        </p:txBody>
+      </p:sp>
+    </p:spTree>
+    <p:extLst>
+      <p:ext uri="{BB962C8B-B14F-4D97-AF65-F5344CB8AC3E}">
+        <p14:creationId xmlns:p14="http://schemas.microsoft.com/office/powerpoint/2010/main" val="757141832"/>
+      </p:ext>
+    </p:extLst>
+  </p:cSld>
+  <p:clrMapOvr>
+    <a:masterClrMapping/>
+  </p:clrMapOvr>
+</p:sld>
+</file>
+
+<file path=ppt/slides/slide17.xml><?xml version="1.0" encoding="utf-8"?>
+<p:sld xmlns:a="http://schemas.openxmlformats.org/drawingml/2006/main" xmlns:r="http://schemas.openxmlformats.org/officeDocument/2006/relationships" xmlns:p="http://schemas.openxmlformats.org/presentationml/2006/main">
+  <p:cSld>
+    <p:spTree>
+      <p:nvGrpSpPr>
+        <p:cNvPr id="1" name=""/>
+        <p:cNvGrpSpPr/>
+        <p:nvPr/>
+      </p:nvGrpSpPr>
+      <p:grpSpPr>
+        <a:xfrm>
+          <a:off x="0" y="0"/>
+          <a:ext cx="0" cy="0"/>
+          <a:chOff x="0" y="0"/>
+          <a:chExt cx="0" cy="0"/>
+        </a:xfrm>
+      </p:grpSpPr>
+      <p:sp>
+        <p:nvSpPr>
+          <p:cNvPr id="2" name="Title 1">
+            <a:extLst>
+              <a:ext uri="{FF2B5EF4-FFF2-40B4-BE49-F238E27FC236}">
+                <a16:creationId xmlns:a16="http://schemas.microsoft.com/office/drawing/2014/main" id="{2ABBF79D-5C83-4D62-BE04-7F6C6A4F6316}"/>
+              </a:ext>
+            </a:extLst>
+          </p:cNvPr>
+          <p:cNvSpPr>
+            <a:spLocks noGrp="1"/>
+          </p:cNvSpPr>
+          <p:nvPr>
+            <p:ph type="title"/>
+          </p:nvPr>
+        </p:nvSpPr>
+        <p:spPr/>
+        <p:txBody>
+          <a:bodyPr/>
+          <a:lstStyle/>
+          <a:p>
+            <a:r>
+              <a:rPr lang="en-US" dirty="0"/>
+              <a:t>[1, H, 2]</a:t>
+            </a:r>
+          </a:p>
+        </p:txBody>
+      </p:sp>
+      <p:sp>
+        <p:nvSpPr>
+          <p:cNvPr id="3" name="Content Placeholder 2">
+            <a:extLst>
+              <a:ext uri="{FF2B5EF4-FFF2-40B4-BE49-F238E27FC236}">
+                <a16:creationId xmlns:a16="http://schemas.microsoft.com/office/drawing/2014/main" id="{D9C64A48-E7C4-4ED8-AAB7-73DE53413EBF}"/>
+              </a:ext>
+            </a:extLst>
+          </p:cNvPr>
+          <p:cNvSpPr>
+            <a:spLocks noGrp="1"/>
+          </p:cNvSpPr>
+          <p:nvPr>
+            <p:ph sz="half" idx="1"/>
+          </p:nvPr>
+        </p:nvSpPr>
+        <p:spPr/>
+        <p:txBody>
+          <a:bodyPr/>
+          <a:lstStyle/>
+          <a:p>
+            <a:r>
+              <a:rPr lang="en-US" dirty="0"/>
+              <a:t>Op removed one top block</a:t>
+            </a:r>
+          </a:p>
+        </p:txBody>
+      </p:sp>
+      <p:sp>
+        <p:nvSpPr>
+          <p:cNvPr id="4" name="Content Placeholder 3">
+            <a:extLst>
+              <a:ext uri="{FF2B5EF4-FFF2-40B4-BE49-F238E27FC236}">
+                <a16:creationId xmlns:a16="http://schemas.microsoft.com/office/drawing/2014/main" id="{FFC33984-8363-4E9F-AF28-D7C5A8CA6FFA}"/>
+              </a:ext>
+            </a:extLst>
+          </p:cNvPr>
+          <p:cNvSpPr>
+            <a:spLocks noGrp="1"/>
+          </p:cNvSpPr>
+          <p:nvPr>
+            <p:ph sz="half" idx="2"/>
+          </p:nvPr>
+        </p:nvSpPr>
+        <p:spPr/>
+        <p:txBody>
+          <a:bodyPr/>
+          <a:lstStyle/>
+          <a:p>
+            <a:r>
+              <a:rPr lang="en-US" dirty="0"/>
+              <a:t>[1, 1, 0]; Solved 2xN</a:t>
+            </a:r>
+          </a:p>
+        </p:txBody>
+      </p:sp>
+      <p:pic>
+        <p:nvPicPr>
+          <p:cNvPr id="8" name="Picture 7">
+            <a:extLst>
+              <a:ext uri="{FF2B5EF4-FFF2-40B4-BE49-F238E27FC236}">
+                <a16:creationId xmlns:a16="http://schemas.microsoft.com/office/drawing/2014/main" id="{E23E8095-D619-4E0B-AE8F-72E8ECC6A6B9}"/>
+              </a:ext>
+            </a:extLst>
+          </p:cNvPr>
+          <p:cNvPicPr>
+            <a:picLocks noChangeAspect="1"/>
+          </p:cNvPicPr>
+          <p:nvPr/>
+        </p:nvPicPr>
+        <p:blipFill>
+          <a:blip r:embed="rId2"/>
+          <a:stretch>
+            <a:fillRect/>
+          </a:stretch>
+        </p:blipFill>
+        <p:spPr>
+          <a:xfrm>
+            <a:off x="1052181" y="2967687"/>
+            <a:ext cx="4753638" cy="2067213"/>
+          </a:xfrm>
+          <a:prstGeom prst="rect">
+            <a:avLst/>
+          </a:prstGeom>
+        </p:spPr>
+      </p:pic>
+      <p:pic>
+        <p:nvPicPr>
+          <p:cNvPr id="10" name="Picture 9">
+            <a:extLst>
+              <a:ext uri="{FF2B5EF4-FFF2-40B4-BE49-F238E27FC236}">
+                <a16:creationId xmlns:a16="http://schemas.microsoft.com/office/drawing/2014/main" id="{E5D67739-F838-43EE-8CCD-09D8CF6311D0}"/>
+              </a:ext>
+            </a:extLst>
+          </p:cNvPr>
+          <p:cNvPicPr>
+            <a:picLocks noChangeAspect="1"/>
+          </p:cNvPicPr>
+          <p:nvPr/>
+        </p:nvPicPr>
+        <p:blipFill>
+          <a:blip r:embed="rId3"/>
+          <a:stretch>
+            <a:fillRect/>
+          </a:stretch>
+        </p:blipFill>
+        <p:spPr>
+          <a:xfrm>
+            <a:off x="8015183" y="2967687"/>
+            <a:ext cx="1495634" cy="2143424"/>
+          </a:xfrm>
+          <a:prstGeom prst="rect">
+            <a:avLst/>
+          </a:prstGeom>
+        </p:spPr>
+      </p:pic>
+    </p:spTree>
+    <p:extLst>
+      <p:ext uri="{BB962C8B-B14F-4D97-AF65-F5344CB8AC3E}">
+        <p14:creationId xmlns:p14="http://schemas.microsoft.com/office/powerpoint/2010/main" val="3304982947"/>
+      </p:ext>
+    </p:extLst>
+  </p:cSld>
+  <p:clrMapOvr>
+    <a:masterClrMapping/>
+  </p:clrMapOvr>
+</p:sld>
+</file>
+
+<file path=ppt/slides/slide18.xml><?xml version="1.0" encoding="utf-8"?>
+<p:sld xmlns:a="http://schemas.openxmlformats.org/drawingml/2006/main" xmlns:r="http://schemas.openxmlformats.org/officeDocument/2006/relationships" xmlns:p="http://schemas.openxmlformats.org/presentationml/2006/main">
+  <p:cSld>
+    <p:spTree>
+      <p:nvGrpSpPr>
+        <p:cNvPr id="1" name=""/>
+        <p:cNvGrpSpPr/>
+        <p:nvPr/>
+      </p:nvGrpSpPr>
+      <p:grpSpPr>
+        <a:xfrm>
+          <a:off x="0" y="0"/>
+          <a:ext cx="0" cy="0"/>
+          <a:chOff x="0" y="0"/>
+          <a:chExt cx="0" cy="0"/>
+        </a:xfrm>
+      </p:grpSpPr>
+      <p:sp>
+        <p:nvSpPr>
+          <p:cNvPr id="2" name="Title 1">
+            <a:extLst>
+              <a:ext uri="{FF2B5EF4-FFF2-40B4-BE49-F238E27FC236}">
+                <a16:creationId xmlns:a16="http://schemas.microsoft.com/office/drawing/2014/main" id="{DDEBA383-DE29-48B6-93A8-82C5F7F9D0C1}"/>
+              </a:ext>
+            </a:extLst>
+          </p:cNvPr>
+          <p:cNvSpPr>
+            <a:spLocks noGrp="1"/>
+          </p:cNvSpPr>
+          <p:nvPr>
+            <p:ph type="title"/>
+          </p:nvPr>
+        </p:nvSpPr>
+        <p:spPr/>
+        <p:txBody>
+          <a:bodyPr/>
+          <a:lstStyle/>
+          <a:p>
+            <a:r>
+              <a:rPr lang="en-US" dirty="0"/>
+              <a:t>[0, H, 2]</a:t>
+            </a:r>
+          </a:p>
+        </p:txBody>
+      </p:sp>
+      <p:sp>
+        <p:nvSpPr>
+          <p:cNvPr id="3" name="Content Placeholder 2">
+            <a:extLst>
+              <a:ext uri="{FF2B5EF4-FFF2-40B4-BE49-F238E27FC236}">
+                <a16:creationId xmlns:a16="http://schemas.microsoft.com/office/drawing/2014/main" id="{75D8B899-E367-47F0-99EB-A08D2DC78A6B}"/>
+              </a:ext>
+            </a:extLst>
+          </p:cNvPr>
+          <p:cNvSpPr>
+            <a:spLocks noGrp="1"/>
+          </p:cNvSpPr>
+          <p:nvPr>
+            <p:ph sz="half" idx="1"/>
+          </p:nvPr>
+        </p:nvSpPr>
+        <p:spPr/>
+        <p:txBody>
+          <a:bodyPr/>
+          <a:lstStyle/>
+          <a:p>
+            <a:r>
+              <a:rPr lang="en-US" dirty="0"/>
+              <a:t>Op cleared top row</a:t>
+            </a:r>
+          </a:p>
+        </p:txBody>
+      </p:sp>
+      <p:sp>
+        <p:nvSpPr>
+          <p:cNvPr id="4" name="Content Placeholder 3">
+            <a:extLst>
+              <a:ext uri="{FF2B5EF4-FFF2-40B4-BE49-F238E27FC236}">
+                <a16:creationId xmlns:a16="http://schemas.microsoft.com/office/drawing/2014/main" id="{00694C4E-99DF-46F5-8991-C5C121501290}"/>
+              </a:ext>
+            </a:extLst>
+          </p:cNvPr>
+          <p:cNvSpPr>
+            <a:spLocks noGrp="1"/>
+          </p:cNvSpPr>
+          <p:nvPr>
+            <p:ph sz="half" idx="2"/>
+          </p:nvPr>
+        </p:nvSpPr>
+        <p:spPr/>
+        <p:txBody>
+          <a:bodyPr/>
+          <a:lstStyle/>
+          <a:p>
+            <a:r>
+              <a:rPr lang="en-US" dirty="0"/>
+              <a:t>[H, 1]; Solved 2 x N</a:t>
+            </a:r>
+          </a:p>
+        </p:txBody>
+      </p:sp>
+      <p:pic>
+        <p:nvPicPr>
+          <p:cNvPr id="6" name="Picture 5">
+            <a:extLst>
+              <a:ext uri="{FF2B5EF4-FFF2-40B4-BE49-F238E27FC236}">
+                <a16:creationId xmlns:a16="http://schemas.microsoft.com/office/drawing/2014/main" id="{0AD2B568-66C4-4DC6-90CF-1EDA3D66F25D}"/>
+              </a:ext>
+            </a:extLst>
+          </p:cNvPr>
+          <p:cNvPicPr>
+            <a:picLocks noChangeAspect="1"/>
+          </p:cNvPicPr>
+          <p:nvPr/>
+        </p:nvPicPr>
+        <p:blipFill>
+          <a:blip r:embed="rId2"/>
+          <a:stretch>
+            <a:fillRect/>
+          </a:stretch>
+        </p:blipFill>
+        <p:spPr>
+          <a:xfrm>
+            <a:off x="1033128" y="3291582"/>
+            <a:ext cx="4791744" cy="1419423"/>
+          </a:xfrm>
+          <a:prstGeom prst="rect">
+            <a:avLst/>
+          </a:prstGeom>
+        </p:spPr>
+      </p:pic>
+      <p:pic>
+        <p:nvPicPr>
+          <p:cNvPr id="8" name="Picture 7">
+            <a:extLst>
+              <a:ext uri="{FF2B5EF4-FFF2-40B4-BE49-F238E27FC236}">
+                <a16:creationId xmlns:a16="http://schemas.microsoft.com/office/drawing/2014/main" id="{D3BD0E90-29D6-4BC4-8A5C-BD6A4521A6B1}"/>
+              </a:ext>
+            </a:extLst>
+          </p:cNvPr>
+          <p:cNvPicPr>
+            <a:picLocks noChangeAspect="1"/>
+          </p:cNvPicPr>
+          <p:nvPr/>
+        </p:nvPicPr>
+        <p:blipFill>
+          <a:blip r:embed="rId3"/>
+          <a:stretch>
+            <a:fillRect/>
+          </a:stretch>
+        </p:blipFill>
+        <p:spPr>
+          <a:xfrm>
+            <a:off x="6435825" y="3282056"/>
+            <a:ext cx="4115374" cy="1428949"/>
+          </a:xfrm>
+          <a:prstGeom prst="rect">
+            <a:avLst/>
+          </a:prstGeom>
+        </p:spPr>
+      </p:pic>
+    </p:spTree>
+    <p:extLst>
+      <p:ext uri="{BB962C8B-B14F-4D97-AF65-F5344CB8AC3E}">
+        <p14:creationId xmlns:p14="http://schemas.microsoft.com/office/powerpoint/2010/main" val="1819550564"/>
+      </p:ext>
+    </p:extLst>
+  </p:cSld>
+  <p:clrMapOvr>
+    <a:masterClrMapping/>
+  </p:clrMapOvr>
+</p:sld>
+</file>
+
+<file path=ppt/slides/slide19.xml><?xml version="1.0" encoding="utf-8"?>
+<p:sld xmlns:a="http://schemas.openxmlformats.org/drawingml/2006/main" xmlns:r="http://schemas.openxmlformats.org/officeDocument/2006/relationships" xmlns:p="http://schemas.openxmlformats.org/presentationml/2006/main">
+  <p:cSld>
+    <p:spTree>
+      <p:nvGrpSpPr>
+        <p:cNvPr id="1" name=""/>
+        <p:cNvGrpSpPr/>
+        <p:nvPr/>
+      </p:nvGrpSpPr>
+      <p:grpSpPr>
+        <a:xfrm>
+          <a:off x="0" y="0"/>
+          <a:ext cx="0" cy="0"/>
+          <a:chOff x="0" y="0"/>
+          <a:chExt cx="0" cy="0"/>
+        </a:xfrm>
+      </p:grpSpPr>
+      <p:sp>
+        <p:nvSpPr>
+          <p:cNvPr id="2" name="Title 1">
+            <a:extLst>
+              <a:ext uri="{FF2B5EF4-FFF2-40B4-BE49-F238E27FC236}">
+                <a16:creationId xmlns:a16="http://schemas.microsoft.com/office/drawing/2014/main" id="{945B7804-E8AF-412B-9DFF-49B168E6DE3A}"/>
+              </a:ext>
+            </a:extLst>
+          </p:cNvPr>
+          <p:cNvSpPr>
+            <a:spLocks noGrp="1"/>
+          </p:cNvSpPr>
+          <p:nvPr>
+            <p:ph type="title"/>
+          </p:nvPr>
+        </p:nvSpPr>
+        <p:spPr/>
+        <p:txBody>
+          <a:bodyPr/>
+          <a:lstStyle/>
+          <a:p>
+            <a:r>
+              <a:rPr lang="en-US" dirty="0"/>
+              <a:t>[2, 0, 0]</a:t>
+            </a:r>
+          </a:p>
+        </p:txBody>
+      </p:sp>
+      <p:sp>
+        <p:nvSpPr>
+          <p:cNvPr id="3" name="Content Placeholder 2">
+            <a:extLst>
+              <a:ext uri="{FF2B5EF4-FFF2-40B4-BE49-F238E27FC236}">
+                <a16:creationId xmlns:a16="http://schemas.microsoft.com/office/drawing/2014/main" id="{309AC434-E84D-43D5-B323-524C977E7301}"/>
+              </a:ext>
+            </a:extLst>
+          </p:cNvPr>
+          <p:cNvSpPr>
+            <a:spLocks noGrp="1"/>
+          </p:cNvSpPr>
+          <p:nvPr>
+            <p:ph sz="half" idx="1"/>
+          </p:nvPr>
+        </p:nvSpPr>
+        <p:spPr/>
+        <p:txBody>
+          <a:bodyPr/>
+          <a:lstStyle/>
+          <a:p>
+            <a:r>
+              <a:rPr lang="en-US" dirty="0"/>
+              <a:t>Op broke off all 2’s and 1’s</a:t>
+            </a:r>
+          </a:p>
+        </p:txBody>
+      </p:sp>
+      <p:sp>
+        <p:nvSpPr>
+          <p:cNvPr id="4" name="Content Placeholder 3">
+            <a:extLst>
+              <a:ext uri="{FF2B5EF4-FFF2-40B4-BE49-F238E27FC236}">
+                <a16:creationId xmlns:a16="http://schemas.microsoft.com/office/drawing/2014/main" id="{26898EFF-C1B4-461F-8793-D988457135BE}"/>
+              </a:ext>
+            </a:extLst>
+          </p:cNvPr>
+          <p:cNvSpPr>
+            <a:spLocks noGrp="1"/>
+          </p:cNvSpPr>
+          <p:nvPr>
+            <p:ph sz="half" idx="2"/>
+          </p:nvPr>
+        </p:nvSpPr>
+        <p:spPr/>
+        <p:txBody>
+          <a:bodyPr/>
+          <a:lstStyle/>
+          <a:p>
+            <a:r>
+              <a:rPr lang="en-US" dirty="0"/>
+              <a:t>[1, 1, 0]; Solved 2 x N (on its side)</a:t>
+            </a:r>
+          </a:p>
+        </p:txBody>
+      </p:sp>
+      <p:pic>
+        <p:nvPicPr>
+          <p:cNvPr id="6" name="Picture 5">
+            <a:extLst>
+              <a:ext uri="{FF2B5EF4-FFF2-40B4-BE49-F238E27FC236}">
+                <a16:creationId xmlns:a16="http://schemas.microsoft.com/office/drawing/2014/main" id="{F6BBD044-C76A-4501-BF79-CB3180757F6E}"/>
+              </a:ext>
+            </a:extLst>
+          </p:cNvPr>
+          <p:cNvPicPr>
+            <a:picLocks noChangeAspect="1"/>
+          </p:cNvPicPr>
+          <p:nvPr/>
+        </p:nvPicPr>
+        <p:blipFill>
+          <a:blip r:embed="rId2"/>
+          <a:stretch>
+            <a:fillRect/>
+          </a:stretch>
+        </p:blipFill>
+        <p:spPr>
+          <a:xfrm>
+            <a:off x="2704999" y="2769883"/>
+            <a:ext cx="1448002" cy="2143424"/>
+          </a:xfrm>
+          <a:prstGeom prst="rect">
+            <a:avLst/>
+          </a:prstGeom>
+        </p:spPr>
+      </p:pic>
+      <p:pic>
+        <p:nvPicPr>
+          <p:cNvPr id="8" name="Picture 7">
+            <a:extLst>
+              <a:ext uri="{FF2B5EF4-FFF2-40B4-BE49-F238E27FC236}">
+                <a16:creationId xmlns:a16="http://schemas.microsoft.com/office/drawing/2014/main" id="{F0D403B7-7B42-4584-A21F-F616504FE094}"/>
+              </a:ext>
+            </a:extLst>
+          </p:cNvPr>
+          <p:cNvPicPr>
+            <a:picLocks noChangeAspect="1"/>
+          </p:cNvPicPr>
+          <p:nvPr/>
+        </p:nvPicPr>
+        <p:blipFill>
+          <a:blip r:embed="rId3"/>
+          <a:stretch>
+            <a:fillRect/>
+          </a:stretch>
+        </p:blipFill>
+        <p:spPr>
+          <a:xfrm>
+            <a:off x="7882882" y="2788936"/>
+            <a:ext cx="1438476" cy="2124371"/>
+          </a:xfrm>
+          <a:prstGeom prst="rect">
+            <a:avLst/>
+          </a:prstGeom>
+        </p:spPr>
+      </p:pic>
+    </p:spTree>
+    <p:extLst>
+      <p:ext uri="{BB962C8B-B14F-4D97-AF65-F5344CB8AC3E}">
+        <p14:creationId xmlns:p14="http://schemas.microsoft.com/office/powerpoint/2010/main" val="307584493"/>
       </p:ext>
     </p:extLst>
   </p:cSld>
@@ -4234,6 +5441,1544 @@
     <p:extLst>
       <p:ext uri="{BB962C8B-B14F-4D97-AF65-F5344CB8AC3E}">
         <p14:creationId xmlns:p14="http://schemas.microsoft.com/office/powerpoint/2010/main" val="467645941"/>
+      </p:ext>
+    </p:extLst>
+  </p:cSld>
+  <p:clrMapOvr>
+    <a:masterClrMapping/>
+  </p:clrMapOvr>
+</p:sld>
+</file>
+
+<file path=ppt/slides/slide20.xml><?xml version="1.0" encoding="utf-8"?>
+<p:sld xmlns:a="http://schemas.openxmlformats.org/drawingml/2006/main" xmlns:r="http://schemas.openxmlformats.org/officeDocument/2006/relationships" xmlns:p="http://schemas.openxmlformats.org/presentationml/2006/main">
+  <p:cSld>
+    <p:spTree>
+      <p:nvGrpSpPr>
+        <p:cNvPr id="1" name=""/>
+        <p:cNvGrpSpPr/>
+        <p:nvPr/>
+      </p:nvGrpSpPr>
+      <p:grpSpPr>
+        <a:xfrm>
+          <a:off x="0" y="0"/>
+          <a:ext cx="0" cy="0"/>
+          <a:chOff x="0" y="0"/>
+          <a:chExt cx="0" cy="0"/>
+        </a:xfrm>
+      </p:grpSpPr>
+      <p:sp>
+        <p:nvSpPr>
+          <p:cNvPr id="2" name="Title 1">
+            <a:extLst>
+              <a:ext uri="{FF2B5EF4-FFF2-40B4-BE49-F238E27FC236}">
+                <a16:creationId xmlns:a16="http://schemas.microsoft.com/office/drawing/2014/main" id="{23418D8A-A16E-4B24-B096-26BA3A2E8305}"/>
+              </a:ext>
+            </a:extLst>
+          </p:cNvPr>
+          <p:cNvSpPr>
+            <a:spLocks noGrp="1"/>
+          </p:cNvSpPr>
+          <p:nvPr>
+            <p:ph type="title"/>
+          </p:nvPr>
+        </p:nvSpPr>
+        <p:spPr/>
+        <p:txBody>
+          <a:bodyPr/>
+          <a:lstStyle/>
+          <a:p>
+            <a:r>
+              <a:rPr lang="en-US" dirty="0"/>
+              <a:t>Reduces to N x N</a:t>
+            </a:r>
+          </a:p>
+        </p:txBody>
+      </p:sp>
+      <p:sp>
+        <p:nvSpPr>
+          <p:cNvPr id="4" name="Content Placeholder 3">
+            <a:extLst>
+              <a:ext uri="{FF2B5EF4-FFF2-40B4-BE49-F238E27FC236}">
+                <a16:creationId xmlns:a16="http://schemas.microsoft.com/office/drawing/2014/main" id="{237ED3ED-FEFE-4A6E-9A05-0D9A4ACBACC9}"/>
+              </a:ext>
+            </a:extLst>
+          </p:cNvPr>
+          <p:cNvSpPr>
+            <a:spLocks noGrp="1"/>
+          </p:cNvSpPr>
+          <p:nvPr>
+            <p:ph idx="1"/>
+          </p:nvPr>
+        </p:nvSpPr>
+        <p:spPr/>
+        <p:txBody>
+          <a:bodyPr/>
+          <a:lstStyle/>
+          <a:p>
+            <a:endParaRPr lang="en-US"/>
+          </a:p>
+        </p:txBody>
+      </p:sp>
+      <p:pic>
+        <p:nvPicPr>
+          <p:cNvPr id="5" name="Picture 4">
+            <a:extLst>
+              <a:ext uri="{FF2B5EF4-FFF2-40B4-BE49-F238E27FC236}">
+                <a16:creationId xmlns:a16="http://schemas.microsoft.com/office/drawing/2014/main" id="{6FD7C9D3-CECE-407D-9ED7-982079A3C3F3}"/>
+              </a:ext>
+            </a:extLst>
+          </p:cNvPr>
+          <p:cNvPicPr>
+            <a:picLocks noChangeAspect="1"/>
+          </p:cNvPicPr>
+          <p:nvPr/>
+        </p:nvPicPr>
+        <p:blipFill>
+          <a:blip r:embed="rId2"/>
+          <a:stretch>
+            <a:fillRect/>
+          </a:stretch>
+        </p:blipFill>
+        <p:spPr>
+          <a:xfrm>
+            <a:off x="949026" y="1825625"/>
+            <a:ext cx="4829849" cy="2124371"/>
+          </a:xfrm>
+          <a:prstGeom prst="rect">
+            <a:avLst/>
+          </a:prstGeom>
+        </p:spPr>
+      </p:pic>
+      <p:pic>
+        <p:nvPicPr>
+          <p:cNvPr id="6" name="Picture 5">
+            <a:extLst>
+              <a:ext uri="{FF2B5EF4-FFF2-40B4-BE49-F238E27FC236}">
+                <a16:creationId xmlns:a16="http://schemas.microsoft.com/office/drawing/2014/main" id="{45A6F189-657E-4D73-B79E-6A67C7928F65}"/>
+              </a:ext>
+            </a:extLst>
+          </p:cNvPr>
+          <p:cNvPicPr>
+            <a:picLocks noChangeAspect="1"/>
+          </p:cNvPicPr>
+          <p:nvPr/>
+        </p:nvPicPr>
+        <p:blipFill>
+          <a:blip r:embed="rId3"/>
+          <a:stretch>
+            <a:fillRect/>
+          </a:stretch>
+        </p:blipFill>
+        <p:spPr>
+          <a:xfrm>
+            <a:off x="6623330" y="1825624"/>
+            <a:ext cx="2086266" cy="2124371"/>
+          </a:xfrm>
+          <a:prstGeom prst="rect">
+            <a:avLst/>
+          </a:prstGeom>
+        </p:spPr>
+      </p:pic>
+      <p:pic>
+        <p:nvPicPr>
+          <p:cNvPr id="7" name="Picture 6">
+            <a:extLst>
+              <a:ext uri="{FF2B5EF4-FFF2-40B4-BE49-F238E27FC236}">
+                <a16:creationId xmlns:a16="http://schemas.microsoft.com/office/drawing/2014/main" id="{DC921ECC-6CCD-44DA-89B6-86C6A2BE828C}"/>
+              </a:ext>
+            </a:extLst>
+          </p:cNvPr>
+          <p:cNvPicPr>
+            <a:picLocks noChangeAspect="1"/>
+          </p:cNvPicPr>
+          <p:nvPr/>
+        </p:nvPicPr>
+        <p:blipFill>
+          <a:blip r:embed="rId4"/>
+          <a:stretch>
+            <a:fillRect/>
+          </a:stretch>
+        </p:blipFill>
+        <p:spPr>
+          <a:xfrm>
+            <a:off x="949026" y="4004960"/>
+            <a:ext cx="2143424" cy="2172003"/>
+          </a:xfrm>
+          <a:prstGeom prst="rect">
+            <a:avLst/>
+          </a:prstGeom>
+        </p:spPr>
+      </p:pic>
+    </p:spTree>
+    <p:extLst>
+      <p:ext uri="{BB962C8B-B14F-4D97-AF65-F5344CB8AC3E}">
+        <p14:creationId xmlns:p14="http://schemas.microsoft.com/office/powerpoint/2010/main" val="51388912"/>
+      </p:ext>
+    </p:extLst>
+  </p:cSld>
+  <p:clrMapOvr>
+    <a:masterClrMapping/>
+  </p:clrMapOvr>
+</p:sld>
+</file>
+
+<file path=ppt/slides/slide21.xml><?xml version="1.0" encoding="utf-8"?>
+<p:sld xmlns:a="http://schemas.openxmlformats.org/drawingml/2006/main" xmlns:r="http://schemas.openxmlformats.org/officeDocument/2006/relationships" xmlns:p="http://schemas.openxmlformats.org/presentationml/2006/main">
+  <p:cSld>
+    <p:spTree>
+      <p:nvGrpSpPr>
+        <p:cNvPr id="1" name=""/>
+        <p:cNvGrpSpPr/>
+        <p:nvPr/>
+      </p:nvGrpSpPr>
+      <p:grpSpPr>
+        <a:xfrm>
+          <a:off x="0" y="0"/>
+          <a:ext cx="0" cy="0"/>
+          <a:chOff x="0" y="0"/>
+          <a:chExt cx="0" cy="0"/>
+        </a:xfrm>
+      </p:grpSpPr>
+      <p:sp>
+        <p:nvSpPr>
+          <p:cNvPr id="2" name="Title 1">
+            <a:extLst>
+              <a:ext uri="{FF2B5EF4-FFF2-40B4-BE49-F238E27FC236}">
+                <a16:creationId xmlns:a16="http://schemas.microsoft.com/office/drawing/2014/main" id="{04846EED-0FE8-49F6-BC18-13C71543A2F0}"/>
+              </a:ext>
+            </a:extLst>
+          </p:cNvPr>
+          <p:cNvSpPr>
+            <a:spLocks noGrp="1"/>
+          </p:cNvSpPr>
+          <p:nvPr>
+            <p:ph type="title"/>
+          </p:nvPr>
+        </p:nvSpPr>
+        <p:spPr/>
+        <p:txBody>
+          <a:bodyPr/>
+          <a:lstStyle/>
+          <a:p>
+            <a:r>
+              <a:rPr lang="en-US" dirty="0"/>
+              <a:t>[1, 0, H + 2 + 1]</a:t>
+            </a:r>
+          </a:p>
+        </p:txBody>
+      </p:sp>
+      <p:sp>
+        <p:nvSpPr>
+          <p:cNvPr id="3" name="Content Placeholder 2">
+            <a:extLst>
+              <a:ext uri="{FF2B5EF4-FFF2-40B4-BE49-F238E27FC236}">
+                <a16:creationId xmlns:a16="http://schemas.microsoft.com/office/drawing/2014/main" id="{E83B93FE-581C-451E-B183-1FF81515F5C3}"/>
+              </a:ext>
+            </a:extLst>
+          </p:cNvPr>
+          <p:cNvSpPr>
+            <a:spLocks noGrp="1"/>
+          </p:cNvSpPr>
+          <p:nvPr>
+            <p:ph sz="half" idx="1"/>
+          </p:nvPr>
+        </p:nvSpPr>
+        <p:spPr/>
+        <p:txBody>
+          <a:bodyPr/>
+          <a:lstStyle/>
+          <a:p>
+            <a:r>
+              <a:rPr lang="en-US" dirty="0"/>
+              <a:t>[1, 0, H + 3]; Op took all the 2’s and one of the 3’s</a:t>
+            </a:r>
+          </a:p>
+        </p:txBody>
+      </p:sp>
+      <p:sp>
+        <p:nvSpPr>
+          <p:cNvPr id="4" name="Content Placeholder 3">
+            <a:extLst>
+              <a:ext uri="{FF2B5EF4-FFF2-40B4-BE49-F238E27FC236}">
+                <a16:creationId xmlns:a16="http://schemas.microsoft.com/office/drawing/2014/main" id="{421AE4E0-4620-4079-8E62-715FF16F691A}"/>
+              </a:ext>
+            </a:extLst>
+          </p:cNvPr>
+          <p:cNvSpPr>
+            <a:spLocks noGrp="1"/>
+          </p:cNvSpPr>
+          <p:nvPr>
+            <p:ph sz="half" idx="2"/>
+          </p:nvPr>
+        </p:nvSpPr>
+        <p:spPr/>
+        <p:txBody>
+          <a:bodyPr/>
+          <a:lstStyle/>
+          <a:p>
+            <a:r>
+              <a:rPr lang="en-US" dirty="0"/>
+              <a:t>[1, 0, 2]; Solved N x N</a:t>
+            </a:r>
+          </a:p>
+        </p:txBody>
+      </p:sp>
+      <p:pic>
+        <p:nvPicPr>
+          <p:cNvPr id="6" name="Picture 5">
+            <a:extLst>
+              <a:ext uri="{FF2B5EF4-FFF2-40B4-BE49-F238E27FC236}">
+                <a16:creationId xmlns:a16="http://schemas.microsoft.com/office/drawing/2014/main" id="{BA67A983-8C2C-427F-A18B-241041BAEF6E}"/>
+              </a:ext>
+            </a:extLst>
+          </p:cNvPr>
+          <p:cNvPicPr>
+            <a:picLocks noChangeAspect="1"/>
+          </p:cNvPicPr>
+          <p:nvPr/>
+        </p:nvPicPr>
+        <p:blipFill>
+          <a:blip r:embed="rId2"/>
+          <a:stretch>
+            <a:fillRect/>
+          </a:stretch>
+        </p:blipFill>
+        <p:spPr>
+          <a:xfrm>
+            <a:off x="536431" y="2939108"/>
+            <a:ext cx="4829849" cy="2124371"/>
+          </a:xfrm>
+          <a:prstGeom prst="rect">
+            <a:avLst/>
+          </a:prstGeom>
+        </p:spPr>
+      </p:pic>
+      <p:pic>
+        <p:nvPicPr>
+          <p:cNvPr id="8" name="Picture 7">
+            <a:extLst>
+              <a:ext uri="{FF2B5EF4-FFF2-40B4-BE49-F238E27FC236}">
+                <a16:creationId xmlns:a16="http://schemas.microsoft.com/office/drawing/2014/main" id="{68BCEE07-59AF-43CB-B4BB-AC1B9292983F}"/>
+              </a:ext>
+            </a:extLst>
+          </p:cNvPr>
+          <p:cNvPicPr>
+            <a:picLocks noChangeAspect="1"/>
+          </p:cNvPicPr>
+          <p:nvPr/>
+        </p:nvPicPr>
+        <p:blipFill>
+          <a:blip r:embed="rId3"/>
+          <a:stretch>
+            <a:fillRect/>
+          </a:stretch>
+        </p:blipFill>
+        <p:spPr>
+          <a:xfrm>
+            <a:off x="7022093" y="2915291"/>
+            <a:ext cx="2229161" cy="2172003"/>
+          </a:xfrm>
+          <a:prstGeom prst="rect">
+            <a:avLst/>
+          </a:prstGeom>
+        </p:spPr>
+      </p:pic>
+    </p:spTree>
+    <p:extLst>
+      <p:ext uri="{BB962C8B-B14F-4D97-AF65-F5344CB8AC3E}">
+        <p14:creationId xmlns:p14="http://schemas.microsoft.com/office/powerpoint/2010/main" val="344022710"/>
+      </p:ext>
+    </p:extLst>
+  </p:cSld>
+  <p:clrMapOvr>
+    <a:masterClrMapping/>
+  </p:clrMapOvr>
+</p:sld>
+</file>
+
+<file path=ppt/slides/slide22.xml><?xml version="1.0" encoding="utf-8"?>
+<p:sld xmlns:a="http://schemas.openxmlformats.org/drawingml/2006/main" xmlns:r="http://schemas.openxmlformats.org/officeDocument/2006/relationships" xmlns:p="http://schemas.openxmlformats.org/presentationml/2006/main">
+  <p:cSld>
+    <p:spTree>
+      <p:nvGrpSpPr>
+        <p:cNvPr id="1" name=""/>
+        <p:cNvGrpSpPr/>
+        <p:nvPr/>
+      </p:nvGrpSpPr>
+      <p:grpSpPr>
+        <a:xfrm>
+          <a:off x="0" y="0"/>
+          <a:ext cx="0" cy="0"/>
+          <a:chOff x="0" y="0"/>
+          <a:chExt cx="0" cy="0"/>
+        </a:xfrm>
+      </p:grpSpPr>
+      <p:sp>
+        <p:nvSpPr>
+          <p:cNvPr id="2" name="Title 1">
+            <a:extLst>
+              <a:ext uri="{FF2B5EF4-FFF2-40B4-BE49-F238E27FC236}">
+                <a16:creationId xmlns:a16="http://schemas.microsoft.com/office/drawing/2014/main" id="{258A1E2C-6F1D-4E9B-BB1C-80477BFEB0A8}"/>
+              </a:ext>
+            </a:extLst>
+          </p:cNvPr>
+          <p:cNvSpPr>
+            <a:spLocks noGrp="1"/>
+          </p:cNvSpPr>
+          <p:nvPr>
+            <p:ph type="title"/>
+          </p:nvPr>
+        </p:nvSpPr>
+        <p:spPr/>
+        <p:txBody>
+          <a:bodyPr/>
+          <a:lstStyle/>
+          <a:p>
+            <a:r>
+              <a:rPr lang="en-US" dirty="0"/>
+              <a:t>[2, 0, 1]</a:t>
+            </a:r>
+          </a:p>
+        </p:txBody>
+      </p:sp>
+      <p:sp>
+        <p:nvSpPr>
+          <p:cNvPr id="3" name="Content Placeholder 2">
+            <a:extLst>
+              <a:ext uri="{FF2B5EF4-FFF2-40B4-BE49-F238E27FC236}">
+                <a16:creationId xmlns:a16="http://schemas.microsoft.com/office/drawing/2014/main" id="{5E422E62-D89B-4BEB-BA42-25FBF28F28E8}"/>
+              </a:ext>
+            </a:extLst>
+          </p:cNvPr>
+          <p:cNvSpPr>
+            <a:spLocks noGrp="1"/>
+          </p:cNvSpPr>
+          <p:nvPr>
+            <p:ph sz="half" idx="1"/>
+          </p:nvPr>
+        </p:nvSpPr>
+        <p:spPr/>
+        <p:txBody>
+          <a:bodyPr/>
+          <a:lstStyle/>
+          <a:p>
+            <a:r>
+              <a:rPr lang="en-US" dirty="0"/>
+              <a:t>Op broke of the end piece and </a:t>
+            </a:r>
+            <a:br>
+              <a:rPr lang="en-US" dirty="0"/>
+            </a:br>
+            <a:r>
+              <a:rPr lang="en-US" dirty="0"/>
+              <a:t>H = 0</a:t>
+            </a:r>
+          </a:p>
+          <a:p>
+            <a:endParaRPr lang="en-US" dirty="0"/>
+          </a:p>
+        </p:txBody>
+      </p:sp>
+      <p:sp>
+        <p:nvSpPr>
+          <p:cNvPr id="4" name="Content Placeholder 3">
+            <a:extLst>
+              <a:ext uri="{FF2B5EF4-FFF2-40B4-BE49-F238E27FC236}">
+                <a16:creationId xmlns:a16="http://schemas.microsoft.com/office/drawing/2014/main" id="{42E33530-38A0-4B46-B85E-2832191B5DC0}"/>
+              </a:ext>
+            </a:extLst>
+          </p:cNvPr>
+          <p:cNvSpPr>
+            <a:spLocks noGrp="1"/>
+          </p:cNvSpPr>
+          <p:nvPr>
+            <p:ph sz="half" idx="2"/>
+          </p:nvPr>
+        </p:nvSpPr>
+        <p:spPr/>
+        <p:txBody>
+          <a:bodyPr/>
+          <a:lstStyle/>
+          <a:p>
+            <a:r>
+              <a:rPr lang="en-US" dirty="0"/>
+              <a:t>[1, 0, 2]; Solved N x N</a:t>
+            </a:r>
+          </a:p>
+        </p:txBody>
+      </p:sp>
+      <p:pic>
+        <p:nvPicPr>
+          <p:cNvPr id="6" name="Picture 5">
+            <a:extLst>
+              <a:ext uri="{FF2B5EF4-FFF2-40B4-BE49-F238E27FC236}">
+                <a16:creationId xmlns:a16="http://schemas.microsoft.com/office/drawing/2014/main" id="{D13EACF0-3644-439F-B83A-E8ACD7CA88CF}"/>
+              </a:ext>
+            </a:extLst>
+          </p:cNvPr>
+          <p:cNvPicPr>
+            <a:picLocks noChangeAspect="1"/>
+          </p:cNvPicPr>
+          <p:nvPr/>
+        </p:nvPicPr>
+        <p:blipFill>
+          <a:blip r:embed="rId2"/>
+          <a:stretch>
+            <a:fillRect/>
+          </a:stretch>
+        </p:blipFill>
+        <p:spPr>
+          <a:xfrm>
+            <a:off x="2385867" y="2824014"/>
+            <a:ext cx="2086266" cy="2124371"/>
+          </a:xfrm>
+          <a:prstGeom prst="rect">
+            <a:avLst/>
+          </a:prstGeom>
+        </p:spPr>
+      </p:pic>
+      <p:pic>
+        <p:nvPicPr>
+          <p:cNvPr id="8" name="Picture 7">
+            <a:extLst>
+              <a:ext uri="{FF2B5EF4-FFF2-40B4-BE49-F238E27FC236}">
+                <a16:creationId xmlns:a16="http://schemas.microsoft.com/office/drawing/2014/main" id="{B2CB4E18-72E8-4488-B539-4CB090584F1E}"/>
+              </a:ext>
+            </a:extLst>
+          </p:cNvPr>
+          <p:cNvPicPr>
+            <a:picLocks noChangeAspect="1"/>
+          </p:cNvPicPr>
+          <p:nvPr/>
+        </p:nvPicPr>
+        <p:blipFill>
+          <a:blip r:embed="rId3"/>
+          <a:stretch>
+            <a:fillRect/>
+          </a:stretch>
+        </p:blipFill>
+        <p:spPr>
+          <a:xfrm>
+            <a:off x="7370919" y="2747803"/>
+            <a:ext cx="2200582" cy="2200582"/>
+          </a:xfrm>
+          <a:prstGeom prst="rect">
+            <a:avLst/>
+          </a:prstGeom>
+        </p:spPr>
+      </p:pic>
+    </p:spTree>
+    <p:extLst>
+      <p:ext uri="{BB962C8B-B14F-4D97-AF65-F5344CB8AC3E}">
+        <p14:creationId xmlns:p14="http://schemas.microsoft.com/office/powerpoint/2010/main" val="1214598860"/>
+      </p:ext>
+    </p:extLst>
+  </p:cSld>
+  <p:clrMapOvr>
+    <a:masterClrMapping/>
+  </p:clrMapOvr>
+</p:sld>
+</file>
+
+<file path=ppt/slides/slide23.xml><?xml version="1.0" encoding="utf-8"?>
+<p:sld xmlns:a="http://schemas.openxmlformats.org/drawingml/2006/main" xmlns:r="http://schemas.openxmlformats.org/officeDocument/2006/relationships" xmlns:p="http://schemas.openxmlformats.org/presentationml/2006/main">
+  <p:cSld>
+    <p:spTree>
+      <p:nvGrpSpPr>
+        <p:cNvPr id="1" name=""/>
+        <p:cNvGrpSpPr/>
+        <p:nvPr/>
+      </p:nvGrpSpPr>
+      <p:grpSpPr>
+        <a:xfrm>
+          <a:off x="0" y="0"/>
+          <a:ext cx="0" cy="0"/>
+          <a:chOff x="0" y="0"/>
+          <a:chExt cx="0" cy="0"/>
+        </a:xfrm>
+      </p:grpSpPr>
+      <p:sp>
+        <p:nvSpPr>
+          <p:cNvPr id="2" name="Title 1">
+            <a:extLst>
+              <a:ext uri="{FF2B5EF4-FFF2-40B4-BE49-F238E27FC236}">
+                <a16:creationId xmlns:a16="http://schemas.microsoft.com/office/drawing/2014/main" id="{E278B289-F891-486A-99E1-E50EA0724C6C}"/>
+              </a:ext>
+            </a:extLst>
+          </p:cNvPr>
+          <p:cNvSpPr>
+            <a:spLocks noGrp="1"/>
+          </p:cNvSpPr>
+          <p:nvPr>
+            <p:ph type="title"/>
+          </p:nvPr>
+        </p:nvSpPr>
+        <p:spPr/>
+        <p:txBody>
+          <a:bodyPr/>
+          <a:lstStyle/>
+          <a:p>
+            <a:r>
+              <a:rPr lang="en-US" dirty="0"/>
+              <a:t>[2, 1, 0]</a:t>
+            </a:r>
+          </a:p>
+        </p:txBody>
+      </p:sp>
+      <p:sp>
+        <p:nvSpPr>
+          <p:cNvPr id="3" name="Content Placeholder 2">
+            <a:extLst>
+              <a:ext uri="{FF2B5EF4-FFF2-40B4-BE49-F238E27FC236}">
+                <a16:creationId xmlns:a16="http://schemas.microsoft.com/office/drawing/2014/main" id="{C6461E3B-8D3F-447B-A18B-592705B89000}"/>
+              </a:ext>
+            </a:extLst>
+          </p:cNvPr>
+          <p:cNvSpPr>
+            <a:spLocks noGrp="1"/>
+          </p:cNvSpPr>
+          <p:nvPr>
+            <p:ph sz="half" idx="1"/>
+          </p:nvPr>
+        </p:nvSpPr>
+        <p:spPr/>
+        <p:txBody>
+          <a:bodyPr/>
+          <a:lstStyle/>
+          <a:p>
+            <a:r>
+              <a:rPr lang="en-US" dirty="0"/>
+              <a:t>Op broke off both end pieces and H = 1</a:t>
+            </a:r>
+          </a:p>
+          <a:p>
+            <a:endParaRPr lang="en-US" dirty="0"/>
+          </a:p>
+        </p:txBody>
+      </p:sp>
+      <p:sp>
+        <p:nvSpPr>
+          <p:cNvPr id="4" name="Content Placeholder 3">
+            <a:extLst>
+              <a:ext uri="{FF2B5EF4-FFF2-40B4-BE49-F238E27FC236}">
+                <a16:creationId xmlns:a16="http://schemas.microsoft.com/office/drawing/2014/main" id="{B5E65185-901E-457C-AA96-654F8E01ABF6}"/>
+              </a:ext>
+            </a:extLst>
+          </p:cNvPr>
+          <p:cNvSpPr>
+            <a:spLocks noGrp="1"/>
+          </p:cNvSpPr>
+          <p:nvPr>
+            <p:ph sz="half" idx="2"/>
+          </p:nvPr>
+        </p:nvSpPr>
+        <p:spPr/>
+        <p:txBody>
+          <a:bodyPr/>
+          <a:lstStyle/>
+          <a:p>
+            <a:r>
+              <a:rPr lang="en-US" dirty="0"/>
+              <a:t>[1, 0, 2]; Solved N x N</a:t>
+            </a:r>
+          </a:p>
+        </p:txBody>
+      </p:sp>
+      <p:pic>
+        <p:nvPicPr>
+          <p:cNvPr id="6" name="Picture 5">
+            <a:extLst>
+              <a:ext uri="{FF2B5EF4-FFF2-40B4-BE49-F238E27FC236}">
+                <a16:creationId xmlns:a16="http://schemas.microsoft.com/office/drawing/2014/main" id="{F29954B3-AC1E-42DD-BA2D-BBFAD391E12D}"/>
+              </a:ext>
+            </a:extLst>
+          </p:cNvPr>
+          <p:cNvPicPr>
+            <a:picLocks noChangeAspect="1"/>
+          </p:cNvPicPr>
+          <p:nvPr/>
+        </p:nvPicPr>
+        <p:blipFill>
+          <a:blip r:embed="rId2"/>
+          <a:stretch>
+            <a:fillRect/>
+          </a:stretch>
+        </p:blipFill>
+        <p:spPr>
+          <a:xfrm>
+            <a:off x="2258785" y="2789046"/>
+            <a:ext cx="2143424" cy="2172003"/>
+          </a:xfrm>
+          <a:prstGeom prst="rect">
+            <a:avLst/>
+          </a:prstGeom>
+        </p:spPr>
+      </p:pic>
+      <p:pic>
+        <p:nvPicPr>
+          <p:cNvPr id="8" name="Picture 7">
+            <a:extLst>
+              <a:ext uri="{FF2B5EF4-FFF2-40B4-BE49-F238E27FC236}">
+                <a16:creationId xmlns:a16="http://schemas.microsoft.com/office/drawing/2014/main" id="{BBAAB1EC-6817-4686-9FD5-800E28E4230D}"/>
+              </a:ext>
+            </a:extLst>
+          </p:cNvPr>
+          <p:cNvPicPr>
+            <a:picLocks noChangeAspect="1"/>
+          </p:cNvPicPr>
+          <p:nvPr/>
+        </p:nvPicPr>
+        <p:blipFill>
+          <a:blip r:embed="rId3"/>
+          <a:stretch>
+            <a:fillRect/>
+          </a:stretch>
+        </p:blipFill>
+        <p:spPr>
+          <a:xfrm>
+            <a:off x="7681761" y="2585187"/>
+            <a:ext cx="2162477" cy="2200582"/>
+          </a:xfrm>
+          <a:prstGeom prst="rect">
+            <a:avLst/>
+          </a:prstGeom>
+        </p:spPr>
+      </p:pic>
+    </p:spTree>
+    <p:extLst>
+      <p:ext uri="{BB962C8B-B14F-4D97-AF65-F5344CB8AC3E}">
+        <p14:creationId xmlns:p14="http://schemas.microsoft.com/office/powerpoint/2010/main" val="2361846571"/>
+      </p:ext>
+    </p:extLst>
+  </p:cSld>
+  <p:clrMapOvr>
+    <a:masterClrMapping/>
+  </p:clrMapOvr>
+</p:sld>
+</file>
+
+<file path=ppt/slides/slide24.xml><?xml version="1.0" encoding="utf-8"?>
+<p:sld xmlns:a="http://schemas.openxmlformats.org/drawingml/2006/main" xmlns:r="http://schemas.openxmlformats.org/officeDocument/2006/relationships" xmlns:p="http://schemas.openxmlformats.org/presentationml/2006/main">
+  <p:cSld>
+    <p:spTree>
+      <p:nvGrpSpPr>
+        <p:cNvPr id="1" name=""/>
+        <p:cNvGrpSpPr/>
+        <p:nvPr/>
+      </p:nvGrpSpPr>
+      <p:grpSpPr>
+        <a:xfrm>
+          <a:off x="0" y="0"/>
+          <a:ext cx="0" cy="0"/>
+          <a:chOff x="0" y="0"/>
+          <a:chExt cx="0" cy="0"/>
+        </a:xfrm>
+      </p:grpSpPr>
+      <p:sp>
+        <p:nvSpPr>
+          <p:cNvPr id="2" name="Title 1">
+            <a:extLst>
+              <a:ext uri="{FF2B5EF4-FFF2-40B4-BE49-F238E27FC236}">
+                <a16:creationId xmlns:a16="http://schemas.microsoft.com/office/drawing/2014/main" id="{B223BCDB-09A6-49A6-A745-300C86D4A26A}"/>
+              </a:ext>
+            </a:extLst>
+          </p:cNvPr>
+          <p:cNvSpPr>
+            <a:spLocks noGrp="1"/>
+          </p:cNvSpPr>
+          <p:nvPr>
+            <p:ph type="title"/>
+          </p:nvPr>
+        </p:nvSpPr>
+        <p:spPr/>
+        <p:txBody>
+          <a:bodyPr/>
+          <a:lstStyle/>
+          <a:p>
+            <a:r>
+              <a:rPr lang="en-US" dirty="0"/>
+              <a:t>[2, H, 2]</a:t>
+            </a:r>
+          </a:p>
+        </p:txBody>
+      </p:sp>
+      <p:sp>
+        <p:nvSpPr>
+          <p:cNvPr id="3" name="Text Placeholder 2">
+            <a:extLst>
+              <a:ext uri="{FF2B5EF4-FFF2-40B4-BE49-F238E27FC236}">
+                <a16:creationId xmlns:a16="http://schemas.microsoft.com/office/drawing/2014/main" id="{BC0136F1-CF12-49CF-81DF-255A1710C063}"/>
+              </a:ext>
+            </a:extLst>
+          </p:cNvPr>
+          <p:cNvSpPr>
+            <a:spLocks noGrp="1"/>
+          </p:cNvSpPr>
+          <p:nvPr>
+            <p:ph type="body" idx="1"/>
+          </p:nvPr>
+        </p:nvSpPr>
+        <p:spPr/>
+        <p:txBody>
+          <a:bodyPr/>
+          <a:lstStyle/>
+          <a:p>
+            <a:endParaRPr lang="en-US"/>
+          </a:p>
+        </p:txBody>
+      </p:sp>
+    </p:spTree>
+    <p:extLst>
+      <p:ext uri="{BB962C8B-B14F-4D97-AF65-F5344CB8AC3E}">
+        <p14:creationId xmlns:p14="http://schemas.microsoft.com/office/powerpoint/2010/main" val="725362233"/>
+      </p:ext>
+    </p:extLst>
+  </p:cSld>
+  <p:clrMapOvr>
+    <a:masterClrMapping/>
+  </p:clrMapOvr>
+</p:sld>
+</file>
+
+<file path=ppt/slides/slide25.xml><?xml version="1.0" encoding="utf-8"?>
+<p:sld xmlns:a="http://schemas.openxmlformats.org/drawingml/2006/main" xmlns:r="http://schemas.openxmlformats.org/officeDocument/2006/relationships" xmlns:p="http://schemas.openxmlformats.org/presentationml/2006/main">
+  <p:cSld>
+    <p:spTree>
+      <p:nvGrpSpPr>
+        <p:cNvPr id="1" name=""/>
+        <p:cNvGrpSpPr/>
+        <p:nvPr/>
+      </p:nvGrpSpPr>
+      <p:grpSpPr>
+        <a:xfrm>
+          <a:off x="0" y="0"/>
+          <a:ext cx="0" cy="0"/>
+          <a:chOff x="0" y="0"/>
+          <a:chExt cx="0" cy="0"/>
+        </a:xfrm>
+      </p:grpSpPr>
+      <p:sp>
+        <p:nvSpPr>
+          <p:cNvPr id="2" name="Title 1">
+            <a:extLst>
+              <a:ext uri="{FF2B5EF4-FFF2-40B4-BE49-F238E27FC236}">
+                <a16:creationId xmlns:a16="http://schemas.microsoft.com/office/drawing/2014/main" id="{32845389-4A31-4E6F-AFB1-0DED1388DA28}"/>
+              </a:ext>
+            </a:extLst>
+          </p:cNvPr>
+          <p:cNvSpPr>
+            <a:spLocks noGrp="1"/>
+          </p:cNvSpPr>
+          <p:nvPr>
+            <p:ph type="title"/>
+          </p:nvPr>
+        </p:nvSpPr>
+        <p:spPr/>
+        <p:txBody>
+          <a:bodyPr/>
+          <a:lstStyle/>
+          <a:p>
+            <a:r>
+              <a:rPr lang="en-US" dirty="0"/>
+              <a:t>[2, H – n, 2 + n]</a:t>
+            </a:r>
+          </a:p>
+        </p:txBody>
+      </p:sp>
+      <p:sp>
+        <p:nvSpPr>
+          <p:cNvPr id="3" name="Content Placeholder 2">
+            <a:extLst>
+              <a:ext uri="{FF2B5EF4-FFF2-40B4-BE49-F238E27FC236}">
+                <a16:creationId xmlns:a16="http://schemas.microsoft.com/office/drawing/2014/main" id="{6A6752AB-83A1-4C14-A91F-8A4C6B883A81}"/>
+              </a:ext>
+            </a:extLst>
+          </p:cNvPr>
+          <p:cNvSpPr>
+            <a:spLocks noGrp="1"/>
+          </p:cNvSpPr>
+          <p:nvPr>
+            <p:ph sz="half" idx="1"/>
+          </p:nvPr>
+        </p:nvSpPr>
+        <p:spPr/>
+        <p:txBody>
+          <a:bodyPr/>
+          <a:lstStyle/>
+          <a:p>
+            <a:r>
+              <a:rPr lang="en-US" dirty="0"/>
+              <a:t>Op removed some/all of the 2’s</a:t>
+            </a:r>
+          </a:p>
+        </p:txBody>
+      </p:sp>
+      <p:sp>
+        <p:nvSpPr>
+          <p:cNvPr id="4" name="Content Placeholder 3">
+            <a:extLst>
+              <a:ext uri="{FF2B5EF4-FFF2-40B4-BE49-F238E27FC236}">
+                <a16:creationId xmlns:a16="http://schemas.microsoft.com/office/drawing/2014/main" id="{8F118942-F301-4819-A781-055B8BAD5F97}"/>
+              </a:ext>
+            </a:extLst>
+          </p:cNvPr>
+          <p:cNvSpPr>
+            <a:spLocks noGrp="1"/>
+          </p:cNvSpPr>
+          <p:nvPr>
+            <p:ph sz="half" idx="2"/>
+          </p:nvPr>
+        </p:nvSpPr>
+        <p:spPr>
+          <a:xfrm>
+            <a:off x="6172200" y="1825625"/>
+            <a:ext cx="5536580" cy="4351338"/>
+          </a:xfrm>
+        </p:spPr>
+        <p:txBody>
+          <a:bodyPr/>
+          <a:lstStyle/>
+          <a:p>
+            <a:r>
+              <a:rPr lang="en-US" dirty="0"/>
+              <a:t>[2, H – n, 2]; Maintain [2, H, 2] form</a:t>
+            </a:r>
+          </a:p>
+        </p:txBody>
+      </p:sp>
+      <p:pic>
+        <p:nvPicPr>
+          <p:cNvPr id="10" name="Picture 9">
+            <a:extLst>
+              <a:ext uri="{FF2B5EF4-FFF2-40B4-BE49-F238E27FC236}">
+                <a16:creationId xmlns:a16="http://schemas.microsoft.com/office/drawing/2014/main" id="{9EF65962-6D80-45CE-8CF9-830D1179C391}"/>
+              </a:ext>
+            </a:extLst>
+          </p:cNvPr>
+          <p:cNvPicPr>
+            <a:picLocks noChangeAspect="1"/>
+          </p:cNvPicPr>
+          <p:nvPr/>
+        </p:nvPicPr>
+        <p:blipFill>
+          <a:blip r:embed="rId2"/>
+          <a:stretch>
+            <a:fillRect/>
+          </a:stretch>
+        </p:blipFill>
+        <p:spPr>
+          <a:xfrm>
+            <a:off x="976697" y="2578616"/>
+            <a:ext cx="4420493" cy="3514430"/>
+          </a:xfrm>
+          <a:prstGeom prst="rect">
+            <a:avLst/>
+          </a:prstGeom>
+        </p:spPr>
+      </p:pic>
+      <p:pic>
+        <p:nvPicPr>
+          <p:cNvPr id="12" name="Picture 11">
+            <a:extLst>
+              <a:ext uri="{FF2B5EF4-FFF2-40B4-BE49-F238E27FC236}">
+                <a16:creationId xmlns:a16="http://schemas.microsoft.com/office/drawing/2014/main" id="{E6CEEAD4-4924-481A-8FCA-93494B0686E0}"/>
+              </a:ext>
+            </a:extLst>
+          </p:cNvPr>
+          <p:cNvPicPr>
+            <a:picLocks noChangeAspect="1"/>
+          </p:cNvPicPr>
+          <p:nvPr/>
+        </p:nvPicPr>
+        <p:blipFill>
+          <a:blip r:embed="rId3"/>
+          <a:stretch>
+            <a:fillRect/>
+          </a:stretch>
+        </p:blipFill>
+        <p:spPr>
+          <a:xfrm>
+            <a:off x="6456556" y="2578616"/>
+            <a:ext cx="3555020" cy="3519891"/>
+          </a:xfrm>
+          <a:prstGeom prst="rect">
+            <a:avLst/>
+          </a:prstGeom>
+        </p:spPr>
+      </p:pic>
+      <p:cxnSp>
+        <p:nvCxnSpPr>
+          <p:cNvPr id="14" name="Straight Arrow Connector 13">
+            <a:extLst>
+              <a:ext uri="{FF2B5EF4-FFF2-40B4-BE49-F238E27FC236}">
+                <a16:creationId xmlns:a16="http://schemas.microsoft.com/office/drawing/2014/main" id="{88249718-C88C-4EDB-BF41-8634A2F7D908}"/>
+              </a:ext>
+            </a:extLst>
+          </p:cNvPr>
+          <p:cNvCxnSpPr>
+            <a:cxnSpLocks/>
+          </p:cNvCxnSpPr>
+          <p:nvPr/>
+        </p:nvCxnSpPr>
+        <p:spPr>
+          <a:xfrm flipH="1">
+            <a:off x="7973123" y="4917688"/>
+            <a:ext cx="1070516" cy="390292"/>
+          </a:xfrm>
+          <a:prstGeom prst="straightConnector1">
+            <a:avLst/>
+          </a:prstGeom>
+          <a:ln>
+            <a:tailEnd type="triangle"/>
+          </a:ln>
+        </p:spPr>
+        <p:style>
+          <a:lnRef idx="1">
+            <a:schemeClr val="accent1"/>
+          </a:lnRef>
+          <a:fillRef idx="0">
+            <a:schemeClr val="accent1"/>
+          </a:fillRef>
+          <a:effectRef idx="0">
+            <a:schemeClr val="accent1"/>
+          </a:effectRef>
+          <a:fontRef idx="minor">
+            <a:schemeClr val="tx1"/>
+          </a:fontRef>
+        </p:style>
+      </p:cxnSp>
+      <p:sp>
+        <p:nvSpPr>
+          <p:cNvPr id="17" name="TextBox 16">
+            <a:extLst>
+              <a:ext uri="{FF2B5EF4-FFF2-40B4-BE49-F238E27FC236}">
+                <a16:creationId xmlns:a16="http://schemas.microsoft.com/office/drawing/2014/main" id="{3B41022A-3078-4566-9A52-876A176FCBD5}"/>
+              </a:ext>
+            </a:extLst>
+          </p:cNvPr>
+          <p:cNvSpPr txBox="1"/>
+          <p:nvPr/>
+        </p:nvSpPr>
+        <p:spPr>
+          <a:xfrm>
+            <a:off x="9043639" y="4627756"/>
+            <a:ext cx="1350050" cy="646331"/>
+          </a:xfrm>
+          <a:prstGeom prst="rect">
+            <a:avLst/>
+          </a:prstGeom>
+          <a:noFill/>
+        </p:spPr>
+        <p:txBody>
+          <a:bodyPr wrap="none" rtlCol="0">
+            <a:spAutoFit/>
+          </a:bodyPr>
+          <a:lstStyle/>
+          <a:p>
+            <a:r>
+              <a:rPr lang="en-US" dirty="0"/>
+              <a:t>There’s that </a:t>
+            </a:r>
+          </a:p>
+          <a:p>
+            <a:r>
+              <a:rPr lang="en-US" dirty="0"/>
+              <a:t>funky dude</a:t>
+            </a:r>
+          </a:p>
+        </p:txBody>
+      </p:sp>
+    </p:spTree>
+    <p:extLst>
+      <p:ext uri="{BB962C8B-B14F-4D97-AF65-F5344CB8AC3E}">
+        <p14:creationId xmlns:p14="http://schemas.microsoft.com/office/powerpoint/2010/main" val="3680706660"/>
+      </p:ext>
+    </p:extLst>
+  </p:cSld>
+  <p:clrMapOvr>
+    <a:masterClrMapping/>
+  </p:clrMapOvr>
+</p:sld>
+</file>
+
+<file path=ppt/slides/slide26.xml><?xml version="1.0" encoding="utf-8"?>
+<p:sld xmlns:a="http://schemas.openxmlformats.org/drawingml/2006/main" xmlns:r="http://schemas.openxmlformats.org/officeDocument/2006/relationships" xmlns:p="http://schemas.openxmlformats.org/presentationml/2006/main">
+  <p:cSld>
+    <p:spTree>
+      <p:nvGrpSpPr>
+        <p:cNvPr id="1" name=""/>
+        <p:cNvGrpSpPr/>
+        <p:nvPr/>
+      </p:nvGrpSpPr>
+      <p:grpSpPr>
+        <a:xfrm>
+          <a:off x="0" y="0"/>
+          <a:ext cx="0" cy="0"/>
+          <a:chOff x="0" y="0"/>
+          <a:chExt cx="0" cy="0"/>
+        </a:xfrm>
+      </p:grpSpPr>
+      <p:sp>
+        <p:nvSpPr>
+          <p:cNvPr id="2" name="Title 1">
+            <a:extLst>
+              <a:ext uri="{FF2B5EF4-FFF2-40B4-BE49-F238E27FC236}">
+                <a16:creationId xmlns:a16="http://schemas.microsoft.com/office/drawing/2014/main" id="{E7F336E0-9447-4434-940E-701E8D9EA670}"/>
+              </a:ext>
+            </a:extLst>
+          </p:cNvPr>
+          <p:cNvSpPr>
+            <a:spLocks noGrp="1"/>
+          </p:cNvSpPr>
+          <p:nvPr>
+            <p:ph type="title"/>
+          </p:nvPr>
+        </p:nvSpPr>
+        <p:spPr/>
+        <p:txBody>
+          <a:bodyPr/>
+          <a:lstStyle/>
+          <a:p>
+            <a:r>
+              <a:rPr lang="en-US" dirty="0"/>
+              <a:t>[2, H, 1] </a:t>
+            </a:r>
+            <a:r>
+              <a:rPr lang="en-US" dirty="0" err="1"/>
+              <a:t>s.t.</a:t>
+            </a:r>
+            <a:r>
+              <a:rPr lang="en-US" dirty="0"/>
+              <a:t> H &gt;= 1</a:t>
+            </a:r>
+          </a:p>
+        </p:txBody>
+      </p:sp>
+      <p:sp>
+        <p:nvSpPr>
+          <p:cNvPr id="3" name="Content Placeholder 2">
+            <a:extLst>
+              <a:ext uri="{FF2B5EF4-FFF2-40B4-BE49-F238E27FC236}">
+                <a16:creationId xmlns:a16="http://schemas.microsoft.com/office/drawing/2014/main" id="{6D25D251-5A48-481F-B570-F3CE1EA9CAF3}"/>
+              </a:ext>
+            </a:extLst>
+          </p:cNvPr>
+          <p:cNvSpPr>
+            <a:spLocks noGrp="1"/>
+          </p:cNvSpPr>
+          <p:nvPr>
+            <p:ph sz="half" idx="1"/>
+          </p:nvPr>
+        </p:nvSpPr>
+        <p:spPr/>
+        <p:txBody>
+          <a:bodyPr/>
+          <a:lstStyle/>
+          <a:p>
+            <a:r>
+              <a:rPr lang="en-US" dirty="0"/>
+              <a:t>Op broke of the end piece</a:t>
+            </a:r>
+          </a:p>
+        </p:txBody>
+      </p:sp>
+      <p:sp>
+        <p:nvSpPr>
+          <p:cNvPr id="4" name="Content Placeholder 3">
+            <a:extLst>
+              <a:ext uri="{FF2B5EF4-FFF2-40B4-BE49-F238E27FC236}">
+                <a16:creationId xmlns:a16="http://schemas.microsoft.com/office/drawing/2014/main" id="{1A36EECF-B1DB-4AC0-ACF9-90039E03E2C8}"/>
+              </a:ext>
+            </a:extLst>
+          </p:cNvPr>
+          <p:cNvSpPr>
+            <a:spLocks noGrp="1"/>
+          </p:cNvSpPr>
+          <p:nvPr>
+            <p:ph sz="half" idx="2"/>
+          </p:nvPr>
+        </p:nvSpPr>
+        <p:spPr/>
+        <p:txBody>
+          <a:bodyPr/>
+          <a:lstStyle/>
+          <a:p>
+            <a:r>
+              <a:rPr lang="en-US" dirty="0"/>
+              <a:t>[2, H - 1, 2]; Maintain [2, H, 2] form</a:t>
+            </a:r>
+          </a:p>
+          <a:p>
+            <a:endParaRPr lang="en-US" dirty="0"/>
+          </a:p>
+          <a:p>
+            <a:endParaRPr lang="en-US" dirty="0"/>
+          </a:p>
+          <a:p>
+            <a:endParaRPr lang="en-US" dirty="0"/>
+          </a:p>
+          <a:p>
+            <a:endParaRPr lang="en-US" dirty="0"/>
+          </a:p>
+          <a:p>
+            <a:endParaRPr lang="en-US" dirty="0"/>
+          </a:p>
+        </p:txBody>
+      </p:sp>
+      <p:pic>
+        <p:nvPicPr>
+          <p:cNvPr id="8" name="Picture 7">
+            <a:extLst>
+              <a:ext uri="{FF2B5EF4-FFF2-40B4-BE49-F238E27FC236}">
+                <a16:creationId xmlns:a16="http://schemas.microsoft.com/office/drawing/2014/main" id="{E34EF1AF-ACFA-41E8-B969-DA76638A54E6}"/>
+              </a:ext>
+            </a:extLst>
+          </p:cNvPr>
+          <p:cNvPicPr>
+            <a:picLocks noChangeAspect="1"/>
+          </p:cNvPicPr>
+          <p:nvPr/>
+        </p:nvPicPr>
+        <p:blipFill>
+          <a:blip r:embed="rId2"/>
+          <a:stretch>
+            <a:fillRect/>
+          </a:stretch>
+        </p:blipFill>
+        <p:spPr>
+          <a:xfrm>
+            <a:off x="1399892" y="2804961"/>
+            <a:ext cx="4058216" cy="2162477"/>
+          </a:xfrm>
+          <a:prstGeom prst="rect">
+            <a:avLst/>
+          </a:prstGeom>
+        </p:spPr>
+      </p:pic>
+      <p:pic>
+        <p:nvPicPr>
+          <p:cNvPr id="10" name="Picture 9">
+            <a:extLst>
+              <a:ext uri="{FF2B5EF4-FFF2-40B4-BE49-F238E27FC236}">
+                <a16:creationId xmlns:a16="http://schemas.microsoft.com/office/drawing/2014/main" id="{B2398458-7D6E-4292-B3A5-92A2815392D2}"/>
+              </a:ext>
+            </a:extLst>
+          </p:cNvPr>
+          <p:cNvPicPr>
+            <a:picLocks noChangeAspect="1"/>
+          </p:cNvPicPr>
+          <p:nvPr/>
+        </p:nvPicPr>
+        <p:blipFill>
+          <a:blip r:embed="rId3"/>
+          <a:stretch>
+            <a:fillRect/>
+          </a:stretch>
+        </p:blipFill>
+        <p:spPr>
+          <a:xfrm>
+            <a:off x="6252753" y="2757330"/>
+            <a:ext cx="4191585" cy="2210108"/>
+          </a:xfrm>
+          <a:prstGeom prst="rect">
+            <a:avLst/>
+          </a:prstGeom>
+        </p:spPr>
+      </p:pic>
+    </p:spTree>
+    <p:extLst>
+      <p:ext uri="{BB962C8B-B14F-4D97-AF65-F5344CB8AC3E}">
+        <p14:creationId xmlns:p14="http://schemas.microsoft.com/office/powerpoint/2010/main" val="1860018052"/>
+      </p:ext>
+    </p:extLst>
+  </p:cSld>
+  <p:clrMapOvr>
+    <a:masterClrMapping/>
+  </p:clrMapOvr>
+</p:sld>
+</file>
+
+<file path=ppt/slides/slide27.xml><?xml version="1.0" encoding="utf-8"?>
+<p:sld xmlns:a="http://schemas.openxmlformats.org/drawingml/2006/main" xmlns:r="http://schemas.openxmlformats.org/officeDocument/2006/relationships" xmlns:p="http://schemas.openxmlformats.org/presentationml/2006/main">
+  <p:cSld>
+    <p:spTree>
+      <p:nvGrpSpPr>
+        <p:cNvPr id="1" name=""/>
+        <p:cNvGrpSpPr/>
+        <p:nvPr/>
+      </p:nvGrpSpPr>
+      <p:grpSpPr>
+        <a:xfrm>
+          <a:off x="0" y="0"/>
+          <a:ext cx="0" cy="0"/>
+          <a:chOff x="0" y="0"/>
+          <a:chExt cx="0" cy="0"/>
+        </a:xfrm>
+      </p:grpSpPr>
+      <p:sp>
+        <p:nvSpPr>
+          <p:cNvPr id="2" name="Title 1">
+            <a:extLst>
+              <a:ext uri="{FF2B5EF4-FFF2-40B4-BE49-F238E27FC236}">
+                <a16:creationId xmlns:a16="http://schemas.microsoft.com/office/drawing/2014/main" id="{392F4E99-F1FD-4A3A-94CF-CE9D7BB3DDFF}"/>
+              </a:ext>
+            </a:extLst>
+          </p:cNvPr>
+          <p:cNvSpPr>
+            <a:spLocks noGrp="1"/>
+          </p:cNvSpPr>
+          <p:nvPr>
+            <p:ph type="title"/>
+          </p:nvPr>
+        </p:nvSpPr>
+        <p:spPr/>
+        <p:txBody>
+          <a:bodyPr/>
+          <a:lstStyle/>
+          <a:p>
+            <a:r>
+              <a:rPr lang="en-US" dirty="0"/>
+              <a:t>[2, H, 0] </a:t>
+            </a:r>
+            <a:r>
+              <a:rPr lang="en-US" dirty="0" err="1"/>
+              <a:t>s.t.</a:t>
+            </a:r>
+            <a:r>
+              <a:rPr lang="en-US" dirty="0"/>
+              <a:t> H &gt;= 2</a:t>
+            </a:r>
+          </a:p>
+        </p:txBody>
+      </p:sp>
+      <p:sp>
+        <p:nvSpPr>
+          <p:cNvPr id="3" name="Content Placeholder 2">
+            <a:extLst>
+              <a:ext uri="{FF2B5EF4-FFF2-40B4-BE49-F238E27FC236}">
+                <a16:creationId xmlns:a16="http://schemas.microsoft.com/office/drawing/2014/main" id="{6B750222-CE80-462A-9397-9FFC84C9057B}"/>
+              </a:ext>
+            </a:extLst>
+          </p:cNvPr>
+          <p:cNvSpPr>
+            <a:spLocks noGrp="1"/>
+          </p:cNvSpPr>
+          <p:nvPr>
+            <p:ph sz="half" idx="1"/>
+          </p:nvPr>
+        </p:nvSpPr>
+        <p:spPr/>
+        <p:txBody>
+          <a:bodyPr/>
+          <a:lstStyle/>
+          <a:p>
+            <a:r>
+              <a:rPr lang="en-US" dirty="0"/>
+              <a:t>Op broke off both end pieces</a:t>
+            </a:r>
+          </a:p>
+        </p:txBody>
+      </p:sp>
+      <p:sp>
+        <p:nvSpPr>
+          <p:cNvPr id="4" name="Content Placeholder 3">
+            <a:extLst>
+              <a:ext uri="{FF2B5EF4-FFF2-40B4-BE49-F238E27FC236}">
+                <a16:creationId xmlns:a16="http://schemas.microsoft.com/office/drawing/2014/main" id="{275FA1B1-6D41-40AD-BBE3-9D3DDBEF6D6E}"/>
+              </a:ext>
+            </a:extLst>
+          </p:cNvPr>
+          <p:cNvSpPr>
+            <a:spLocks noGrp="1"/>
+          </p:cNvSpPr>
+          <p:nvPr>
+            <p:ph sz="half" idx="2"/>
+          </p:nvPr>
+        </p:nvSpPr>
+        <p:spPr/>
+        <p:txBody>
+          <a:bodyPr/>
+          <a:lstStyle/>
+          <a:p>
+            <a:r>
+              <a:rPr lang="en-US" dirty="0"/>
+              <a:t>[2, H – 2, 2]; Maintain [2, H, 2] form</a:t>
+            </a:r>
+          </a:p>
+        </p:txBody>
+      </p:sp>
+      <p:pic>
+        <p:nvPicPr>
+          <p:cNvPr id="6" name="Picture 5">
+            <a:extLst>
+              <a:ext uri="{FF2B5EF4-FFF2-40B4-BE49-F238E27FC236}">
+                <a16:creationId xmlns:a16="http://schemas.microsoft.com/office/drawing/2014/main" id="{703C0143-EDB9-4CDD-ADE2-4EBA9A315C8A}"/>
+              </a:ext>
+            </a:extLst>
+          </p:cNvPr>
+          <p:cNvPicPr>
+            <a:picLocks noChangeAspect="1"/>
+          </p:cNvPicPr>
+          <p:nvPr/>
+        </p:nvPicPr>
+        <p:blipFill>
+          <a:blip r:embed="rId2"/>
+          <a:stretch>
+            <a:fillRect/>
+          </a:stretch>
+        </p:blipFill>
+        <p:spPr>
+          <a:xfrm>
+            <a:off x="1018838" y="2714127"/>
+            <a:ext cx="4820323" cy="2143424"/>
+          </a:xfrm>
+          <a:prstGeom prst="rect">
+            <a:avLst/>
+          </a:prstGeom>
+        </p:spPr>
+      </p:pic>
+      <p:pic>
+        <p:nvPicPr>
+          <p:cNvPr id="8" name="Picture 7">
+            <a:extLst>
+              <a:ext uri="{FF2B5EF4-FFF2-40B4-BE49-F238E27FC236}">
+                <a16:creationId xmlns:a16="http://schemas.microsoft.com/office/drawing/2014/main" id="{EF152E86-7014-4C1E-AE6B-B9982F06ADA9}"/>
+              </a:ext>
+            </a:extLst>
+          </p:cNvPr>
+          <p:cNvPicPr>
+            <a:picLocks noChangeAspect="1"/>
+          </p:cNvPicPr>
+          <p:nvPr/>
+        </p:nvPicPr>
+        <p:blipFill>
+          <a:blip r:embed="rId3"/>
+          <a:stretch>
+            <a:fillRect/>
+          </a:stretch>
+        </p:blipFill>
+        <p:spPr>
+          <a:xfrm>
+            <a:off x="6390945" y="2714127"/>
+            <a:ext cx="4782217" cy="2143424"/>
+          </a:xfrm>
+          <a:prstGeom prst="rect">
+            <a:avLst/>
+          </a:prstGeom>
+        </p:spPr>
+      </p:pic>
+    </p:spTree>
+    <p:extLst>
+      <p:ext uri="{BB962C8B-B14F-4D97-AF65-F5344CB8AC3E}">
+        <p14:creationId xmlns:p14="http://schemas.microsoft.com/office/powerpoint/2010/main" val="3256474895"/>
+      </p:ext>
+    </p:extLst>
+  </p:cSld>
+  <p:clrMapOvr>
+    <a:masterClrMapping/>
+  </p:clrMapOvr>
+</p:sld>
+</file>
+
+<file path=ppt/slides/slide28.xml><?xml version="1.0" encoding="utf-8"?>
+<p:sld xmlns:a="http://schemas.openxmlformats.org/drawingml/2006/main" xmlns:r="http://schemas.openxmlformats.org/officeDocument/2006/relationships" xmlns:p="http://schemas.openxmlformats.org/presentationml/2006/main">
+  <p:cSld>
+    <p:spTree>
+      <p:nvGrpSpPr>
+        <p:cNvPr id="1" name=""/>
+        <p:cNvGrpSpPr/>
+        <p:nvPr/>
+      </p:nvGrpSpPr>
+      <p:grpSpPr>
+        <a:xfrm>
+          <a:off x="0" y="0"/>
+          <a:ext cx="0" cy="0"/>
+          <a:chOff x="0" y="0"/>
+          <a:chExt cx="0" cy="0"/>
+        </a:xfrm>
+      </p:grpSpPr>
+      <p:sp>
+        <p:nvSpPr>
+          <p:cNvPr id="2" name="Title 1">
+            <a:extLst>
+              <a:ext uri="{FF2B5EF4-FFF2-40B4-BE49-F238E27FC236}">
+                <a16:creationId xmlns:a16="http://schemas.microsoft.com/office/drawing/2014/main" id="{88B2E67C-F2D9-46C6-A957-2726761AAC94}"/>
+              </a:ext>
+            </a:extLst>
+          </p:cNvPr>
+          <p:cNvSpPr>
+            <a:spLocks noGrp="1"/>
+          </p:cNvSpPr>
+          <p:nvPr>
+            <p:ph type="title"/>
+          </p:nvPr>
+        </p:nvSpPr>
+        <p:spPr/>
+        <p:txBody>
+          <a:bodyPr/>
+          <a:lstStyle/>
+          <a:p>
+            <a:r>
+              <a:rPr lang="en-US" dirty="0"/>
+              <a:t>Summary and Current Problems</a:t>
+            </a:r>
+          </a:p>
+        </p:txBody>
+      </p:sp>
+      <p:sp>
+        <p:nvSpPr>
+          <p:cNvPr id="3" name="Content Placeholder 2">
+            <a:extLst>
+              <a:ext uri="{FF2B5EF4-FFF2-40B4-BE49-F238E27FC236}">
+                <a16:creationId xmlns:a16="http://schemas.microsoft.com/office/drawing/2014/main" id="{372F942C-8F57-49FA-BB55-DA08D6BBAE6B}"/>
+              </a:ext>
+            </a:extLst>
+          </p:cNvPr>
+          <p:cNvSpPr>
+            <a:spLocks noGrp="1"/>
+          </p:cNvSpPr>
+          <p:nvPr>
+            <p:ph idx="1"/>
+          </p:nvPr>
+        </p:nvSpPr>
+        <p:spPr/>
+        <p:txBody>
+          <a:bodyPr/>
+          <a:lstStyle/>
+          <a:p>
+            <a:r>
+              <a:rPr lang="en-US" dirty="0"/>
+              <a:t>As far as I can tell, no one else used the truncated forms before</a:t>
+            </a:r>
+          </a:p>
+          <a:p>
+            <a:r>
+              <a:rPr lang="en-US" dirty="0"/>
+              <a:t>Partial solution and stable boards</a:t>
+            </a:r>
+          </a:p>
+          <a:p>
+            <a:endParaRPr lang="en-US" dirty="0"/>
+          </a:p>
+          <a:p>
+            <a:r>
+              <a:rPr lang="en-US" dirty="0"/>
+              <a:t>Not very elegant, cases may reduce</a:t>
+            </a:r>
+          </a:p>
+          <a:p>
+            <a:r>
+              <a:rPr lang="en-US" dirty="0"/>
+              <a:t>Can't reach in one move from $3$ x $N$, but it is stable</a:t>
+            </a:r>
+          </a:p>
+        </p:txBody>
+      </p:sp>
+    </p:spTree>
+    <p:extLst>
+      <p:ext uri="{BB962C8B-B14F-4D97-AF65-F5344CB8AC3E}">
+        <p14:creationId xmlns:p14="http://schemas.microsoft.com/office/powerpoint/2010/main" val="3292820267"/>
       </p:ext>
     </p:extLst>
   </p:cSld>
@@ -4409,8 +7154,25 @@
           <a:p>
             <a:r>
               <a:rPr lang="en-US" dirty="0"/>
-              <a:t>Finite, the game will end, you cant loop</a:t>
-            </a:r>
+              <a:t>Two types:</a:t>
+            </a:r>
+          </a:p>
+          <a:p>
+            <a:pPr lvl="1"/>
+            <a:r>
+              <a:rPr lang="en-US" dirty="0"/>
+              <a:t>Finite, the game will end, you can't loop</a:t>
+            </a:r>
+          </a:p>
+          <a:p>
+            <a:pPr lvl="1"/>
+            <a:r>
+              <a:rPr lang="en-US" dirty="0"/>
+              <a:t>Infinite, the game may not end, you can create loops</a:t>
+            </a:r>
+          </a:p>
+          <a:p>
+            <a:endParaRPr lang="en-US" dirty="0"/>
           </a:p>
         </p:txBody>
       </p:sp>
@@ -4501,7 +7263,15 @@
           <a:p>
             <a:r>
               <a:rPr lang="en-US" dirty="0"/>
-              <a:t>You don’t want to eat the poison</a:t>
+              <a:t>You don’t want to eat the poison, unless you’ve built up a resistance to </a:t>
+            </a:r>
+            <a:r>
+              <a:rPr lang="en-US" dirty="0" err="1"/>
+              <a:t>iocane</a:t>
+            </a:r>
+            <a:r>
+              <a:rPr lang="en-US" dirty="0"/>
+              <a:t> powder</a:t>
             </a:r>
           </a:p>
           <a:p>
@@ -4604,25 +7374,74 @@
           </a:p>
           <a:p>
             <a:pPr lvl="1"/>
-            <a:r>
-              <a:rPr lang="en-US" dirty="0"/>
-              <a:t>Insert picture here</a:t>
-            </a:r>
-          </a:p>
-          <a:p>
-            <a:r>
-              <a:rPr lang="en-US" dirty="0"/>
-              <a:t>Long form: truncated, lists columns by height {3, 3, 2, 1}</a:t>
-            </a:r>
-          </a:p>
-          <a:p>
-            <a:r>
-              <a:rPr lang="en-US" dirty="0"/>
-              <a:t>Short Form: truncated, lists width of groups of column heights [2, 1, 1]</a:t>
-            </a:r>
-          </a:p>
-        </p:txBody>
-      </p:sp>
+            <a:endParaRPr lang="en-US" dirty="0"/>
+          </a:p>
+          <a:p>
+            <a:pPr lvl="1"/>
+            <a:endParaRPr lang="en-US" dirty="0"/>
+          </a:p>
+          <a:p>
+            <a:pPr lvl="1"/>
+            <a:endParaRPr lang="en-US" dirty="0"/>
+          </a:p>
+          <a:p>
+            <a:r>
+              <a:rPr lang="en-US" dirty="0"/>
+              <a:t>Long form: truncated, lists columns by height </a:t>
+            </a:r>
+          </a:p>
+          <a:p>
+            <a:pPr lvl="1"/>
+            <a:r>
+              <a:rPr lang="en-US" dirty="0"/>
+              <a:t>{3, 3, 2, 2, 2, 1, 1}</a:t>
+            </a:r>
+          </a:p>
+          <a:p>
+            <a:r>
+              <a:rPr lang="en-US" dirty="0"/>
+              <a:t>Short Form: truncated, lists width of groups of column heights </a:t>
+            </a:r>
+          </a:p>
+          <a:p>
+            <a:pPr lvl="1"/>
+            <a:r>
+              <a:rPr lang="en-US" dirty="0"/>
+              <a:t>[2, 3, 2]</a:t>
+            </a:r>
+          </a:p>
+        </p:txBody>
+      </p:sp>
+      <p:pic>
+        <p:nvPicPr>
+          <p:cNvPr id="7" name="Picture 6">
+            <a:extLst>
+              <a:ext uri="{FF2B5EF4-FFF2-40B4-BE49-F238E27FC236}">
+                <a16:creationId xmlns:a16="http://schemas.microsoft.com/office/drawing/2014/main" id="{FDA19012-2AB6-407E-962C-175E524A8245}"/>
+              </a:ext>
+            </a:extLst>
+          </p:cNvPr>
+          <p:cNvPicPr>
+            <a:picLocks noChangeAspect="1"/>
+          </p:cNvPicPr>
+          <p:nvPr/>
+        </p:nvPicPr>
+        <p:blipFill>
+          <a:blip r:embed="rId2"/>
+          <a:stretch>
+            <a:fillRect/>
+          </a:stretch>
+        </p:blipFill>
+        <p:spPr>
+          <a:xfrm>
+            <a:off x="1590342" y="2841448"/>
+            <a:ext cx="2610184" cy="1175103"/>
+          </a:xfrm>
+          <a:prstGeom prst="rect">
+            <a:avLst/>
+          </a:prstGeom>
+        </p:spPr>
+      </p:pic>
     </p:spTree>
     <p:extLst>
       <p:ext uri="{BB962C8B-B14F-4D97-AF65-F5344CB8AC3E}">
@@ -4676,7 +7495,7 @@
           <a:p>
             <a:r>
               <a:rPr lang="en-US" dirty="0"/>
-              <a:t>What has already been done</a:t>
+              <a:t>Basic Strategies</a:t>
             </a:r>
           </a:p>
         </p:txBody>
@@ -4715,28 +7534,129 @@
             </a:r>
           </a:p>
           <a:p>
+            <a:pPr marL="457200" lvl="1" indent="0">
+              <a:buNone/>
+            </a:pPr>
+            <a:endParaRPr lang="en-US" dirty="0"/>
+          </a:p>
+          <a:p>
             <a:pPr lvl="1"/>
             <a:r>
               <a:rPr lang="en-US" dirty="0"/>
-              <a:t>N x N: go first, make an L, tweedledee-tweedledum</a:t>
+              <a:t>N x N: Go first, make an L, Tweedledee-Tweedledum</a:t>
             </a:r>
           </a:p>
           <a:p>
             <a:pPr lvl="1"/>
-            <a:r>
-              <a:rPr lang="en-US" dirty="0"/>
-              <a:t>2 x N: Go first, take top right, tweedledee-tweedledum</a:t>
-            </a:r>
-          </a:p>
-          <a:p>
-            <a:pPr lvl="2"/>
-            <a:r>
-              <a:rPr lang="en-US" dirty="0"/>
-              <a:t>N x N Ns: Go second, tweedledee-tweedledum</a:t>
-            </a:r>
-          </a:p>
-        </p:txBody>
-      </p:sp>
+            <a:endParaRPr lang="en-US" dirty="0"/>
+          </a:p>
+          <a:p>
+            <a:pPr lvl="1"/>
+            <a:endParaRPr lang="en-US" dirty="0"/>
+          </a:p>
+          <a:p>
+            <a:pPr lvl="1"/>
+            <a:endParaRPr lang="en-US" dirty="0"/>
+          </a:p>
+          <a:p>
+            <a:pPr lvl="1"/>
+            <a:r>
+              <a:rPr lang="en-US" dirty="0"/>
+              <a:t>2 x N: Go first, take top right, Tweedledee-Tweedledum</a:t>
+            </a:r>
+          </a:p>
+        </p:txBody>
+      </p:sp>
+      <p:pic>
+        <p:nvPicPr>
+          <p:cNvPr id="5" name="Picture 4">
+            <a:extLst>
+              <a:ext uri="{FF2B5EF4-FFF2-40B4-BE49-F238E27FC236}">
+                <a16:creationId xmlns:a16="http://schemas.microsoft.com/office/drawing/2014/main" id="{932ABC2A-BC03-49F9-95C4-35F0078E703B}"/>
+              </a:ext>
+            </a:extLst>
+          </p:cNvPr>
+          <p:cNvPicPr>
+            <a:picLocks noChangeAspect="1"/>
+          </p:cNvPicPr>
+          <p:nvPr/>
+        </p:nvPicPr>
+        <p:blipFill>
+          <a:blip r:embed="rId2"/>
+          <a:stretch>
+            <a:fillRect/>
+          </a:stretch>
+        </p:blipFill>
+        <p:spPr>
+          <a:xfrm>
+            <a:off x="2036972" y="2653003"/>
+            <a:ext cx="2576846" cy="452620"/>
+          </a:xfrm>
+          <a:prstGeom prst="rect">
+            <a:avLst/>
+          </a:prstGeom>
+        </p:spPr>
+      </p:pic>
+      <p:pic>
+        <p:nvPicPr>
+          <p:cNvPr id="9" name="Picture 8">
+            <a:extLst>
+              <a:ext uri="{FF2B5EF4-FFF2-40B4-BE49-F238E27FC236}">
+                <a16:creationId xmlns:a16="http://schemas.microsoft.com/office/drawing/2014/main" id="{C73EA955-EAB2-4CA7-AA64-2B5395F50BA0}"/>
+              </a:ext>
+            </a:extLst>
+          </p:cNvPr>
+          <p:cNvPicPr>
+            <a:picLocks noChangeAspect="1"/>
+          </p:cNvPicPr>
+          <p:nvPr/>
+        </p:nvPicPr>
+        <p:blipFill>
+          <a:blip r:embed="rId3"/>
+          <a:stretch>
+            <a:fillRect/>
+          </a:stretch>
+        </p:blipFill>
+        <p:spPr>
+          <a:xfrm>
+            <a:off x="2036972" y="3390000"/>
+            <a:ext cx="2762636" cy="1086002"/>
+          </a:xfrm>
+          <a:prstGeom prst="rect">
+            <a:avLst/>
+          </a:prstGeom>
+        </p:spPr>
+      </p:pic>
+      <p:pic>
+        <p:nvPicPr>
+          <p:cNvPr id="11" name="Picture 10">
+            <a:extLst>
+              <a:ext uri="{FF2B5EF4-FFF2-40B4-BE49-F238E27FC236}">
+                <a16:creationId xmlns:a16="http://schemas.microsoft.com/office/drawing/2014/main" id="{489EAC73-9A44-4E72-9F3E-F02D2C6CACCE}"/>
+              </a:ext>
+            </a:extLst>
+          </p:cNvPr>
+          <p:cNvPicPr>
+            <a:picLocks noChangeAspect="1"/>
+          </p:cNvPicPr>
+          <p:nvPr/>
+        </p:nvPicPr>
+        <p:blipFill>
+          <a:blip r:embed="rId4"/>
+          <a:stretch>
+            <a:fillRect/>
+          </a:stretch>
+        </p:blipFill>
+        <p:spPr>
+          <a:xfrm>
+            <a:off x="2036972" y="4992661"/>
+            <a:ext cx="2451093" cy="657925"/>
+          </a:xfrm>
+          <a:prstGeom prst="rect">
+            <a:avLst/>
+          </a:prstGeom>
+        </p:spPr>
+      </p:pic>
     </p:spTree>
     <p:extLst>
       <p:ext uri="{BB962C8B-B14F-4D97-AF65-F5344CB8AC3E}">
@@ -4790,7 +7710,7 @@
           <a:p>
             <a:r>
               <a:rPr lang="en-US" dirty="0"/>
-              <a:t>Nim Numbers</a:t>
+              <a:t>Positions</a:t>
             </a:r>
           </a:p>
         </p:txBody>
@@ -4822,29 +7742,10 @@
             </a:r>
           </a:p>
           <a:p>
-            <a:r>
-              <a:rPr lang="en-US" strike="sngStrike" dirty="0"/>
-              <a:t>Counting up and MEX</a:t>
-            </a:r>
-          </a:p>
-          <a:p>
-            <a:r>
-              <a:rPr lang="en-US" dirty="0"/>
-              <a:t>Every board has a recursively defined </a:t>
-            </a:r>
-            <a:r>
-              <a:rPr lang="en-US" dirty="0" err="1"/>
-              <a:t>nim</a:t>
-            </a:r>
-            <a:r>
-              <a:rPr lang="en-US" dirty="0"/>
-              <a:t> number, but they blew up fast</a:t>
-            </a:r>
-          </a:p>
-          <a:p>
-            <a:r>
-              <a:rPr lang="en-US" dirty="0"/>
-              <a:t>Eventually moved to only looking at Winning and Losing positions</a:t>
+            <a:pPr lvl="1"/>
+            <a:r>
+              <a:rPr lang="en-US" dirty="0"/>
+              <a:t>Every board has a recursively defined Nim Number, but they blew up too fast</a:t>
             </a:r>
           </a:p>
           <a:p>
@@ -4853,8 +7754,91 @@
               <a:t>Looking at 3 x N boards</a:t>
             </a:r>
           </a:p>
-        </p:txBody>
-      </p:sp>
+          <a:p>
+            <a:endParaRPr lang="en-US" dirty="0"/>
+          </a:p>
+          <a:p>
+            <a:endParaRPr lang="en-US" dirty="0"/>
+          </a:p>
+          <a:p>
+            <a:endParaRPr lang="en-US" dirty="0"/>
+          </a:p>
+          <a:p>
+            <a:pPr lvl="1"/>
+            <a:r>
+              <a:rPr lang="en-US" dirty="0"/>
+              <a:t>Note the arrow can be any number of blocks including zero</a:t>
+            </a:r>
+          </a:p>
+          <a:p>
+            <a:pPr lvl="1"/>
+            <a:r>
+              <a:rPr lang="en-US" dirty="0"/>
+              <a:t>I call this an “H-block”</a:t>
+            </a:r>
+          </a:p>
+        </p:txBody>
+      </p:sp>
+      <p:pic>
+        <p:nvPicPr>
+          <p:cNvPr id="7" name="Picture 6">
+            <a:extLst>
+              <a:ext uri="{FF2B5EF4-FFF2-40B4-BE49-F238E27FC236}">
+                <a16:creationId xmlns:a16="http://schemas.microsoft.com/office/drawing/2014/main" id="{D5EDC9D9-E887-4389-8D5B-0825468628AC}"/>
+              </a:ext>
+            </a:extLst>
+          </p:cNvPr>
+          <p:cNvPicPr>
+            <a:picLocks noChangeAspect="1"/>
+          </p:cNvPicPr>
+          <p:nvPr/>
+        </p:nvPicPr>
+        <p:blipFill>
+          <a:blip r:embed="rId3"/>
+          <a:stretch>
+            <a:fillRect/>
+          </a:stretch>
+        </p:blipFill>
+        <p:spPr>
+          <a:xfrm>
+            <a:off x="7113469" y="5083937"/>
+            <a:ext cx="1330394" cy="913134"/>
+          </a:xfrm>
+          <a:prstGeom prst="rect">
+            <a:avLst/>
+          </a:prstGeom>
+        </p:spPr>
+      </p:pic>
+      <p:pic>
+        <p:nvPicPr>
+          <p:cNvPr id="9" name="Picture 8">
+            <a:extLst>
+              <a:ext uri="{FF2B5EF4-FFF2-40B4-BE49-F238E27FC236}">
+                <a16:creationId xmlns:a16="http://schemas.microsoft.com/office/drawing/2014/main" id="{54D05B96-2D2E-4188-AD61-EF81CC738462}"/>
+              </a:ext>
+            </a:extLst>
+          </p:cNvPr>
+          <p:cNvPicPr>
+            <a:picLocks noChangeAspect="1"/>
+          </p:cNvPicPr>
+          <p:nvPr/>
+        </p:nvPicPr>
+        <p:blipFill>
+          <a:blip r:embed="rId4"/>
+          <a:stretch>
+            <a:fillRect/>
+          </a:stretch>
+        </p:blipFill>
+        <p:spPr>
+          <a:xfrm>
+            <a:off x="1362020" y="3105934"/>
+            <a:ext cx="2986955" cy="1521134"/>
+          </a:xfrm>
+          <a:prstGeom prst="rect">
+            <a:avLst/>
+          </a:prstGeom>
+        </p:spPr>
+      </p:pic>
     </p:spTree>
     <p:extLst>
       <p:ext uri="{BB962C8B-B14F-4D97-AF65-F5344CB8AC3E}">

--- a/Presentation/Mat Cap draft.pptx
+++ b/Presentation/Mat Cap draft.pptx
@@ -5,7 +5,7 @@
     <p:sldMasterId id="2147483648" r:id="rId1"/>
   </p:sldMasterIdLst>
   <p:notesMasterIdLst>
-    <p:notesMasterId r:id="rId30"/>
+    <p:notesMasterId r:id="rId38"/>
   </p:notesMasterIdLst>
   <p:sldIdLst>
     <p:sldId id="256" r:id="rId2"/>
@@ -18,24 +18,32 @@
     <p:sldId id="262" r:id="rId9"/>
     <p:sldId id="261" r:id="rId10"/>
     <p:sldId id="265" r:id="rId11"/>
-    <p:sldId id="266" r:id="rId12"/>
-    <p:sldId id="283" r:id="rId13"/>
-    <p:sldId id="269" r:id="rId14"/>
-    <p:sldId id="276" r:id="rId15"/>
-    <p:sldId id="282" r:id="rId16"/>
-    <p:sldId id="284" r:id="rId17"/>
-    <p:sldId id="268" r:id="rId18"/>
-    <p:sldId id="270" r:id="rId19"/>
-    <p:sldId id="281" r:id="rId20"/>
-    <p:sldId id="285" r:id="rId21"/>
-    <p:sldId id="275" r:id="rId22"/>
-    <p:sldId id="278" r:id="rId23"/>
-    <p:sldId id="280" r:id="rId24"/>
-    <p:sldId id="286" r:id="rId25"/>
-    <p:sldId id="271" r:id="rId26"/>
-    <p:sldId id="277" r:id="rId27"/>
-    <p:sldId id="279" r:id="rId28"/>
-    <p:sldId id="267" r:id="rId29"/>
+    <p:sldId id="287" r:id="rId12"/>
+    <p:sldId id="288" r:id="rId13"/>
+    <p:sldId id="290" r:id="rId14"/>
+    <p:sldId id="291" r:id="rId15"/>
+    <p:sldId id="283" r:id="rId16"/>
+    <p:sldId id="292" r:id="rId17"/>
+    <p:sldId id="269" r:id="rId18"/>
+    <p:sldId id="276" r:id="rId19"/>
+    <p:sldId id="282" r:id="rId20"/>
+    <p:sldId id="293" r:id="rId21"/>
+    <p:sldId id="284" r:id="rId22"/>
+    <p:sldId id="268" r:id="rId23"/>
+    <p:sldId id="270" r:id="rId24"/>
+    <p:sldId id="281" r:id="rId25"/>
+    <p:sldId id="294" r:id="rId26"/>
+    <p:sldId id="285" r:id="rId27"/>
+    <p:sldId id="278" r:id="rId28"/>
+    <p:sldId id="280" r:id="rId29"/>
+    <p:sldId id="275" r:id="rId30"/>
+    <p:sldId id="295" r:id="rId31"/>
+    <p:sldId id="286" r:id="rId32"/>
+    <p:sldId id="271" r:id="rId33"/>
+    <p:sldId id="277" r:id="rId34"/>
+    <p:sldId id="279" r:id="rId35"/>
+    <p:sldId id="296" r:id="rId36"/>
+    <p:sldId id="267" r:id="rId37"/>
   </p:sldIdLst>
   <p:sldSz cx="12192000" cy="6858000"/>
   <p:notesSz cx="6858000" cy="9144000"/>
@@ -224,7 +232,7 @@
           <a:p>
             <a:fld id="{36A3AEE4-FDD0-4F75-BD7D-00E9E1F73F05}" type="datetimeFigureOut">
               <a:rPr lang="en-US" smtClean="0"/>
-              <a:t>10/6/2021</a:t>
+              <a:t>10/16/2021</a:t>
             </a:fld>
             <a:endParaRPr lang="en-US"/>
           </a:p>
@@ -631,12 +639,8 @@
           <a:lstStyle/>
           <a:p>
             <a:r>
-              <a:rPr lang="en-US" dirty="0" err="1"/>
-              <a:t>Adressed</a:t>
-            </a:r>
-            <a:r>
-              <a:rPr lang="en-US" dirty="0"/>
-              <a:t> in paper, but for presentation</a:t>
+              <a:rPr lang="en-US" dirty="0"/>
+              <a:t>Addressed in paper, but for presentation</a:t>
             </a:r>
           </a:p>
         </p:txBody>
@@ -658,7 +662,7 @@
           <a:p>
             <a:fld id="{E4A54888-1F1E-4497-B6EE-80C4D8711430}" type="slidenum">
               <a:rPr lang="en-US" smtClean="0"/>
-              <a:t>12</a:t>
+              <a:t>15</a:t>
             </a:fld>
             <a:endParaRPr lang="en-US"/>
           </a:p>
@@ -824,7 +828,7 @@
           <a:p>
             <a:fld id="{5EBDE367-CAA5-4E3B-930C-AF184D1E7F4F}" type="datetimeFigureOut">
               <a:rPr lang="en-US" smtClean="0"/>
-              <a:t>10/6/2021</a:t>
+              <a:t>10/16/2021</a:t>
             </a:fld>
             <a:endParaRPr lang="en-US"/>
           </a:p>
@@ -1022,7 +1026,7 @@
           <a:p>
             <a:fld id="{5EBDE367-CAA5-4E3B-930C-AF184D1E7F4F}" type="datetimeFigureOut">
               <a:rPr lang="en-US" smtClean="0"/>
-              <a:t>10/6/2021</a:t>
+              <a:t>10/16/2021</a:t>
             </a:fld>
             <a:endParaRPr lang="en-US"/>
           </a:p>
@@ -1230,7 +1234,7 @@
           <a:p>
             <a:fld id="{5EBDE367-CAA5-4E3B-930C-AF184D1E7F4F}" type="datetimeFigureOut">
               <a:rPr lang="en-US" smtClean="0"/>
-              <a:t>10/6/2021</a:t>
+              <a:t>10/16/2021</a:t>
             </a:fld>
             <a:endParaRPr lang="en-US"/>
           </a:p>
@@ -1428,7 +1432,7 @@
           <a:p>
             <a:fld id="{5EBDE367-CAA5-4E3B-930C-AF184D1E7F4F}" type="datetimeFigureOut">
               <a:rPr lang="en-US" smtClean="0"/>
-              <a:t>10/6/2021</a:t>
+              <a:t>10/16/2021</a:t>
             </a:fld>
             <a:endParaRPr lang="en-US"/>
           </a:p>
@@ -1703,7 +1707,7 @@
           <a:p>
             <a:fld id="{5EBDE367-CAA5-4E3B-930C-AF184D1E7F4F}" type="datetimeFigureOut">
               <a:rPr lang="en-US" smtClean="0"/>
-              <a:t>10/6/2021</a:t>
+              <a:t>10/16/2021</a:t>
             </a:fld>
             <a:endParaRPr lang="en-US"/>
           </a:p>
@@ -1968,7 +1972,7 @@
           <a:p>
             <a:fld id="{5EBDE367-CAA5-4E3B-930C-AF184D1E7F4F}" type="datetimeFigureOut">
               <a:rPr lang="en-US" smtClean="0"/>
-              <a:t>10/6/2021</a:t>
+              <a:t>10/16/2021</a:t>
             </a:fld>
             <a:endParaRPr lang="en-US"/>
           </a:p>
@@ -2380,7 +2384,7 @@
           <a:p>
             <a:fld id="{5EBDE367-CAA5-4E3B-930C-AF184D1E7F4F}" type="datetimeFigureOut">
               <a:rPr lang="en-US" smtClean="0"/>
-              <a:t>10/6/2021</a:t>
+              <a:t>10/16/2021</a:t>
             </a:fld>
             <a:endParaRPr lang="en-US"/>
           </a:p>
@@ -2521,7 +2525,7 @@
           <a:p>
             <a:fld id="{5EBDE367-CAA5-4E3B-930C-AF184D1E7F4F}" type="datetimeFigureOut">
               <a:rPr lang="en-US" smtClean="0"/>
-              <a:t>10/6/2021</a:t>
+              <a:t>10/16/2021</a:t>
             </a:fld>
             <a:endParaRPr lang="en-US"/>
           </a:p>
@@ -2634,7 +2638,7 @@
           <a:p>
             <a:fld id="{5EBDE367-CAA5-4E3B-930C-AF184D1E7F4F}" type="datetimeFigureOut">
               <a:rPr lang="en-US" smtClean="0"/>
-              <a:t>10/6/2021</a:t>
+              <a:t>10/16/2021</a:t>
             </a:fld>
             <a:endParaRPr lang="en-US"/>
           </a:p>
@@ -2945,7 +2949,7 @@
           <a:p>
             <a:fld id="{5EBDE367-CAA5-4E3B-930C-AF184D1E7F4F}" type="datetimeFigureOut">
               <a:rPr lang="en-US" smtClean="0"/>
-              <a:t>10/6/2021</a:t>
+              <a:t>10/16/2021</a:t>
             </a:fld>
             <a:endParaRPr lang="en-US"/>
           </a:p>
@@ -3233,7 +3237,7 @@
           <a:p>
             <a:fld id="{5EBDE367-CAA5-4E3B-930C-AF184D1E7F4F}" type="datetimeFigureOut">
               <a:rPr lang="en-US" smtClean="0"/>
-              <a:t>10/6/2021</a:t>
+              <a:t>10/16/2021</a:t>
             </a:fld>
             <a:endParaRPr lang="en-US"/>
           </a:p>
@@ -3474,7 +3478,7 @@
           <a:p>
             <a:fld id="{5EBDE367-CAA5-4E3B-930C-AF184D1E7F4F}" type="datetimeFigureOut">
               <a:rPr lang="en-US" smtClean="0"/>
-              <a:t>10/6/2021</a:t>
+              <a:t>10/16/2021</a:t>
             </a:fld>
             <a:endParaRPr lang="en-US"/>
           </a:p>
@@ -3916,7 +3920,7 @@
           <a:p>
             <a:r>
               <a:rPr lang="en-US" dirty="0"/>
-              <a:t>Partial Solution of 3 x N Chomp boards in the form of (2, H, 2)</a:t>
+              <a:t>Partial Solution of 3 x N Chomp boards in the form of [2, H, 2]</a:t>
             </a:r>
           </a:p>
         </p:txBody>
@@ -4043,6 +4047,13 @@
             </a:r>
           </a:p>
           <a:p>
+            <a:pPr lvl="1"/>
+            <a:r>
+              <a:rPr lang="en-US" dirty="0"/>
+              <a:t>Code on my GitHub for the curious</a:t>
+            </a:r>
+          </a:p>
+          <a:p>
             <a:r>
               <a:rPr lang="en-US" dirty="0"/>
               <a:t>Noticed a pattern in the Long Form, but it was hard to see, so I made the Short Form</a:t>
@@ -4105,7 +4116,7 @@
           <p:cNvPr id="2" name="Title 1">
             <a:extLst>
               <a:ext uri="{FF2B5EF4-FFF2-40B4-BE49-F238E27FC236}">
-                <a16:creationId xmlns:a16="http://schemas.microsoft.com/office/drawing/2014/main" id="{6E1B641E-2C98-413E-B8D7-982F924268D8}"/>
+                <a16:creationId xmlns:a16="http://schemas.microsoft.com/office/drawing/2014/main" id="{D22CAEE0-9315-418D-BC90-FE55DA066089}"/>
               </a:ext>
             </a:extLst>
           </p:cNvPr>
@@ -4123,7 +4134,7 @@
           <a:p>
             <a:r>
               <a:rPr lang="en-US" dirty="0"/>
-              <a:t>Case Based Proofs</a:t>
+              <a:t>Building a Seeded Kindergarten</a:t>
             </a:r>
           </a:p>
         </p:txBody>
@@ -4133,7 +4144,7 @@
           <p:cNvPr id="3" name="Content Placeholder 2">
             <a:extLst>
               <a:ext uri="{FF2B5EF4-FFF2-40B4-BE49-F238E27FC236}">
-                <a16:creationId xmlns:a16="http://schemas.microsoft.com/office/drawing/2014/main" id="{027F5E66-C546-45AD-AC69-A3A7748D9A83}"/>
+                <a16:creationId xmlns:a16="http://schemas.microsoft.com/office/drawing/2014/main" id="{3B88C3C1-8A04-4951-B960-D72DD3D6870D}"/>
               </a:ext>
             </a:extLst>
           </p:cNvPr>
@@ -4151,14 +4162,20 @@
           <a:p>
             <a:r>
               <a:rPr lang="en-US" dirty="0"/>
-              <a:t>GRAPHIC GENERATING THE LIST OF THEM</a:t>
-            </a:r>
-          </a:p>
-          <a:p>
-            <a:pPr lvl="1"/>
-            <a:r>
-              <a:rPr lang="en-US" dirty="0"/>
-              <a:t>(Unless I can present in person)</a:t>
+              <a:t>Generating the first generation of children visually</a:t>
+            </a:r>
+          </a:p>
+          <a:p>
+            <a:r>
+              <a:rPr lang="en-US" dirty="0"/>
+              <a:t>Generating the first generation of children algorithmically:</a:t>
+            </a:r>
+          </a:p>
+          <a:p>
+            <a:pPr lvl="1"/>
+            <a:r>
+              <a:rPr lang="en-US" dirty="0"/>
+              <a:t>Write up the algorithm in math speak</a:t>
             </a:r>
           </a:p>
         </p:txBody>
@@ -4166,7 +4183,7 @@
     </p:spTree>
     <p:extLst>
       <p:ext uri="{BB962C8B-B14F-4D97-AF65-F5344CB8AC3E}">
-        <p14:creationId xmlns:p14="http://schemas.microsoft.com/office/powerpoint/2010/main" val="143449719"/>
+        <p14:creationId xmlns:p14="http://schemas.microsoft.com/office/powerpoint/2010/main" val="2001795573"/>
       </p:ext>
     </p:extLst>
   </p:cSld>
@@ -4198,7 +4215,7 @@
           <p:cNvPr id="2" name="Title 1">
             <a:extLst>
               <a:ext uri="{FF2B5EF4-FFF2-40B4-BE49-F238E27FC236}">
-                <a16:creationId xmlns:a16="http://schemas.microsoft.com/office/drawing/2014/main" id="{B732DACA-8368-466D-A2DB-F8AA2A006EC8}"/>
+                <a16:creationId xmlns:a16="http://schemas.microsoft.com/office/drawing/2014/main" id="{E2A65C54-068E-47D0-AAD2-F753C300D8BC}"/>
               </a:ext>
             </a:extLst>
           </p:cNvPr>
@@ -4216,7 +4233,7 @@
           <a:p>
             <a:r>
               <a:rPr lang="en-US" dirty="0"/>
-              <a:t>A Funky Dude</a:t>
+              <a:t>What does that look like for a [2, H, 2]?</a:t>
             </a:r>
           </a:p>
         </p:txBody>
@@ -4226,84 +4243,292 @@
           <p:cNvPr id="3" name="Content Placeholder 2">
             <a:extLst>
               <a:ext uri="{FF2B5EF4-FFF2-40B4-BE49-F238E27FC236}">
-                <a16:creationId xmlns:a16="http://schemas.microsoft.com/office/drawing/2014/main" id="{58DCAEF9-9336-42FE-AD45-F9896FFCBC99}"/>
-              </a:ext>
-            </a:extLst>
-          </p:cNvPr>
-          <p:cNvSpPr>
-            <a:spLocks noGrp="1"/>
-          </p:cNvSpPr>
-          <p:nvPr>
-            <p:ph idx="1"/>
-          </p:nvPr>
-        </p:nvSpPr>
-        <p:spPr/>
-        <p:txBody>
-          <a:bodyPr/>
-          <a:lstStyle/>
-          <a:p>
-            <a:r>
-              <a:rPr lang="en-US" dirty="0"/>
-              <a:t>Aka [2, H, 2] when H = 0</a:t>
-            </a:r>
-          </a:p>
-          <a:p>
-            <a:pPr lvl="1"/>
-            <a:r>
-              <a:rPr lang="en-US" dirty="0"/>
-              <a:t>Just Follow the normal table and treat H as zero</a:t>
-            </a:r>
-          </a:p>
-          <a:p>
-            <a:pPr lvl="1"/>
-            <a:r>
-              <a:rPr lang="en-US" dirty="0"/>
-              <a:t>It works fine, but I just wanted to address the base</a:t>
-            </a:r>
-            <a:br>
-              <a:rPr lang="en-US" dirty="0"/>
-            </a:br>
-            <a:r>
-              <a:rPr lang="en-US" dirty="0"/>
-              <a:t>case real fast</a:t>
-            </a:r>
-          </a:p>
-        </p:txBody>
-      </p:sp>
-      <p:pic>
-        <p:nvPicPr>
-          <p:cNvPr id="5" name="Picture 4">
-            <a:extLst>
-              <a:ext uri="{FF2B5EF4-FFF2-40B4-BE49-F238E27FC236}">
-                <a16:creationId xmlns:a16="http://schemas.microsoft.com/office/drawing/2014/main" id="{4E0F6FF3-6045-47F4-B87C-ED25B57A7C5A}"/>
-              </a:ext>
-            </a:extLst>
-          </p:cNvPr>
-          <p:cNvPicPr>
-            <a:picLocks noChangeAspect="1"/>
-          </p:cNvPicPr>
-          <p:nvPr/>
-        </p:nvPicPr>
-        <p:blipFill>
-          <a:blip r:embed="rId3"/>
-          <a:stretch>
-            <a:fillRect/>
-          </a:stretch>
-        </p:blipFill>
+                <a16:creationId xmlns:a16="http://schemas.microsoft.com/office/drawing/2014/main" id="{5A7D1CF4-C6CB-4D2B-98DF-6FED0276C1B9}"/>
+              </a:ext>
+            </a:extLst>
+          </p:cNvPr>
+          <p:cNvSpPr>
+            <a:spLocks noGrp="1"/>
+          </p:cNvSpPr>
+          <p:nvPr>
+            <p:ph sz="half" idx="1"/>
+          </p:nvPr>
+        </p:nvSpPr>
         <p:spPr>
           <a:xfrm>
-            <a:off x="8174810" y="2628167"/>
-            <a:ext cx="2800741" cy="2181529"/>
+            <a:off x="838200" y="1756305"/>
+            <a:ext cx="5181600" cy="4351338"/>
+          </a:xfrm>
+        </p:spPr>
+        <p:txBody>
+          <a:bodyPr/>
+          <a:lstStyle/>
+          <a:p>
+            <a:r>
+              <a:rPr lang="en-US" dirty="0"/>
+              <a:t>Top:</a:t>
+            </a:r>
+          </a:p>
+          <a:p>
+            <a:pPr lvl="1"/>
+            <a:r>
+              <a:rPr lang="en-US" dirty="0"/>
+              <a:t>[1, H + 1, 2]</a:t>
+            </a:r>
+          </a:p>
+          <a:p>
+            <a:pPr lvl="1"/>
+            <a:r>
+              <a:rPr lang="en-US" dirty="0"/>
+              <a:t>[0, H + 2, 2]</a:t>
+            </a:r>
+          </a:p>
+          <a:p>
+            <a:pPr lvl="1"/>
+            <a:endParaRPr lang="en-US" dirty="0"/>
+          </a:p>
+          <a:p>
+            <a:r>
+              <a:rPr lang="en-US" dirty="0"/>
+              <a:t>Middle:</a:t>
+            </a:r>
+          </a:p>
+          <a:p>
+            <a:pPr lvl="1"/>
+            <a:r>
+              <a:rPr lang="en-US" dirty="0"/>
+              <a:t>[2, H - K, 2 + K]</a:t>
+            </a:r>
+          </a:p>
+          <a:p>
+            <a:pPr lvl="1"/>
+            <a:r>
+              <a:rPr lang="en-US" dirty="0"/>
+              <a:t>[2, H - H, 2 + H]</a:t>
+            </a:r>
+          </a:p>
+          <a:p>
+            <a:pPr lvl="1"/>
+            <a:r>
+              <a:rPr lang="en-US" dirty="0"/>
+              <a:t>[1, 0, 2 + H + 1]</a:t>
+            </a:r>
+          </a:p>
+          <a:p>
+            <a:pPr lvl="1"/>
+            <a:r>
+              <a:rPr lang="en-US" dirty="0"/>
+              <a:t>[0, 0, 2 + H + 2]</a:t>
+            </a:r>
+          </a:p>
+          <a:p>
+            <a:pPr lvl="1"/>
+            <a:endParaRPr lang="en-US" dirty="0"/>
+          </a:p>
+          <a:p>
+            <a:pPr lvl="1"/>
+            <a:endParaRPr lang="en-US" dirty="0"/>
+          </a:p>
+          <a:p>
+            <a:endParaRPr lang="en-US" dirty="0"/>
+          </a:p>
+        </p:txBody>
+      </p:sp>
+      <p:sp>
+        <p:nvSpPr>
+          <p:cNvPr id="4" name="Content Placeholder 3">
+            <a:extLst>
+              <a:ext uri="{FF2B5EF4-FFF2-40B4-BE49-F238E27FC236}">
+                <a16:creationId xmlns:a16="http://schemas.microsoft.com/office/drawing/2014/main" id="{ED6398BE-EA9B-4EB3-AA18-38310CF204F4}"/>
+              </a:ext>
+            </a:extLst>
+          </p:cNvPr>
+          <p:cNvSpPr>
+            <a:spLocks noGrp="1"/>
+          </p:cNvSpPr>
+          <p:nvPr>
+            <p:ph sz="half" idx="2"/>
+          </p:nvPr>
+        </p:nvSpPr>
+        <p:spPr>
+          <a:xfrm>
+            <a:off x="6172200" y="1756305"/>
+            <a:ext cx="5181600" cy="4351338"/>
+          </a:xfrm>
+        </p:spPr>
+        <p:txBody>
+          <a:bodyPr/>
+          <a:lstStyle/>
+          <a:p>
+            <a:r>
+              <a:rPr lang="en-US" dirty="0"/>
+              <a:t>Bottom:</a:t>
+            </a:r>
+          </a:p>
+          <a:p>
+            <a:pPr lvl="1"/>
+            <a:r>
+              <a:rPr lang="en-US" dirty="0"/>
+              <a:t>[2, H, 1] </a:t>
+            </a:r>
+            <a:r>
+              <a:rPr lang="en-US" dirty="0" err="1"/>
+              <a:t>s.t.</a:t>
+            </a:r>
+            <a:r>
+              <a:rPr lang="en-US" dirty="0"/>
+              <a:t> H \</a:t>
+            </a:r>
+            <a:r>
+              <a:rPr lang="en-US" dirty="0" err="1"/>
+              <a:t>geq</a:t>
+            </a:r>
+            <a:r>
+              <a:rPr lang="en-US" dirty="0"/>
+              <a:t> 1</a:t>
+            </a:r>
+          </a:p>
+          <a:p>
+            <a:pPr lvl="1"/>
+            <a:r>
+              <a:rPr lang="en-US" dirty="0"/>
+              <a:t>[2, H, 1] </a:t>
+            </a:r>
+            <a:r>
+              <a:rPr lang="en-US" dirty="0" err="1"/>
+              <a:t>s.t.</a:t>
+            </a:r>
+            <a:r>
+              <a:rPr lang="en-US" dirty="0"/>
+              <a:t> H = 0</a:t>
+            </a:r>
+          </a:p>
+          <a:p>
+            <a:pPr lvl="1"/>
+            <a:r>
+              <a:rPr lang="en-US" dirty="0"/>
+              <a:t>[2, H, 0]</a:t>
+            </a:r>
+          </a:p>
+          <a:p>
+            <a:pPr lvl="1"/>
+            <a:r>
+              <a:rPr lang="en-US" dirty="0"/>
+              <a:t>[2, H - K, 0] </a:t>
+            </a:r>
+            <a:r>
+              <a:rPr lang="en-US" dirty="0" err="1"/>
+              <a:t>s.t.</a:t>
+            </a:r>
+            <a:r>
+              <a:rPr lang="en-US" dirty="0"/>
+              <a:t> (H – K) \</a:t>
+            </a:r>
+            <a:r>
+              <a:rPr lang="en-US" dirty="0" err="1"/>
+              <a:t>geq</a:t>
+            </a:r>
+            <a:r>
+              <a:rPr lang="en-US" dirty="0"/>
+              <a:t> 2</a:t>
+            </a:r>
+          </a:p>
+          <a:p>
+            <a:pPr lvl="1"/>
+            <a:r>
+              <a:rPr lang="en-US" dirty="0"/>
+              <a:t>[2, H - K, 0] </a:t>
+            </a:r>
+            <a:r>
+              <a:rPr lang="en-US" dirty="0" err="1"/>
+              <a:t>s.t.</a:t>
+            </a:r>
+            <a:r>
+              <a:rPr lang="en-US" dirty="0"/>
+              <a:t> (H – K) = 1</a:t>
+            </a:r>
+          </a:p>
+          <a:p>
+            <a:pPr lvl="1"/>
+            <a:r>
+              <a:rPr lang="en-US" dirty="0"/>
+              <a:t>[2, H - K, 0] </a:t>
+            </a:r>
+            <a:r>
+              <a:rPr lang="en-US" dirty="0" err="1"/>
+              <a:t>s.t.</a:t>
+            </a:r>
+            <a:r>
+              <a:rPr lang="en-US" dirty="0"/>
+              <a:t> (H – K) = 0</a:t>
+            </a:r>
+          </a:p>
+          <a:p>
+            <a:pPr lvl="1"/>
+            <a:r>
+              <a:rPr lang="en-US" dirty="0"/>
+              <a:t>[1, 0, 0]</a:t>
+            </a:r>
+          </a:p>
+          <a:p>
+            <a:pPr lvl="1"/>
+            <a:r>
+              <a:rPr lang="en-US" dirty="0"/>
+              <a:t>[0]</a:t>
+            </a:r>
+          </a:p>
+          <a:p>
+            <a:pPr lvl="1"/>
+            <a:endParaRPr lang="en-US" dirty="0"/>
+          </a:p>
+          <a:p>
+            <a:pPr lvl="1"/>
+            <a:endParaRPr lang="en-US" dirty="0"/>
+          </a:p>
+          <a:p>
+            <a:endParaRPr lang="en-US" dirty="0"/>
+          </a:p>
+        </p:txBody>
+      </p:sp>
+      <p:sp>
+        <p:nvSpPr>
+          <p:cNvPr id="5" name="TextBox 4">
+            <a:extLst>
+              <a:ext uri="{FF2B5EF4-FFF2-40B4-BE49-F238E27FC236}">
+                <a16:creationId xmlns:a16="http://schemas.microsoft.com/office/drawing/2014/main" id="{8A1FF5A1-F3F6-450F-A955-5C5736D301B8}"/>
+              </a:ext>
+            </a:extLst>
+          </p:cNvPr>
+          <p:cNvSpPr txBox="1"/>
+          <p:nvPr/>
+        </p:nvSpPr>
+        <p:spPr>
+          <a:xfrm>
+            <a:off x="838200" y="1268607"/>
+            <a:ext cx="3992375" cy="369332"/>
           </a:xfrm>
           <a:prstGeom prst="rect">
             <a:avLst/>
           </a:prstGeom>
+          <a:noFill/>
         </p:spPr>
-      </p:pic>
+        <p:txBody>
+          <a:bodyPr wrap="none" rtlCol="0">
+            <a:spAutoFit/>
+          </a:bodyPr>
+          <a:lstStyle/>
+          <a:p>
+            <a:r>
+              <a:rPr lang="en-US" dirty="0"/>
+              <a:t>As generated by the almighty algorithm</a:t>
+            </a:r>
+          </a:p>
+        </p:txBody>
+      </p:sp>
     </p:spTree>
     <p:extLst>
       <p:ext uri="{BB962C8B-B14F-4D97-AF65-F5344CB8AC3E}">
-        <p14:creationId xmlns:p14="http://schemas.microsoft.com/office/powerpoint/2010/main" val="964471657"/>
+        <p14:creationId xmlns:p14="http://schemas.microsoft.com/office/powerpoint/2010/main" val="2242938393"/>
       </p:ext>
     </p:extLst>
   </p:cSld>
@@ -4335,7 +4560,7 @@
           <p:cNvPr id="2" name="Title 1">
             <a:extLst>
               <a:ext uri="{FF2B5EF4-FFF2-40B4-BE49-F238E27FC236}">
-                <a16:creationId xmlns:a16="http://schemas.microsoft.com/office/drawing/2014/main" id="{2A7725F1-2143-4ABE-8B94-7214A8851B76}"/>
+                <a16:creationId xmlns:a16="http://schemas.microsoft.com/office/drawing/2014/main" id="{E2A65C54-068E-47D0-AAD2-F753C300D8BC}"/>
               </a:ext>
             </a:extLst>
           </p:cNvPr>
@@ -4353,40 +4578,239 @@
           <a:p>
             <a:r>
               <a:rPr lang="en-US" dirty="0"/>
-              <a:t>1 x N</a:t>
-            </a:r>
-          </a:p>
-        </p:txBody>
-      </p:sp>
-      <p:sp>
-        <p:nvSpPr>
-          <p:cNvPr id="3" name="Text Placeholder 2">
-            <a:extLst>
-              <a:ext uri="{FF2B5EF4-FFF2-40B4-BE49-F238E27FC236}">
-                <a16:creationId xmlns:a16="http://schemas.microsoft.com/office/drawing/2014/main" id="{5945238D-9820-4411-8F14-41A301174F43}"/>
-              </a:ext>
-            </a:extLst>
-          </p:cNvPr>
-          <p:cNvSpPr>
-            <a:spLocks noGrp="1"/>
-          </p:cNvSpPr>
-          <p:nvPr>
-            <p:ph type="body" idx="1"/>
-          </p:nvPr>
-        </p:nvSpPr>
-        <p:spPr/>
-        <p:txBody>
-          <a:bodyPr/>
-          <a:lstStyle/>
-          <a:p>
-            <a:endParaRPr lang="en-US"/>
+              <a:t>What does that look like for a [2, H, 2]?</a:t>
+            </a:r>
+          </a:p>
+        </p:txBody>
+      </p:sp>
+      <p:sp>
+        <p:nvSpPr>
+          <p:cNvPr id="3" name="Content Placeholder 2">
+            <a:extLst>
+              <a:ext uri="{FF2B5EF4-FFF2-40B4-BE49-F238E27FC236}">
+                <a16:creationId xmlns:a16="http://schemas.microsoft.com/office/drawing/2014/main" id="{5A7D1CF4-C6CB-4D2B-98DF-6FED0276C1B9}"/>
+              </a:ext>
+            </a:extLst>
+          </p:cNvPr>
+          <p:cNvSpPr>
+            <a:spLocks noGrp="1"/>
+          </p:cNvSpPr>
+          <p:nvPr>
+            <p:ph sz="half" idx="1"/>
+          </p:nvPr>
+        </p:nvSpPr>
+        <p:spPr>
+          <a:xfrm>
+            <a:off x="838200" y="1756305"/>
+            <a:ext cx="5181600" cy="4351338"/>
+          </a:xfrm>
+        </p:spPr>
+        <p:txBody>
+          <a:bodyPr/>
+          <a:lstStyle/>
+          <a:p>
+            <a:r>
+              <a:rPr lang="en-US" dirty="0"/>
+              <a:t>Top:</a:t>
+            </a:r>
+          </a:p>
+          <a:p>
+            <a:pPr lvl="1"/>
+            <a:r>
+              <a:rPr lang="en-US" dirty="0"/>
+              <a:t>[1, H, 2]</a:t>
+            </a:r>
+          </a:p>
+          <a:p>
+            <a:pPr lvl="1"/>
+            <a:r>
+              <a:rPr lang="en-US" dirty="0"/>
+              <a:t>[0, H, 2]</a:t>
+            </a:r>
+          </a:p>
+          <a:p>
+            <a:pPr lvl="1"/>
+            <a:endParaRPr lang="en-US" dirty="0"/>
+          </a:p>
+          <a:p>
+            <a:r>
+              <a:rPr lang="en-US" dirty="0"/>
+              <a:t>Middle:</a:t>
+            </a:r>
+          </a:p>
+          <a:p>
+            <a:pPr lvl="1"/>
+            <a:r>
+              <a:rPr lang="en-US" dirty="0"/>
+              <a:t>[2, H, 2 + K]</a:t>
+            </a:r>
+          </a:p>
+          <a:p>
+            <a:pPr lvl="1"/>
+            <a:r>
+              <a:rPr lang="en-US" strike="sngStrike" dirty="0"/>
+              <a:t>[2, 0, 2 + K]</a:t>
+            </a:r>
+          </a:p>
+          <a:p>
+            <a:pPr lvl="1"/>
+            <a:r>
+              <a:rPr lang="en-US" dirty="0"/>
+              <a:t>[1, 0, H]</a:t>
+            </a:r>
+          </a:p>
+          <a:p>
+            <a:pPr lvl="1"/>
+            <a:r>
+              <a:rPr lang="en-US" dirty="0"/>
+              <a:t>[H]</a:t>
+            </a:r>
+          </a:p>
+          <a:p>
+            <a:pPr lvl="1"/>
+            <a:endParaRPr lang="en-US" dirty="0"/>
+          </a:p>
+          <a:p>
+            <a:pPr lvl="1"/>
+            <a:endParaRPr lang="en-US" dirty="0"/>
+          </a:p>
+          <a:p>
+            <a:pPr lvl="1"/>
+            <a:endParaRPr lang="en-US" dirty="0"/>
+          </a:p>
+          <a:p>
+            <a:endParaRPr lang="en-US" dirty="0"/>
+          </a:p>
+        </p:txBody>
+      </p:sp>
+      <p:sp>
+        <p:nvSpPr>
+          <p:cNvPr id="4" name="Content Placeholder 3">
+            <a:extLst>
+              <a:ext uri="{FF2B5EF4-FFF2-40B4-BE49-F238E27FC236}">
+                <a16:creationId xmlns:a16="http://schemas.microsoft.com/office/drawing/2014/main" id="{ED6398BE-EA9B-4EB3-AA18-38310CF204F4}"/>
+              </a:ext>
+            </a:extLst>
+          </p:cNvPr>
+          <p:cNvSpPr>
+            <a:spLocks noGrp="1"/>
+          </p:cNvSpPr>
+          <p:nvPr>
+            <p:ph sz="half" idx="2"/>
+          </p:nvPr>
+        </p:nvSpPr>
+        <p:spPr>
+          <a:xfrm>
+            <a:off x="6172200" y="1756305"/>
+            <a:ext cx="5181600" cy="4351338"/>
+          </a:xfrm>
+        </p:spPr>
+        <p:txBody>
+          <a:bodyPr/>
+          <a:lstStyle/>
+          <a:p>
+            <a:r>
+              <a:rPr lang="en-US" dirty="0"/>
+              <a:t>Bottom:</a:t>
+            </a:r>
+          </a:p>
+          <a:p>
+            <a:pPr lvl="1"/>
+            <a:r>
+              <a:rPr lang="en-US" dirty="0"/>
+              <a:t>[2, H, 1]</a:t>
+            </a:r>
+          </a:p>
+          <a:p>
+            <a:pPr lvl="1"/>
+            <a:r>
+              <a:rPr lang="en-US" dirty="0"/>
+              <a:t>[2, 0, 1]</a:t>
+            </a:r>
+          </a:p>
+          <a:p>
+            <a:pPr lvl="1"/>
+            <a:r>
+              <a:rPr lang="en-US" dirty="0"/>
+              <a:t>[2, H, 0]</a:t>
+            </a:r>
+          </a:p>
+          <a:p>
+            <a:pPr lvl="1"/>
+            <a:r>
+              <a:rPr lang="en-US" strike="sngStrike" dirty="0"/>
+              <a:t>[2, H, 0]</a:t>
+            </a:r>
+          </a:p>
+          <a:p>
+            <a:pPr lvl="1"/>
+            <a:r>
+              <a:rPr lang="en-US" dirty="0"/>
+              <a:t>[2, 1, 0]</a:t>
+            </a:r>
+          </a:p>
+          <a:p>
+            <a:pPr lvl="1"/>
+            <a:r>
+              <a:rPr lang="en-US" dirty="0"/>
+              <a:t>[2, 0, 0]</a:t>
+            </a:r>
+          </a:p>
+          <a:p>
+            <a:pPr lvl="1"/>
+            <a:r>
+              <a:rPr lang="en-US" dirty="0"/>
+              <a:t>[1, 0, 0]</a:t>
+            </a:r>
+          </a:p>
+          <a:p>
+            <a:pPr lvl="1"/>
+            <a:r>
+              <a:rPr lang="en-US" strike="sngStrike" dirty="0"/>
+              <a:t>[0]</a:t>
+            </a:r>
+          </a:p>
+        </p:txBody>
+      </p:sp>
+      <p:sp>
+        <p:nvSpPr>
+          <p:cNvPr id="5" name="TextBox 4">
+            <a:extLst>
+              <a:ext uri="{FF2B5EF4-FFF2-40B4-BE49-F238E27FC236}">
+                <a16:creationId xmlns:a16="http://schemas.microsoft.com/office/drawing/2014/main" id="{8A1FF5A1-F3F6-450F-A955-5C5736D301B8}"/>
+              </a:ext>
+            </a:extLst>
+          </p:cNvPr>
+          <p:cNvSpPr txBox="1"/>
+          <p:nvPr/>
+        </p:nvSpPr>
+        <p:spPr>
+          <a:xfrm>
+            <a:off x="838200" y="1268607"/>
+            <a:ext cx="3016660" cy="369332"/>
+          </a:xfrm>
+          <a:prstGeom prst="rect">
+            <a:avLst/>
+          </a:prstGeom>
+          <a:noFill/>
+        </p:spPr>
+        <p:txBody>
+          <a:bodyPr wrap="none" rtlCol="0">
+            <a:spAutoFit/>
+          </a:bodyPr>
+          <a:lstStyle/>
+          <a:p>
+            <a:r>
+              <a:rPr lang="en-US" dirty="0"/>
+              <a:t>Simplified using the two rules.</a:t>
+            </a:r>
           </a:p>
         </p:txBody>
       </p:sp>
     </p:spTree>
     <p:extLst>
       <p:ext uri="{BB962C8B-B14F-4D97-AF65-F5344CB8AC3E}">
-        <p14:creationId xmlns:p14="http://schemas.microsoft.com/office/powerpoint/2010/main" val="3052663992"/>
+        <p14:creationId xmlns:p14="http://schemas.microsoft.com/office/powerpoint/2010/main" val="1365989695"/>
       </p:ext>
     </p:extLst>
   </p:cSld>
@@ -4418,6 +4842,875 @@
           <p:cNvPr id="2" name="Title 1">
             <a:extLst>
               <a:ext uri="{FF2B5EF4-FFF2-40B4-BE49-F238E27FC236}">
+                <a16:creationId xmlns:a16="http://schemas.microsoft.com/office/drawing/2014/main" id="{E2A65C54-068E-47D0-AAD2-F753C300D8BC}"/>
+              </a:ext>
+            </a:extLst>
+          </p:cNvPr>
+          <p:cNvSpPr>
+            <a:spLocks noGrp="1"/>
+          </p:cNvSpPr>
+          <p:nvPr>
+            <p:ph type="title"/>
+          </p:nvPr>
+        </p:nvSpPr>
+        <p:spPr/>
+        <p:txBody>
+          <a:bodyPr/>
+          <a:lstStyle/>
+          <a:p>
+            <a:r>
+              <a:rPr lang="en-US" dirty="0"/>
+              <a:t>What does that look like for a [2, H, 2]?</a:t>
+            </a:r>
+          </a:p>
+        </p:txBody>
+      </p:sp>
+      <p:sp>
+        <p:nvSpPr>
+          <p:cNvPr id="3" name="Content Placeholder 2">
+            <a:extLst>
+              <a:ext uri="{FF2B5EF4-FFF2-40B4-BE49-F238E27FC236}">
+                <a16:creationId xmlns:a16="http://schemas.microsoft.com/office/drawing/2014/main" id="{5A7D1CF4-C6CB-4D2B-98DF-6FED0276C1B9}"/>
+              </a:ext>
+            </a:extLst>
+          </p:cNvPr>
+          <p:cNvSpPr>
+            <a:spLocks noGrp="1"/>
+          </p:cNvSpPr>
+          <p:nvPr>
+            <p:ph sz="half" idx="1"/>
+          </p:nvPr>
+        </p:nvSpPr>
+        <p:spPr>
+          <a:xfrm>
+            <a:off x="838200" y="1756305"/>
+            <a:ext cx="5181600" cy="4351338"/>
+          </a:xfrm>
+        </p:spPr>
+        <p:txBody>
+          <a:bodyPr>
+            <a:normAutofit/>
+          </a:bodyPr>
+          <a:lstStyle/>
+          <a:p>
+            <a:r>
+              <a:rPr lang="en-US" dirty="0"/>
+              <a:t>Group A:</a:t>
+            </a:r>
+          </a:p>
+          <a:p>
+            <a:pPr lvl="1"/>
+            <a:r>
+              <a:rPr lang="en-US" dirty="0"/>
+              <a:t>[H]</a:t>
+            </a:r>
+          </a:p>
+          <a:p>
+            <a:pPr lvl="1"/>
+            <a:r>
+              <a:rPr lang="en-US" dirty="0"/>
+              <a:t>[1, 0, 0]</a:t>
+            </a:r>
+          </a:p>
+          <a:p>
+            <a:pPr lvl="1"/>
+            <a:endParaRPr lang="en-US" dirty="0"/>
+          </a:p>
+          <a:p>
+            <a:pPr lvl="1"/>
+            <a:endParaRPr lang="en-US" dirty="0"/>
+          </a:p>
+          <a:p>
+            <a:r>
+              <a:rPr lang="en-US" dirty="0"/>
+              <a:t>Group B:</a:t>
+            </a:r>
+          </a:p>
+          <a:p>
+            <a:pPr lvl="1"/>
+            <a:r>
+              <a:rPr lang="en-US" dirty="0"/>
+              <a:t>[1, H, 2]</a:t>
+            </a:r>
+          </a:p>
+          <a:p>
+            <a:pPr lvl="1"/>
+            <a:r>
+              <a:rPr lang="en-US" dirty="0"/>
+              <a:t>[0, H, 2]</a:t>
+            </a:r>
+          </a:p>
+          <a:p>
+            <a:pPr lvl="1"/>
+            <a:r>
+              <a:rPr lang="en-US" dirty="0"/>
+              <a:t>[2, 0, 0]</a:t>
+            </a:r>
+          </a:p>
+          <a:p>
+            <a:endParaRPr lang="en-US" dirty="0"/>
+          </a:p>
+        </p:txBody>
+      </p:sp>
+      <p:sp>
+        <p:nvSpPr>
+          <p:cNvPr id="4" name="Content Placeholder 3">
+            <a:extLst>
+              <a:ext uri="{FF2B5EF4-FFF2-40B4-BE49-F238E27FC236}">
+                <a16:creationId xmlns:a16="http://schemas.microsoft.com/office/drawing/2014/main" id="{ED6398BE-EA9B-4EB3-AA18-38310CF204F4}"/>
+              </a:ext>
+            </a:extLst>
+          </p:cNvPr>
+          <p:cNvSpPr>
+            <a:spLocks noGrp="1"/>
+          </p:cNvSpPr>
+          <p:nvPr>
+            <p:ph sz="half" idx="2"/>
+          </p:nvPr>
+        </p:nvSpPr>
+        <p:spPr>
+          <a:xfrm>
+            <a:off x="6172200" y="1756305"/>
+            <a:ext cx="5181600" cy="4351338"/>
+          </a:xfrm>
+        </p:spPr>
+        <p:txBody>
+          <a:bodyPr>
+            <a:normAutofit/>
+          </a:bodyPr>
+          <a:lstStyle/>
+          <a:p>
+            <a:r>
+              <a:rPr lang="en-US" dirty="0"/>
+              <a:t>Group C:</a:t>
+            </a:r>
+          </a:p>
+          <a:p>
+            <a:pPr lvl="1"/>
+            <a:r>
+              <a:rPr lang="en-US" dirty="0"/>
+              <a:t>[1, 0, H]</a:t>
+            </a:r>
+          </a:p>
+          <a:p>
+            <a:pPr lvl="1"/>
+            <a:r>
+              <a:rPr lang="en-US" dirty="0"/>
+              <a:t>[2, 0, 1]</a:t>
+            </a:r>
+          </a:p>
+          <a:p>
+            <a:pPr lvl="1"/>
+            <a:r>
+              <a:rPr lang="en-US" dirty="0"/>
+              <a:t>[2, 1, 0]</a:t>
+            </a:r>
+          </a:p>
+          <a:p>
+            <a:pPr lvl="1"/>
+            <a:endParaRPr lang="en-US" dirty="0"/>
+          </a:p>
+          <a:p>
+            <a:r>
+              <a:rPr lang="en-US" dirty="0"/>
+              <a:t>Group D:</a:t>
+            </a:r>
+          </a:p>
+          <a:p>
+            <a:pPr lvl="1"/>
+            <a:r>
+              <a:rPr lang="en-US" dirty="0"/>
+              <a:t>[2, H, 2 + K]</a:t>
+            </a:r>
+          </a:p>
+          <a:p>
+            <a:pPr lvl="1"/>
+            <a:r>
+              <a:rPr lang="en-US" dirty="0"/>
+              <a:t>[2, H, 1]</a:t>
+            </a:r>
+          </a:p>
+          <a:p>
+            <a:pPr lvl="1"/>
+            <a:r>
+              <a:rPr lang="en-US" dirty="0"/>
+              <a:t>[2, H, 0]</a:t>
+            </a:r>
+          </a:p>
+        </p:txBody>
+      </p:sp>
+      <p:sp>
+        <p:nvSpPr>
+          <p:cNvPr id="5" name="TextBox 4">
+            <a:extLst>
+              <a:ext uri="{FF2B5EF4-FFF2-40B4-BE49-F238E27FC236}">
+                <a16:creationId xmlns:a16="http://schemas.microsoft.com/office/drawing/2014/main" id="{8A1FF5A1-F3F6-450F-A955-5C5736D301B8}"/>
+              </a:ext>
+            </a:extLst>
+          </p:cNvPr>
+          <p:cNvSpPr txBox="1"/>
+          <p:nvPr/>
+        </p:nvSpPr>
+        <p:spPr>
+          <a:xfrm>
+            <a:off x="838200" y="1268607"/>
+            <a:ext cx="1171539" cy="369332"/>
+          </a:xfrm>
+          <a:prstGeom prst="rect">
+            <a:avLst/>
+          </a:prstGeom>
+          <a:noFill/>
+        </p:spPr>
+        <p:txBody>
+          <a:bodyPr wrap="none" rtlCol="0">
+            <a:spAutoFit/>
+          </a:bodyPr>
+          <a:lstStyle/>
+          <a:p>
+            <a:r>
+              <a:rPr lang="en-US" dirty="0"/>
+              <a:t>Reordered</a:t>
+            </a:r>
+          </a:p>
+        </p:txBody>
+      </p:sp>
+    </p:spTree>
+    <p:extLst>
+      <p:ext uri="{BB962C8B-B14F-4D97-AF65-F5344CB8AC3E}">
+        <p14:creationId xmlns:p14="http://schemas.microsoft.com/office/powerpoint/2010/main" val="1939276756"/>
+      </p:ext>
+    </p:extLst>
+  </p:cSld>
+  <p:clrMapOvr>
+    <a:masterClrMapping/>
+  </p:clrMapOvr>
+</p:sld>
+</file>
+
+<file path=ppt/slides/slide15.xml><?xml version="1.0" encoding="utf-8"?>
+<p:sld xmlns:a="http://schemas.openxmlformats.org/drawingml/2006/main" xmlns:r="http://schemas.openxmlformats.org/officeDocument/2006/relationships" xmlns:p="http://schemas.openxmlformats.org/presentationml/2006/main">
+  <p:cSld>
+    <p:spTree>
+      <p:nvGrpSpPr>
+        <p:cNvPr id="1" name=""/>
+        <p:cNvGrpSpPr/>
+        <p:nvPr/>
+      </p:nvGrpSpPr>
+      <p:grpSpPr>
+        <a:xfrm>
+          <a:off x="0" y="0"/>
+          <a:ext cx="0" cy="0"/>
+          <a:chOff x="0" y="0"/>
+          <a:chExt cx="0" cy="0"/>
+        </a:xfrm>
+      </p:grpSpPr>
+      <p:sp>
+        <p:nvSpPr>
+          <p:cNvPr id="2" name="Title 1">
+            <a:extLst>
+              <a:ext uri="{FF2B5EF4-FFF2-40B4-BE49-F238E27FC236}">
+                <a16:creationId xmlns:a16="http://schemas.microsoft.com/office/drawing/2014/main" id="{B732DACA-8368-466D-A2DB-F8AA2A006EC8}"/>
+              </a:ext>
+            </a:extLst>
+          </p:cNvPr>
+          <p:cNvSpPr>
+            <a:spLocks noGrp="1"/>
+          </p:cNvSpPr>
+          <p:nvPr>
+            <p:ph type="title"/>
+          </p:nvPr>
+        </p:nvSpPr>
+        <p:spPr/>
+        <p:txBody>
+          <a:bodyPr/>
+          <a:lstStyle/>
+          <a:p>
+            <a:r>
+              <a:rPr lang="en-US" dirty="0"/>
+              <a:t>A Funky Dude</a:t>
+            </a:r>
+          </a:p>
+        </p:txBody>
+      </p:sp>
+      <p:sp>
+        <p:nvSpPr>
+          <p:cNvPr id="3" name="Content Placeholder 2">
+            <a:extLst>
+              <a:ext uri="{FF2B5EF4-FFF2-40B4-BE49-F238E27FC236}">
+                <a16:creationId xmlns:a16="http://schemas.microsoft.com/office/drawing/2014/main" id="{58DCAEF9-9336-42FE-AD45-F9896FFCBC99}"/>
+              </a:ext>
+            </a:extLst>
+          </p:cNvPr>
+          <p:cNvSpPr>
+            <a:spLocks noGrp="1"/>
+          </p:cNvSpPr>
+          <p:nvPr>
+            <p:ph idx="1"/>
+          </p:nvPr>
+        </p:nvSpPr>
+        <p:spPr/>
+        <p:txBody>
+          <a:bodyPr/>
+          <a:lstStyle/>
+          <a:p>
+            <a:r>
+              <a:rPr lang="en-US" dirty="0"/>
+              <a:t>Aka [2, H, 2] when H = 0</a:t>
+            </a:r>
+          </a:p>
+          <a:p>
+            <a:pPr lvl="1"/>
+            <a:r>
+              <a:rPr lang="en-US" dirty="0"/>
+              <a:t>Just Follow the normal table and treat H as zero</a:t>
+            </a:r>
+          </a:p>
+          <a:p>
+            <a:pPr lvl="1"/>
+            <a:r>
+              <a:rPr lang="en-US" dirty="0"/>
+              <a:t>It works fine, but I just wanted to address the base</a:t>
+            </a:r>
+            <a:br>
+              <a:rPr lang="en-US" dirty="0"/>
+            </a:br>
+            <a:r>
+              <a:rPr lang="en-US" dirty="0"/>
+              <a:t>case real fast</a:t>
+            </a:r>
+          </a:p>
+        </p:txBody>
+      </p:sp>
+      <p:pic>
+        <p:nvPicPr>
+          <p:cNvPr id="5" name="Picture 4">
+            <a:extLst>
+              <a:ext uri="{FF2B5EF4-FFF2-40B4-BE49-F238E27FC236}">
+                <a16:creationId xmlns:a16="http://schemas.microsoft.com/office/drawing/2014/main" id="{4E0F6FF3-6045-47F4-B87C-ED25B57A7C5A}"/>
+              </a:ext>
+            </a:extLst>
+          </p:cNvPr>
+          <p:cNvPicPr>
+            <a:picLocks noChangeAspect="1"/>
+          </p:cNvPicPr>
+          <p:nvPr/>
+        </p:nvPicPr>
+        <p:blipFill>
+          <a:blip r:embed="rId3"/>
+          <a:stretch>
+            <a:fillRect/>
+          </a:stretch>
+        </p:blipFill>
+        <p:spPr>
+          <a:xfrm>
+            <a:off x="1532710" y="3429000"/>
+            <a:ext cx="2800741" cy="2181529"/>
+          </a:xfrm>
+          <a:prstGeom prst="rect">
+            <a:avLst/>
+          </a:prstGeom>
+        </p:spPr>
+      </p:pic>
+    </p:spTree>
+    <p:extLst>
+      <p:ext uri="{BB962C8B-B14F-4D97-AF65-F5344CB8AC3E}">
+        <p14:creationId xmlns:p14="http://schemas.microsoft.com/office/powerpoint/2010/main" val="964471657"/>
+      </p:ext>
+    </p:extLst>
+  </p:cSld>
+  <p:clrMapOvr>
+    <a:masterClrMapping/>
+  </p:clrMapOvr>
+</p:sld>
+</file>
+
+<file path=ppt/slides/slide16.xml><?xml version="1.0" encoding="utf-8"?>
+<p:sld xmlns:a="http://schemas.openxmlformats.org/drawingml/2006/main" xmlns:r="http://schemas.openxmlformats.org/officeDocument/2006/relationships" xmlns:p="http://schemas.openxmlformats.org/presentationml/2006/main">
+  <p:cSld>
+    <p:spTree>
+      <p:nvGrpSpPr>
+        <p:cNvPr id="1" name=""/>
+        <p:cNvGrpSpPr/>
+        <p:nvPr/>
+      </p:nvGrpSpPr>
+      <p:grpSpPr>
+        <a:xfrm>
+          <a:off x="0" y="0"/>
+          <a:ext cx="0" cy="0"/>
+          <a:chOff x="0" y="0"/>
+          <a:chExt cx="0" cy="0"/>
+        </a:xfrm>
+      </p:grpSpPr>
+      <p:sp>
+        <p:nvSpPr>
+          <p:cNvPr id="2" name="Title 1">
+            <a:extLst>
+              <a:ext uri="{FF2B5EF4-FFF2-40B4-BE49-F238E27FC236}">
+                <a16:creationId xmlns:a16="http://schemas.microsoft.com/office/drawing/2014/main" id="{E2A65C54-068E-47D0-AAD2-F753C300D8BC}"/>
+              </a:ext>
+            </a:extLst>
+          </p:cNvPr>
+          <p:cNvSpPr>
+            <a:spLocks noGrp="1"/>
+          </p:cNvSpPr>
+          <p:nvPr>
+            <p:ph type="title"/>
+          </p:nvPr>
+        </p:nvSpPr>
+        <p:spPr/>
+        <p:txBody>
+          <a:bodyPr/>
+          <a:lstStyle/>
+          <a:p>
+            <a:r>
+              <a:rPr lang="en-US" dirty="0"/>
+              <a:t>What does that look like for a [2, H, 2]?</a:t>
+            </a:r>
+          </a:p>
+        </p:txBody>
+      </p:sp>
+      <p:sp>
+        <p:nvSpPr>
+          <p:cNvPr id="3" name="Content Placeholder 2">
+            <a:extLst>
+              <a:ext uri="{FF2B5EF4-FFF2-40B4-BE49-F238E27FC236}">
+                <a16:creationId xmlns:a16="http://schemas.microsoft.com/office/drawing/2014/main" id="{5A7D1CF4-C6CB-4D2B-98DF-6FED0276C1B9}"/>
+              </a:ext>
+            </a:extLst>
+          </p:cNvPr>
+          <p:cNvSpPr>
+            <a:spLocks noGrp="1"/>
+          </p:cNvSpPr>
+          <p:nvPr>
+            <p:ph sz="half" idx="1"/>
+          </p:nvPr>
+        </p:nvSpPr>
+        <p:spPr>
+          <a:xfrm>
+            <a:off x="838200" y="1756305"/>
+            <a:ext cx="5181600" cy="4351338"/>
+          </a:xfrm>
+        </p:spPr>
+        <p:txBody>
+          <a:bodyPr>
+            <a:normAutofit/>
+          </a:bodyPr>
+          <a:lstStyle/>
+          <a:p>
+            <a:r>
+              <a:rPr lang="en-US" dirty="0"/>
+              <a:t>Group A:</a:t>
+            </a:r>
+          </a:p>
+          <a:p>
+            <a:pPr lvl="1"/>
+            <a:r>
+              <a:rPr lang="en-US" dirty="0"/>
+              <a:t>[H]</a:t>
+            </a:r>
+          </a:p>
+          <a:p>
+            <a:pPr lvl="1"/>
+            <a:r>
+              <a:rPr lang="en-US" dirty="0"/>
+              <a:t>[1, 0, 0]</a:t>
+            </a:r>
+          </a:p>
+          <a:p>
+            <a:pPr lvl="1"/>
+            <a:endParaRPr lang="en-US" dirty="0"/>
+          </a:p>
+          <a:p>
+            <a:pPr lvl="1"/>
+            <a:endParaRPr lang="en-US" dirty="0"/>
+          </a:p>
+          <a:p>
+            <a:r>
+              <a:rPr lang="en-US" dirty="0"/>
+              <a:t>Group B:</a:t>
+            </a:r>
+          </a:p>
+          <a:p>
+            <a:pPr lvl="1"/>
+            <a:r>
+              <a:rPr lang="en-US" dirty="0"/>
+              <a:t>[1, H, 2]</a:t>
+            </a:r>
+          </a:p>
+          <a:p>
+            <a:pPr lvl="1"/>
+            <a:r>
+              <a:rPr lang="en-US" dirty="0"/>
+              <a:t>[0, H, 2]</a:t>
+            </a:r>
+          </a:p>
+          <a:p>
+            <a:pPr lvl="1"/>
+            <a:r>
+              <a:rPr lang="en-US" dirty="0"/>
+              <a:t>[2, 0, 0]</a:t>
+            </a:r>
+          </a:p>
+          <a:p>
+            <a:endParaRPr lang="en-US" dirty="0"/>
+          </a:p>
+        </p:txBody>
+      </p:sp>
+      <p:sp>
+        <p:nvSpPr>
+          <p:cNvPr id="4" name="Content Placeholder 3">
+            <a:extLst>
+              <a:ext uri="{FF2B5EF4-FFF2-40B4-BE49-F238E27FC236}">
+                <a16:creationId xmlns:a16="http://schemas.microsoft.com/office/drawing/2014/main" id="{ED6398BE-EA9B-4EB3-AA18-38310CF204F4}"/>
+              </a:ext>
+            </a:extLst>
+          </p:cNvPr>
+          <p:cNvSpPr>
+            <a:spLocks noGrp="1"/>
+          </p:cNvSpPr>
+          <p:nvPr>
+            <p:ph sz="half" idx="2"/>
+          </p:nvPr>
+        </p:nvSpPr>
+        <p:spPr>
+          <a:xfrm>
+            <a:off x="6172200" y="1756305"/>
+            <a:ext cx="5181600" cy="4351338"/>
+          </a:xfrm>
+        </p:spPr>
+        <p:txBody>
+          <a:bodyPr>
+            <a:normAutofit/>
+          </a:bodyPr>
+          <a:lstStyle/>
+          <a:p>
+            <a:r>
+              <a:rPr lang="en-US" dirty="0"/>
+              <a:t>Group C:</a:t>
+            </a:r>
+          </a:p>
+          <a:p>
+            <a:pPr lvl="1"/>
+            <a:r>
+              <a:rPr lang="en-US" dirty="0"/>
+              <a:t>[1, 0, H]</a:t>
+            </a:r>
+          </a:p>
+          <a:p>
+            <a:pPr lvl="1"/>
+            <a:r>
+              <a:rPr lang="en-US" dirty="0"/>
+              <a:t>[2, 0, 1]</a:t>
+            </a:r>
+          </a:p>
+          <a:p>
+            <a:pPr lvl="1"/>
+            <a:r>
+              <a:rPr lang="en-US" dirty="0"/>
+              <a:t>[2, 1, 0]</a:t>
+            </a:r>
+          </a:p>
+          <a:p>
+            <a:pPr lvl="1"/>
+            <a:endParaRPr lang="en-US" dirty="0"/>
+          </a:p>
+          <a:p>
+            <a:r>
+              <a:rPr lang="en-US" dirty="0"/>
+              <a:t>Group D:</a:t>
+            </a:r>
+          </a:p>
+          <a:p>
+            <a:pPr lvl="1"/>
+            <a:r>
+              <a:rPr lang="en-US" dirty="0"/>
+              <a:t>[2, H, 2 + K]</a:t>
+            </a:r>
+          </a:p>
+          <a:p>
+            <a:pPr lvl="1"/>
+            <a:r>
+              <a:rPr lang="en-US" dirty="0"/>
+              <a:t>[2, H, 1]</a:t>
+            </a:r>
+          </a:p>
+          <a:p>
+            <a:pPr lvl="1"/>
+            <a:r>
+              <a:rPr lang="en-US" dirty="0"/>
+              <a:t>[2, H, 0]</a:t>
+            </a:r>
+          </a:p>
+        </p:txBody>
+      </p:sp>
+      <p:sp>
+        <p:nvSpPr>
+          <p:cNvPr id="5" name="TextBox 4">
+            <a:extLst>
+              <a:ext uri="{FF2B5EF4-FFF2-40B4-BE49-F238E27FC236}">
+                <a16:creationId xmlns:a16="http://schemas.microsoft.com/office/drawing/2014/main" id="{8A1FF5A1-F3F6-450F-A955-5C5736D301B8}"/>
+              </a:ext>
+            </a:extLst>
+          </p:cNvPr>
+          <p:cNvSpPr txBox="1"/>
+          <p:nvPr/>
+        </p:nvSpPr>
+        <p:spPr>
+          <a:xfrm>
+            <a:off x="838200" y="1268607"/>
+            <a:ext cx="1171539" cy="369332"/>
+          </a:xfrm>
+          <a:prstGeom prst="rect">
+            <a:avLst/>
+          </a:prstGeom>
+          <a:noFill/>
+        </p:spPr>
+        <p:txBody>
+          <a:bodyPr wrap="none" rtlCol="0">
+            <a:spAutoFit/>
+          </a:bodyPr>
+          <a:lstStyle/>
+          <a:p>
+            <a:r>
+              <a:rPr lang="en-US" dirty="0"/>
+              <a:t>Reordered</a:t>
+            </a:r>
+          </a:p>
+        </p:txBody>
+      </p:sp>
+    </p:spTree>
+    <p:extLst>
+      <p:ext uri="{BB962C8B-B14F-4D97-AF65-F5344CB8AC3E}">
+        <p14:creationId xmlns:p14="http://schemas.microsoft.com/office/powerpoint/2010/main" val="1820031351"/>
+      </p:ext>
+    </p:extLst>
+  </p:cSld>
+  <p:clrMapOvr>
+    <a:masterClrMapping/>
+  </p:clrMapOvr>
+</p:sld>
+</file>
+
+<file path=ppt/slides/slide17.xml><?xml version="1.0" encoding="utf-8"?>
+<p:sld xmlns:a="http://schemas.openxmlformats.org/drawingml/2006/main" xmlns:r="http://schemas.openxmlformats.org/officeDocument/2006/relationships" xmlns:p="http://schemas.openxmlformats.org/presentationml/2006/main">
+  <p:cSld>
+    <p:spTree>
+      <p:nvGrpSpPr>
+        <p:cNvPr id="1" name=""/>
+        <p:cNvGrpSpPr/>
+        <p:nvPr/>
+      </p:nvGrpSpPr>
+      <p:grpSpPr>
+        <a:xfrm>
+          <a:off x="0" y="0"/>
+          <a:ext cx="0" cy="0"/>
+          <a:chOff x="0" y="0"/>
+          <a:chExt cx="0" cy="0"/>
+        </a:xfrm>
+      </p:grpSpPr>
+      <p:sp>
+        <p:nvSpPr>
+          <p:cNvPr id="2" name="Title 1">
+            <a:extLst>
+              <a:ext uri="{FF2B5EF4-FFF2-40B4-BE49-F238E27FC236}">
+                <a16:creationId xmlns:a16="http://schemas.microsoft.com/office/drawing/2014/main" id="{2A7725F1-2143-4ABE-8B94-7214A8851B76}"/>
+              </a:ext>
+            </a:extLst>
+          </p:cNvPr>
+          <p:cNvSpPr>
+            <a:spLocks noGrp="1"/>
+          </p:cNvSpPr>
+          <p:nvPr>
+            <p:ph type="title"/>
+          </p:nvPr>
+        </p:nvSpPr>
+        <p:spPr/>
+        <p:txBody>
+          <a:bodyPr/>
+          <a:lstStyle/>
+          <a:p>
+            <a:r>
+              <a:rPr lang="en-US" dirty="0"/>
+              <a:t>Group A: Reduces to 1 x N</a:t>
+            </a:r>
+          </a:p>
+        </p:txBody>
+      </p:sp>
+      <p:sp>
+        <p:nvSpPr>
+          <p:cNvPr id="7" name="Content Placeholder 6">
+            <a:extLst>
+              <a:ext uri="{FF2B5EF4-FFF2-40B4-BE49-F238E27FC236}">
+                <a16:creationId xmlns:a16="http://schemas.microsoft.com/office/drawing/2014/main" id="{9DA1FA8A-5D05-41F0-BA92-62841645579A}"/>
+              </a:ext>
+            </a:extLst>
+          </p:cNvPr>
+          <p:cNvSpPr>
+            <a:spLocks noGrp="1"/>
+          </p:cNvSpPr>
+          <p:nvPr>
+            <p:ph sz="half" idx="1"/>
+          </p:nvPr>
+        </p:nvSpPr>
+        <p:spPr/>
+        <p:txBody>
+          <a:bodyPr/>
+          <a:lstStyle/>
+          <a:p>
+            <a:pPr marL="0" indent="0">
+              <a:buNone/>
+            </a:pPr>
+            <a:r>
+              <a:rPr lang="en-US" dirty="0"/>
+              <a:t>[H]</a:t>
+            </a:r>
+          </a:p>
+          <a:p>
+            <a:pPr marL="0" indent="0">
+              <a:buNone/>
+            </a:pPr>
+            <a:endParaRPr lang="en-US" dirty="0"/>
+          </a:p>
+          <a:p>
+            <a:pPr marL="0" indent="0">
+              <a:buNone/>
+            </a:pPr>
+            <a:endParaRPr lang="en-US" dirty="0"/>
+          </a:p>
+          <a:p>
+            <a:pPr marL="0" indent="0">
+              <a:buNone/>
+            </a:pPr>
+            <a:r>
+              <a:rPr lang="en-US" dirty="0"/>
+              <a:t>[1, 0, 0]</a:t>
+            </a:r>
+          </a:p>
+          <a:p>
+            <a:endParaRPr lang="en-US" dirty="0"/>
+          </a:p>
+        </p:txBody>
+      </p:sp>
+      <p:sp>
+        <p:nvSpPr>
+          <p:cNvPr id="8" name="Content Placeholder 7">
+            <a:extLst>
+              <a:ext uri="{FF2B5EF4-FFF2-40B4-BE49-F238E27FC236}">
+                <a16:creationId xmlns:a16="http://schemas.microsoft.com/office/drawing/2014/main" id="{49A8FD80-CF86-4E62-921A-BBB692E80AE7}"/>
+              </a:ext>
+            </a:extLst>
+          </p:cNvPr>
+          <p:cNvSpPr>
+            <a:spLocks noGrp="1"/>
+          </p:cNvSpPr>
+          <p:nvPr>
+            <p:ph sz="half" idx="2"/>
+          </p:nvPr>
+        </p:nvSpPr>
+        <p:spPr/>
+        <p:txBody>
+          <a:bodyPr/>
+          <a:lstStyle/>
+          <a:p>
+            <a:endParaRPr lang="en-US"/>
+          </a:p>
+        </p:txBody>
+      </p:sp>
+      <p:pic>
+        <p:nvPicPr>
+          <p:cNvPr id="5" name="Picture 4">
+            <a:extLst>
+              <a:ext uri="{FF2B5EF4-FFF2-40B4-BE49-F238E27FC236}">
+                <a16:creationId xmlns:a16="http://schemas.microsoft.com/office/drawing/2014/main" id="{16424D94-CFB3-460B-945B-DA0B0B78903E}"/>
+              </a:ext>
+            </a:extLst>
+          </p:cNvPr>
+          <p:cNvPicPr>
+            <a:picLocks noChangeAspect="1"/>
+          </p:cNvPicPr>
+          <p:nvPr/>
+        </p:nvPicPr>
+        <p:blipFill>
+          <a:blip r:embed="rId2"/>
+          <a:stretch>
+            <a:fillRect/>
+          </a:stretch>
+        </p:blipFill>
+        <p:spPr>
+          <a:xfrm>
+            <a:off x="838200" y="2283674"/>
+            <a:ext cx="4832363" cy="695182"/>
+          </a:xfrm>
+          <a:prstGeom prst="rect">
+            <a:avLst/>
+          </a:prstGeom>
+        </p:spPr>
+      </p:pic>
+      <p:pic>
+        <p:nvPicPr>
+          <p:cNvPr id="6" name="Picture 5">
+            <a:extLst>
+              <a:ext uri="{FF2B5EF4-FFF2-40B4-BE49-F238E27FC236}">
+                <a16:creationId xmlns:a16="http://schemas.microsoft.com/office/drawing/2014/main" id="{E33D1624-B9AF-4F3F-A271-72C32BA05410}"/>
+              </a:ext>
+            </a:extLst>
+          </p:cNvPr>
+          <p:cNvPicPr>
+            <a:picLocks noChangeAspect="1"/>
+          </p:cNvPicPr>
+          <p:nvPr/>
+        </p:nvPicPr>
+        <p:blipFill>
+          <a:blip r:embed="rId3"/>
+          <a:stretch>
+            <a:fillRect/>
+          </a:stretch>
+        </p:blipFill>
+        <p:spPr>
+          <a:xfrm>
+            <a:off x="838200" y="3879145"/>
+            <a:ext cx="679435" cy="1774523"/>
+          </a:xfrm>
+          <a:prstGeom prst="rect">
+            <a:avLst/>
+          </a:prstGeom>
+        </p:spPr>
+      </p:pic>
+    </p:spTree>
+    <p:extLst>
+      <p:ext uri="{BB962C8B-B14F-4D97-AF65-F5344CB8AC3E}">
+        <p14:creationId xmlns:p14="http://schemas.microsoft.com/office/powerpoint/2010/main" val="3052663992"/>
+      </p:ext>
+    </p:extLst>
+  </p:cSld>
+  <p:clrMapOvr>
+    <a:masterClrMapping/>
+  </p:clrMapOvr>
+</p:sld>
+</file>
+
+<file path=ppt/slides/slide18.xml><?xml version="1.0" encoding="utf-8"?>
+<p:sld xmlns:a="http://schemas.openxmlformats.org/drawingml/2006/main" xmlns:r="http://schemas.openxmlformats.org/officeDocument/2006/relationships" xmlns:p="http://schemas.openxmlformats.org/presentationml/2006/main">
+  <p:cSld>
+    <p:spTree>
+      <p:nvGrpSpPr>
+        <p:cNvPr id="1" name=""/>
+        <p:cNvGrpSpPr/>
+        <p:nvPr/>
+      </p:nvGrpSpPr>
+      <p:grpSpPr>
+        <a:xfrm>
+          <a:off x="0" y="0"/>
+          <a:ext cx="0" cy="0"/>
+          <a:chOff x="0" y="0"/>
+          <a:chExt cx="0" cy="0"/>
+        </a:xfrm>
+      </p:grpSpPr>
+      <p:sp>
+        <p:nvSpPr>
+          <p:cNvPr id="2" name="Title 1">
+            <a:extLst>
+              <a:ext uri="{FF2B5EF4-FFF2-40B4-BE49-F238E27FC236}">
                 <a16:creationId xmlns:a16="http://schemas.microsoft.com/office/drawing/2014/main" id="{621A40DF-C87D-498D-8C2A-FA2C7C02DD59}"/>
               </a:ext>
             </a:extLst>
@@ -4464,7 +5757,7 @@
           <a:p>
             <a:r>
               <a:rPr lang="en-US" dirty="0"/>
-              <a:t>[0, 0, H + 4]; Op left only the bottom row</a:t>
+              <a:t>[H]; Op left only the bottom row</a:t>
             </a:r>
           </a:p>
         </p:txBody>
@@ -4570,7 +5863,7 @@
 </p:sld>
 </file>
 
-<file path=ppt/slides/slide15.xml><?xml version="1.0" encoding="utf-8"?>
+<file path=ppt/slides/slide19.xml><?xml version="1.0" encoding="utf-8"?>
 <p:sld xmlns:a="http://schemas.openxmlformats.org/drawingml/2006/main" xmlns:r="http://schemas.openxmlformats.org/officeDocument/2006/relationships" xmlns:p="http://schemas.openxmlformats.org/presentationml/2006/main">
   <p:cSld>
     <p:spTree>
@@ -4747,7 +6040,7 @@
 </p:sld>
 </file>
 
-<file path=ppt/slides/slide16.xml><?xml version="1.0" encoding="utf-8"?>
+<file path=ppt/slides/slide2.xml><?xml version="1.0" encoding="utf-8"?>
 <p:sld xmlns:a="http://schemas.openxmlformats.org/drawingml/2006/main" xmlns:r="http://schemas.openxmlformats.org/officeDocument/2006/relationships" xmlns:p="http://schemas.openxmlformats.org/presentationml/2006/main">
   <p:cSld>
     <p:spTree>
@@ -4769,6 +6062,371 @@
           <p:cNvPr id="2" name="Title 1">
             <a:extLst>
               <a:ext uri="{FF2B5EF4-FFF2-40B4-BE49-F238E27FC236}">
+                <a16:creationId xmlns:a16="http://schemas.microsoft.com/office/drawing/2014/main" id="{4526041D-138D-4665-8819-2BD0B10D8DAE}"/>
+              </a:ext>
+            </a:extLst>
+          </p:cNvPr>
+          <p:cNvSpPr>
+            <a:spLocks noGrp="1"/>
+          </p:cNvSpPr>
+          <p:nvPr>
+            <p:ph type="title"/>
+          </p:nvPr>
+        </p:nvSpPr>
+        <p:spPr/>
+        <p:txBody>
+          <a:bodyPr/>
+          <a:lstStyle/>
+          <a:p>
+            <a:r>
+              <a:rPr lang="en-US" dirty="0"/>
+              <a:t>Summer research project</a:t>
+            </a:r>
+          </a:p>
+        </p:txBody>
+      </p:sp>
+      <p:sp>
+        <p:nvSpPr>
+          <p:cNvPr id="3" name="Content Placeholder 2">
+            <a:extLst>
+              <a:ext uri="{FF2B5EF4-FFF2-40B4-BE49-F238E27FC236}">
+                <a16:creationId xmlns:a16="http://schemas.microsoft.com/office/drawing/2014/main" id="{E4D86FB5-B741-4B17-AA74-B4BA367CBB1F}"/>
+              </a:ext>
+            </a:extLst>
+          </p:cNvPr>
+          <p:cNvSpPr>
+            <a:spLocks noGrp="1"/>
+          </p:cNvSpPr>
+          <p:nvPr>
+            <p:ph idx="1"/>
+          </p:nvPr>
+        </p:nvSpPr>
+        <p:spPr/>
+        <p:txBody>
+          <a:bodyPr/>
+          <a:lstStyle/>
+          <a:p>
+            <a:r>
+              <a:rPr lang="en-US" dirty="0"/>
+              <a:t>Summer 2020</a:t>
+            </a:r>
+          </a:p>
+          <a:p>
+            <a:r>
+              <a:rPr lang="en-US" dirty="0"/>
+              <a:t>With Dr. B</a:t>
+            </a:r>
+          </a:p>
+          <a:p>
+            <a:r>
+              <a:rPr lang="en-US" dirty="0"/>
+              <a:t>Combinatorial Games, specifically chomp</a:t>
+            </a:r>
+          </a:p>
+        </p:txBody>
+      </p:sp>
+    </p:spTree>
+    <p:extLst>
+      <p:ext uri="{BB962C8B-B14F-4D97-AF65-F5344CB8AC3E}">
+        <p14:creationId xmlns:p14="http://schemas.microsoft.com/office/powerpoint/2010/main" val="467645941"/>
+      </p:ext>
+    </p:extLst>
+  </p:cSld>
+  <p:clrMapOvr>
+    <a:masterClrMapping/>
+  </p:clrMapOvr>
+</p:sld>
+</file>
+
+<file path=ppt/slides/slide20.xml><?xml version="1.0" encoding="utf-8"?>
+<p:sld xmlns:a="http://schemas.openxmlformats.org/drawingml/2006/main" xmlns:r="http://schemas.openxmlformats.org/officeDocument/2006/relationships" xmlns:p="http://schemas.openxmlformats.org/presentationml/2006/main">
+  <p:cSld>
+    <p:spTree>
+      <p:nvGrpSpPr>
+        <p:cNvPr id="1" name=""/>
+        <p:cNvGrpSpPr/>
+        <p:nvPr/>
+      </p:nvGrpSpPr>
+      <p:grpSpPr>
+        <a:xfrm>
+          <a:off x="0" y="0"/>
+          <a:ext cx="0" cy="0"/>
+          <a:chOff x="0" y="0"/>
+          <a:chExt cx="0" cy="0"/>
+        </a:xfrm>
+      </p:grpSpPr>
+      <p:sp>
+        <p:nvSpPr>
+          <p:cNvPr id="2" name="Title 1">
+            <a:extLst>
+              <a:ext uri="{FF2B5EF4-FFF2-40B4-BE49-F238E27FC236}">
+                <a16:creationId xmlns:a16="http://schemas.microsoft.com/office/drawing/2014/main" id="{E2A65C54-068E-47D0-AAD2-F753C300D8BC}"/>
+              </a:ext>
+            </a:extLst>
+          </p:cNvPr>
+          <p:cNvSpPr>
+            <a:spLocks noGrp="1"/>
+          </p:cNvSpPr>
+          <p:nvPr>
+            <p:ph type="title"/>
+          </p:nvPr>
+        </p:nvSpPr>
+        <p:spPr/>
+        <p:txBody>
+          <a:bodyPr/>
+          <a:lstStyle/>
+          <a:p>
+            <a:r>
+              <a:rPr lang="en-US" dirty="0"/>
+              <a:t>What does that look like for a [2, H, 2]?</a:t>
+            </a:r>
+          </a:p>
+        </p:txBody>
+      </p:sp>
+      <p:sp>
+        <p:nvSpPr>
+          <p:cNvPr id="3" name="Content Placeholder 2">
+            <a:extLst>
+              <a:ext uri="{FF2B5EF4-FFF2-40B4-BE49-F238E27FC236}">
+                <a16:creationId xmlns:a16="http://schemas.microsoft.com/office/drawing/2014/main" id="{5A7D1CF4-C6CB-4D2B-98DF-6FED0276C1B9}"/>
+              </a:ext>
+            </a:extLst>
+          </p:cNvPr>
+          <p:cNvSpPr>
+            <a:spLocks noGrp="1"/>
+          </p:cNvSpPr>
+          <p:nvPr>
+            <p:ph sz="half" idx="1"/>
+          </p:nvPr>
+        </p:nvSpPr>
+        <p:spPr>
+          <a:xfrm>
+            <a:off x="838200" y="1756305"/>
+            <a:ext cx="5181600" cy="4351338"/>
+          </a:xfrm>
+        </p:spPr>
+        <p:txBody>
+          <a:bodyPr>
+            <a:normAutofit/>
+          </a:bodyPr>
+          <a:lstStyle/>
+          <a:p>
+            <a:r>
+              <a:rPr lang="en-US" dirty="0"/>
+              <a:t>Reduces to 1 x N:</a:t>
+            </a:r>
+          </a:p>
+          <a:p>
+            <a:pPr lvl="1"/>
+            <a:r>
+              <a:rPr lang="en-US" dirty="0"/>
+              <a:t>[H]</a:t>
+            </a:r>
+          </a:p>
+          <a:p>
+            <a:pPr lvl="1"/>
+            <a:r>
+              <a:rPr lang="en-US" dirty="0"/>
+              <a:t>[1, 0, 0]</a:t>
+            </a:r>
+          </a:p>
+          <a:p>
+            <a:pPr lvl="1"/>
+            <a:endParaRPr lang="en-US" dirty="0"/>
+          </a:p>
+          <a:p>
+            <a:pPr lvl="1"/>
+            <a:endParaRPr lang="en-US" dirty="0"/>
+          </a:p>
+          <a:p>
+            <a:r>
+              <a:rPr lang="en-US" dirty="0"/>
+              <a:t>Group B:</a:t>
+            </a:r>
+          </a:p>
+          <a:p>
+            <a:pPr lvl="1"/>
+            <a:r>
+              <a:rPr lang="en-US" dirty="0"/>
+              <a:t>[1, H, 2]</a:t>
+            </a:r>
+          </a:p>
+          <a:p>
+            <a:pPr lvl="1"/>
+            <a:r>
+              <a:rPr lang="en-US" dirty="0"/>
+              <a:t>[0, H, 2]</a:t>
+            </a:r>
+          </a:p>
+          <a:p>
+            <a:pPr lvl="1"/>
+            <a:r>
+              <a:rPr lang="en-US" dirty="0"/>
+              <a:t>[2, 0, 0]</a:t>
+            </a:r>
+          </a:p>
+          <a:p>
+            <a:endParaRPr lang="en-US" dirty="0"/>
+          </a:p>
+        </p:txBody>
+      </p:sp>
+      <p:sp>
+        <p:nvSpPr>
+          <p:cNvPr id="4" name="Content Placeholder 3">
+            <a:extLst>
+              <a:ext uri="{FF2B5EF4-FFF2-40B4-BE49-F238E27FC236}">
+                <a16:creationId xmlns:a16="http://schemas.microsoft.com/office/drawing/2014/main" id="{ED6398BE-EA9B-4EB3-AA18-38310CF204F4}"/>
+              </a:ext>
+            </a:extLst>
+          </p:cNvPr>
+          <p:cNvSpPr>
+            <a:spLocks noGrp="1"/>
+          </p:cNvSpPr>
+          <p:nvPr>
+            <p:ph sz="half" idx="2"/>
+          </p:nvPr>
+        </p:nvSpPr>
+        <p:spPr>
+          <a:xfrm>
+            <a:off x="6172200" y="1756305"/>
+            <a:ext cx="5181600" cy="4351338"/>
+          </a:xfrm>
+        </p:spPr>
+        <p:txBody>
+          <a:bodyPr>
+            <a:normAutofit/>
+          </a:bodyPr>
+          <a:lstStyle/>
+          <a:p>
+            <a:r>
+              <a:rPr lang="en-US" dirty="0"/>
+              <a:t>Group C:</a:t>
+            </a:r>
+          </a:p>
+          <a:p>
+            <a:pPr lvl="1"/>
+            <a:r>
+              <a:rPr lang="en-US" dirty="0"/>
+              <a:t>[1, 0, H]</a:t>
+            </a:r>
+          </a:p>
+          <a:p>
+            <a:pPr lvl="1"/>
+            <a:r>
+              <a:rPr lang="en-US" dirty="0"/>
+              <a:t>[2, 0, 1]</a:t>
+            </a:r>
+          </a:p>
+          <a:p>
+            <a:pPr lvl="1"/>
+            <a:r>
+              <a:rPr lang="en-US" dirty="0"/>
+              <a:t>[2, 1, 0]</a:t>
+            </a:r>
+          </a:p>
+          <a:p>
+            <a:pPr lvl="1"/>
+            <a:endParaRPr lang="en-US" dirty="0"/>
+          </a:p>
+          <a:p>
+            <a:r>
+              <a:rPr lang="en-US" dirty="0"/>
+              <a:t>Group D:</a:t>
+            </a:r>
+          </a:p>
+          <a:p>
+            <a:pPr lvl="1"/>
+            <a:r>
+              <a:rPr lang="en-US" dirty="0"/>
+              <a:t>[2, H, 2 + K]</a:t>
+            </a:r>
+          </a:p>
+          <a:p>
+            <a:pPr lvl="1"/>
+            <a:r>
+              <a:rPr lang="en-US" dirty="0"/>
+              <a:t>[2, H, 1]</a:t>
+            </a:r>
+          </a:p>
+          <a:p>
+            <a:pPr lvl="1"/>
+            <a:r>
+              <a:rPr lang="en-US" dirty="0"/>
+              <a:t>[2, H, 0]</a:t>
+            </a:r>
+          </a:p>
+        </p:txBody>
+      </p:sp>
+      <p:sp>
+        <p:nvSpPr>
+          <p:cNvPr id="5" name="TextBox 4">
+            <a:extLst>
+              <a:ext uri="{FF2B5EF4-FFF2-40B4-BE49-F238E27FC236}">
+                <a16:creationId xmlns:a16="http://schemas.microsoft.com/office/drawing/2014/main" id="{8A1FF5A1-F3F6-450F-A955-5C5736D301B8}"/>
+              </a:ext>
+            </a:extLst>
+          </p:cNvPr>
+          <p:cNvSpPr txBox="1"/>
+          <p:nvPr/>
+        </p:nvSpPr>
+        <p:spPr>
+          <a:xfrm>
+            <a:off x="838200" y="1268607"/>
+            <a:ext cx="1171539" cy="369332"/>
+          </a:xfrm>
+          <a:prstGeom prst="rect">
+            <a:avLst/>
+          </a:prstGeom>
+          <a:noFill/>
+        </p:spPr>
+        <p:txBody>
+          <a:bodyPr wrap="none" rtlCol="0">
+            <a:spAutoFit/>
+          </a:bodyPr>
+          <a:lstStyle/>
+          <a:p>
+            <a:r>
+              <a:rPr lang="en-US" dirty="0"/>
+              <a:t>Reordered</a:t>
+            </a:r>
+          </a:p>
+        </p:txBody>
+      </p:sp>
+    </p:spTree>
+    <p:extLst>
+      <p:ext uri="{BB962C8B-B14F-4D97-AF65-F5344CB8AC3E}">
+        <p14:creationId xmlns:p14="http://schemas.microsoft.com/office/powerpoint/2010/main" val="3020916284"/>
+      </p:ext>
+    </p:extLst>
+  </p:cSld>
+  <p:clrMapOvr>
+    <a:masterClrMapping/>
+  </p:clrMapOvr>
+</p:sld>
+</file>
+
+<file path=ppt/slides/slide21.xml><?xml version="1.0" encoding="utf-8"?>
+<p:sld xmlns:a="http://schemas.openxmlformats.org/drawingml/2006/main" xmlns:r="http://schemas.openxmlformats.org/officeDocument/2006/relationships" xmlns:p="http://schemas.openxmlformats.org/presentationml/2006/main">
+  <p:cSld>
+    <p:spTree>
+      <p:nvGrpSpPr>
+        <p:cNvPr id="1" name=""/>
+        <p:cNvGrpSpPr/>
+        <p:nvPr/>
+      </p:nvGrpSpPr>
+      <p:grpSpPr>
+        <a:xfrm>
+          <a:off x="0" y="0"/>
+          <a:ext cx="0" cy="0"/>
+          <a:chOff x="0" y="0"/>
+          <a:chExt cx="0" cy="0"/>
+        </a:xfrm>
+      </p:grpSpPr>
+      <p:sp>
+        <p:nvSpPr>
+          <p:cNvPr id="2" name="Title 1">
+            <a:extLst>
+              <a:ext uri="{FF2B5EF4-FFF2-40B4-BE49-F238E27FC236}">
                 <a16:creationId xmlns:a16="http://schemas.microsoft.com/office/drawing/2014/main" id="{AF574238-3500-40E7-868A-E582DEAAB13C}"/>
               </a:ext>
             </a:extLst>
@@ -4787,36 +6445,202 @@
           <a:p>
             <a:r>
               <a:rPr lang="en-US" dirty="0"/>
-              <a:t>2 x N</a:t>
-            </a:r>
-          </a:p>
-        </p:txBody>
-      </p:sp>
-      <p:sp>
-        <p:nvSpPr>
-          <p:cNvPr id="3" name="Text Placeholder 2">
-            <a:extLst>
-              <a:ext uri="{FF2B5EF4-FFF2-40B4-BE49-F238E27FC236}">
-                <a16:creationId xmlns:a16="http://schemas.microsoft.com/office/drawing/2014/main" id="{7907BB21-72F4-4AF7-925C-EC49A2C35624}"/>
-              </a:ext>
-            </a:extLst>
-          </p:cNvPr>
-          <p:cNvSpPr>
-            <a:spLocks noGrp="1"/>
-          </p:cNvSpPr>
-          <p:nvPr>
-            <p:ph type="body" idx="1"/>
-          </p:nvPr>
-        </p:nvSpPr>
-        <p:spPr/>
-        <p:txBody>
-          <a:bodyPr/>
-          <a:lstStyle/>
-          <a:p>
-            <a:endParaRPr lang="en-US"/>
-          </a:p>
-        </p:txBody>
-      </p:sp>
+              <a:t>Group B: Reduces to 2 x N</a:t>
+            </a:r>
+          </a:p>
+        </p:txBody>
+      </p:sp>
+      <p:sp>
+        <p:nvSpPr>
+          <p:cNvPr id="7" name="Content Placeholder 6">
+            <a:extLst>
+              <a:ext uri="{FF2B5EF4-FFF2-40B4-BE49-F238E27FC236}">
+                <a16:creationId xmlns:a16="http://schemas.microsoft.com/office/drawing/2014/main" id="{E93F2F03-3A8A-4F4F-A228-6B13677366AB}"/>
+              </a:ext>
+            </a:extLst>
+          </p:cNvPr>
+          <p:cNvSpPr>
+            <a:spLocks noGrp="1"/>
+          </p:cNvSpPr>
+          <p:nvPr>
+            <p:ph sz="half" idx="1"/>
+          </p:nvPr>
+        </p:nvSpPr>
+        <p:spPr/>
+        <p:txBody>
+          <a:bodyPr/>
+          <a:lstStyle/>
+          <a:p>
+            <a:pPr marL="0" indent="0">
+              <a:buNone/>
+            </a:pPr>
+            <a:r>
+              <a:rPr lang="en-US" dirty="0"/>
+              <a:t>[1, H, 2]</a:t>
+            </a:r>
+          </a:p>
+          <a:p>
+            <a:pPr marL="0" indent="0">
+              <a:buNone/>
+            </a:pPr>
+            <a:endParaRPr lang="en-US" dirty="0"/>
+          </a:p>
+          <a:p>
+            <a:pPr marL="0" indent="0">
+              <a:buNone/>
+            </a:pPr>
+            <a:endParaRPr lang="en-US" dirty="0"/>
+          </a:p>
+          <a:p>
+            <a:pPr marL="0" indent="0">
+              <a:buNone/>
+            </a:pPr>
+            <a:endParaRPr lang="en-US" dirty="0"/>
+          </a:p>
+          <a:p>
+            <a:pPr marL="0" indent="0">
+              <a:buNone/>
+            </a:pPr>
+            <a:endParaRPr lang="en-US" dirty="0"/>
+          </a:p>
+          <a:p>
+            <a:pPr marL="0" indent="0">
+              <a:buNone/>
+            </a:pPr>
+            <a:r>
+              <a:rPr lang="en-US" dirty="0"/>
+              <a:t>[0, H, 2]</a:t>
+            </a:r>
+          </a:p>
+          <a:p>
+            <a:endParaRPr lang="en-US" dirty="0"/>
+          </a:p>
+        </p:txBody>
+      </p:sp>
+      <p:sp>
+        <p:nvSpPr>
+          <p:cNvPr id="8" name="Content Placeholder 7">
+            <a:extLst>
+              <a:ext uri="{FF2B5EF4-FFF2-40B4-BE49-F238E27FC236}">
+                <a16:creationId xmlns:a16="http://schemas.microsoft.com/office/drawing/2014/main" id="{C5676688-72FB-428D-84A6-E8766CB93BEE}"/>
+              </a:ext>
+            </a:extLst>
+          </p:cNvPr>
+          <p:cNvSpPr>
+            <a:spLocks noGrp="1"/>
+          </p:cNvSpPr>
+          <p:nvPr>
+            <p:ph sz="half" idx="2"/>
+          </p:nvPr>
+        </p:nvSpPr>
+        <p:spPr/>
+        <p:txBody>
+          <a:bodyPr/>
+          <a:lstStyle/>
+          <a:p>
+            <a:pPr marL="0" indent="0">
+              <a:buNone/>
+            </a:pPr>
+            <a:r>
+              <a:rPr lang="en-US" dirty="0"/>
+              <a:t>[2, 0, 0]</a:t>
+            </a:r>
+          </a:p>
+          <a:p>
+            <a:endParaRPr lang="en-US" dirty="0"/>
+          </a:p>
+        </p:txBody>
+      </p:sp>
+      <p:pic>
+        <p:nvPicPr>
+          <p:cNvPr id="5" name="Picture 4">
+            <a:extLst>
+              <a:ext uri="{FF2B5EF4-FFF2-40B4-BE49-F238E27FC236}">
+                <a16:creationId xmlns:a16="http://schemas.microsoft.com/office/drawing/2014/main" id="{3AC97BCD-6156-411D-AF29-7D59305C9323}"/>
+              </a:ext>
+            </a:extLst>
+          </p:cNvPr>
+          <p:cNvPicPr>
+            <a:picLocks noChangeAspect="1"/>
+          </p:cNvPicPr>
+          <p:nvPr/>
+        </p:nvPicPr>
+        <p:blipFill>
+          <a:blip r:embed="rId2"/>
+          <a:stretch>
+            <a:fillRect/>
+          </a:stretch>
+        </p:blipFill>
+        <p:spPr>
+          <a:xfrm>
+            <a:off x="838200" y="2236837"/>
+            <a:ext cx="4354053" cy="1893446"/>
+          </a:xfrm>
+          <a:prstGeom prst="rect">
+            <a:avLst/>
+          </a:prstGeom>
+        </p:spPr>
+      </p:pic>
+      <p:pic>
+        <p:nvPicPr>
+          <p:cNvPr id="6" name="Picture 5">
+            <a:extLst>
+              <a:ext uri="{FF2B5EF4-FFF2-40B4-BE49-F238E27FC236}">
+                <a16:creationId xmlns:a16="http://schemas.microsoft.com/office/drawing/2014/main" id="{C6D2A035-F82A-43E4-9A9F-CD7982DFC923}"/>
+              </a:ext>
+            </a:extLst>
+          </p:cNvPr>
+          <p:cNvPicPr>
+            <a:picLocks noChangeAspect="1"/>
+          </p:cNvPicPr>
+          <p:nvPr/>
+        </p:nvPicPr>
+        <p:blipFill>
+          <a:blip r:embed="rId3"/>
+          <a:stretch>
+            <a:fillRect/>
+          </a:stretch>
+        </p:blipFill>
+        <p:spPr>
+          <a:xfrm>
+            <a:off x="838200" y="4757540"/>
+            <a:ext cx="4791744" cy="1419423"/>
+          </a:xfrm>
+          <a:prstGeom prst="rect">
+            <a:avLst/>
+          </a:prstGeom>
+        </p:spPr>
+      </p:pic>
+      <p:pic>
+        <p:nvPicPr>
+          <p:cNvPr id="9" name="Picture 8">
+            <a:extLst>
+              <a:ext uri="{FF2B5EF4-FFF2-40B4-BE49-F238E27FC236}">
+                <a16:creationId xmlns:a16="http://schemas.microsoft.com/office/drawing/2014/main" id="{4FD365DE-6509-48FC-8EB8-861BE0EB010E}"/>
+              </a:ext>
+            </a:extLst>
+          </p:cNvPr>
+          <p:cNvPicPr>
+            <a:picLocks noChangeAspect="1"/>
+          </p:cNvPicPr>
+          <p:nvPr/>
+        </p:nvPicPr>
+        <p:blipFill>
+          <a:blip r:embed="rId4"/>
+          <a:stretch>
+            <a:fillRect/>
+          </a:stretch>
+        </p:blipFill>
+        <p:spPr>
+          <a:xfrm>
+            <a:off x="6172200" y="2236837"/>
+            <a:ext cx="1448002" cy="2143424"/>
+          </a:xfrm>
+          <a:prstGeom prst="rect">
+            <a:avLst/>
+          </a:prstGeom>
+        </p:spPr>
+      </p:pic>
     </p:spTree>
     <p:extLst>
       <p:ext uri="{BB962C8B-B14F-4D97-AF65-F5344CB8AC3E}">
@@ -4830,7 +6654,7 @@
 </p:sld>
 </file>
 
-<file path=ppt/slides/slide17.xml><?xml version="1.0" encoding="utf-8"?>
+<file path=ppt/slides/slide22.xml><?xml version="1.0" encoding="utf-8"?>
 <p:sld xmlns:a="http://schemas.openxmlformats.org/drawingml/2006/main" xmlns:r="http://schemas.openxmlformats.org/officeDocument/2006/relationships" xmlns:p="http://schemas.openxmlformats.org/presentationml/2006/main">
   <p:cSld>
     <p:spTree>
@@ -5004,7 +6828,7 @@
 </p:sld>
 </file>
 
-<file path=ppt/slides/slide18.xml><?xml version="1.0" encoding="utf-8"?>
+<file path=ppt/slides/slide23.xml><?xml version="1.0" encoding="utf-8"?>
 <p:sld xmlns:a="http://schemas.openxmlformats.org/drawingml/2006/main" xmlns:r="http://schemas.openxmlformats.org/officeDocument/2006/relationships" xmlns:p="http://schemas.openxmlformats.org/presentationml/2006/main">
   <p:cSld>
     <p:spTree>
@@ -5178,7 +7002,7 @@
 </p:sld>
 </file>
 
-<file path=ppt/slides/slide19.xml><?xml version="1.0" encoding="utf-8"?>
+<file path=ppt/slides/slide24.xml><?xml version="1.0" encoding="utf-8"?>
 <p:sld xmlns:a="http://schemas.openxmlformats.org/drawingml/2006/main" xmlns:r="http://schemas.openxmlformats.org/officeDocument/2006/relationships" xmlns:p="http://schemas.openxmlformats.org/presentationml/2006/main">
   <p:cSld>
     <p:spTree>
@@ -5246,7 +7070,7 @@
           <a:p>
             <a:r>
               <a:rPr lang="en-US" dirty="0"/>
-              <a:t>Op broke off all 2’s and 1’s</a:t>
+              <a:t>Op broke off all 2’s and 1’s, or both 1’s when H is zero</a:t>
             </a:r>
           </a:p>
         </p:txBody>
@@ -5352,7 +7176,7 @@
 </p:sld>
 </file>
 
-<file path=ppt/slides/slide2.xml><?xml version="1.0" encoding="utf-8"?>
+<file path=ppt/slides/slide25.xml><?xml version="1.0" encoding="utf-8"?>
 <p:sld xmlns:a="http://schemas.openxmlformats.org/drawingml/2006/main" xmlns:r="http://schemas.openxmlformats.org/officeDocument/2006/relationships" xmlns:p="http://schemas.openxmlformats.org/presentationml/2006/main">
   <p:cSld>
     <p:spTree>
@@ -5374,7 +7198,7 @@
           <p:cNvPr id="2" name="Title 1">
             <a:extLst>
               <a:ext uri="{FF2B5EF4-FFF2-40B4-BE49-F238E27FC236}">
-                <a16:creationId xmlns:a16="http://schemas.microsoft.com/office/drawing/2014/main" id="{4526041D-138D-4665-8819-2BD0B10D8DAE}"/>
+                <a16:creationId xmlns:a16="http://schemas.microsoft.com/office/drawing/2014/main" id="{E2A65C54-068E-47D0-AAD2-F753C300D8BC}"/>
               </a:ext>
             </a:extLst>
           </p:cNvPr>
@@ -5392,7 +7216,7 @@
           <a:p>
             <a:r>
               <a:rPr lang="en-US" dirty="0"/>
-              <a:t>Summer research project</a:t>
+              <a:t>What does that look like for a [2, H, 2]?</a:t>
             </a:r>
           </a:p>
         </p:txBody>
@@ -5402,37 +7226,206 @@
           <p:cNvPr id="3" name="Content Placeholder 2">
             <a:extLst>
               <a:ext uri="{FF2B5EF4-FFF2-40B4-BE49-F238E27FC236}">
-                <a16:creationId xmlns:a16="http://schemas.microsoft.com/office/drawing/2014/main" id="{E4D86FB5-B741-4B17-AA74-B4BA367CBB1F}"/>
-              </a:ext>
-            </a:extLst>
-          </p:cNvPr>
-          <p:cNvSpPr>
-            <a:spLocks noGrp="1"/>
-          </p:cNvSpPr>
-          <p:nvPr>
-            <p:ph idx="1"/>
-          </p:nvPr>
-        </p:nvSpPr>
-        <p:spPr/>
-        <p:txBody>
-          <a:bodyPr/>
-          <a:lstStyle/>
-          <a:p>
-            <a:r>
-              <a:rPr lang="en-US" dirty="0"/>
-              <a:t>Summer 2020</a:t>
-            </a:r>
-          </a:p>
-          <a:p>
-            <a:r>
-              <a:rPr lang="en-US" dirty="0"/>
-              <a:t>With Dr. B</a:t>
-            </a:r>
-          </a:p>
-          <a:p>
-            <a:r>
-              <a:rPr lang="en-US" dirty="0"/>
-              <a:t>Combinatorial Games, specifically chomp</a:t>
+                <a16:creationId xmlns:a16="http://schemas.microsoft.com/office/drawing/2014/main" id="{5A7D1CF4-C6CB-4D2B-98DF-6FED0276C1B9}"/>
+              </a:ext>
+            </a:extLst>
+          </p:cNvPr>
+          <p:cNvSpPr>
+            <a:spLocks noGrp="1"/>
+          </p:cNvSpPr>
+          <p:nvPr>
+            <p:ph sz="half" idx="1"/>
+          </p:nvPr>
+        </p:nvSpPr>
+        <p:spPr>
+          <a:xfrm>
+            <a:off x="838200" y="1756305"/>
+            <a:ext cx="5181600" cy="4351338"/>
+          </a:xfrm>
+        </p:spPr>
+        <p:txBody>
+          <a:bodyPr>
+            <a:normAutofit/>
+          </a:bodyPr>
+          <a:lstStyle/>
+          <a:p>
+            <a:r>
+              <a:rPr lang="en-US" dirty="0"/>
+              <a:t>Reduces to 1 x N:</a:t>
+            </a:r>
+          </a:p>
+          <a:p>
+            <a:pPr lvl="1"/>
+            <a:r>
+              <a:rPr lang="en-US" dirty="0"/>
+              <a:t>[H]</a:t>
+            </a:r>
+          </a:p>
+          <a:p>
+            <a:pPr lvl="1"/>
+            <a:r>
+              <a:rPr lang="en-US" dirty="0"/>
+              <a:t>[1, 0, 0]</a:t>
+            </a:r>
+          </a:p>
+          <a:p>
+            <a:pPr lvl="1"/>
+            <a:endParaRPr lang="en-US" dirty="0"/>
+          </a:p>
+          <a:p>
+            <a:pPr lvl="1"/>
+            <a:endParaRPr lang="en-US" dirty="0"/>
+          </a:p>
+          <a:p>
+            <a:r>
+              <a:rPr lang="en-US" dirty="0"/>
+              <a:t>Reduces to 2 x N:</a:t>
+            </a:r>
+          </a:p>
+          <a:p>
+            <a:pPr lvl="1"/>
+            <a:r>
+              <a:rPr lang="en-US" dirty="0"/>
+              <a:t>[1, H, 2]</a:t>
+            </a:r>
+          </a:p>
+          <a:p>
+            <a:pPr lvl="1"/>
+            <a:r>
+              <a:rPr lang="en-US" dirty="0"/>
+              <a:t>[0, H, 2]</a:t>
+            </a:r>
+          </a:p>
+          <a:p>
+            <a:pPr lvl="1"/>
+            <a:r>
+              <a:rPr lang="en-US" dirty="0"/>
+              <a:t>[2, 0, 0]</a:t>
+            </a:r>
+          </a:p>
+          <a:p>
+            <a:endParaRPr lang="en-US" dirty="0"/>
+          </a:p>
+        </p:txBody>
+      </p:sp>
+      <p:sp>
+        <p:nvSpPr>
+          <p:cNvPr id="4" name="Content Placeholder 3">
+            <a:extLst>
+              <a:ext uri="{FF2B5EF4-FFF2-40B4-BE49-F238E27FC236}">
+                <a16:creationId xmlns:a16="http://schemas.microsoft.com/office/drawing/2014/main" id="{ED6398BE-EA9B-4EB3-AA18-38310CF204F4}"/>
+              </a:ext>
+            </a:extLst>
+          </p:cNvPr>
+          <p:cNvSpPr>
+            <a:spLocks noGrp="1"/>
+          </p:cNvSpPr>
+          <p:nvPr>
+            <p:ph sz="half" idx="2"/>
+          </p:nvPr>
+        </p:nvSpPr>
+        <p:spPr>
+          <a:xfrm>
+            <a:off x="6172200" y="1756305"/>
+            <a:ext cx="5181600" cy="4351338"/>
+          </a:xfrm>
+        </p:spPr>
+        <p:txBody>
+          <a:bodyPr>
+            <a:normAutofit/>
+          </a:bodyPr>
+          <a:lstStyle/>
+          <a:p>
+            <a:r>
+              <a:rPr lang="en-US" dirty="0"/>
+              <a:t>Group C:</a:t>
+            </a:r>
+          </a:p>
+          <a:p>
+            <a:pPr lvl="1"/>
+            <a:r>
+              <a:rPr lang="en-US" dirty="0"/>
+              <a:t>[1, 0, H]</a:t>
+            </a:r>
+          </a:p>
+          <a:p>
+            <a:pPr lvl="1"/>
+            <a:r>
+              <a:rPr lang="en-US" dirty="0"/>
+              <a:t>[2, 0, 1]</a:t>
+            </a:r>
+          </a:p>
+          <a:p>
+            <a:pPr lvl="1"/>
+            <a:r>
+              <a:rPr lang="en-US" dirty="0"/>
+              <a:t>[2, 1, 0]</a:t>
+            </a:r>
+          </a:p>
+          <a:p>
+            <a:pPr lvl="1"/>
+            <a:endParaRPr lang="en-US" dirty="0"/>
+          </a:p>
+          <a:p>
+            <a:r>
+              <a:rPr lang="en-US" dirty="0"/>
+              <a:t>Group D:</a:t>
+            </a:r>
+          </a:p>
+          <a:p>
+            <a:pPr lvl="1"/>
+            <a:r>
+              <a:rPr lang="en-US" dirty="0"/>
+              <a:t>[2, H, 2 + K]</a:t>
+            </a:r>
+          </a:p>
+          <a:p>
+            <a:pPr lvl="1"/>
+            <a:r>
+              <a:rPr lang="en-US" dirty="0"/>
+              <a:t>[2, H, 1]</a:t>
+            </a:r>
+          </a:p>
+          <a:p>
+            <a:pPr lvl="1"/>
+            <a:r>
+              <a:rPr lang="en-US" dirty="0"/>
+              <a:t>[2, H, 0]</a:t>
+            </a:r>
+          </a:p>
+        </p:txBody>
+      </p:sp>
+      <p:sp>
+        <p:nvSpPr>
+          <p:cNvPr id="5" name="TextBox 4">
+            <a:extLst>
+              <a:ext uri="{FF2B5EF4-FFF2-40B4-BE49-F238E27FC236}">
+                <a16:creationId xmlns:a16="http://schemas.microsoft.com/office/drawing/2014/main" id="{8A1FF5A1-F3F6-450F-A955-5C5736D301B8}"/>
+              </a:ext>
+            </a:extLst>
+          </p:cNvPr>
+          <p:cNvSpPr txBox="1"/>
+          <p:nvPr/>
+        </p:nvSpPr>
+        <p:spPr>
+          <a:xfrm>
+            <a:off x="838200" y="1268607"/>
+            <a:ext cx="1171539" cy="369332"/>
+          </a:xfrm>
+          <a:prstGeom prst="rect">
+            <a:avLst/>
+          </a:prstGeom>
+          <a:noFill/>
+        </p:spPr>
+        <p:txBody>
+          <a:bodyPr wrap="none" rtlCol="0">
+            <a:spAutoFit/>
+          </a:bodyPr>
+          <a:lstStyle/>
+          <a:p>
+            <a:r>
+              <a:rPr lang="en-US" dirty="0"/>
+              <a:t>Reordered</a:t>
             </a:r>
           </a:p>
         </p:txBody>
@@ -5440,7 +7433,7 @@
     </p:spTree>
     <p:extLst>
       <p:ext uri="{BB962C8B-B14F-4D97-AF65-F5344CB8AC3E}">
-        <p14:creationId xmlns:p14="http://schemas.microsoft.com/office/powerpoint/2010/main" val="467645941"/>
+        <p14:creationId xmlns:p14="http://schemas.microsoft.com/office/powerpoint/2010/main" val="746481770"/>
       </p:ext>
     </p:extLst>
   </p:cSld>
@@ -5450,7 +7443,7 @@
 </p:sld>
 </file>
 
-<file path=ppt/slides/slide20.xml><?xml version="1.0" encoding="utf-8"?>
+<file path=ppt/slides/slide26.xml><?xml version="1.0" encoding="utf-8"?>
 <p:sld xmlns:a="http://schemas.openxmlformats.org/drawingml/2006/main" xmlns:r="http://schemas.openxmlformats.org/officeDocument/2006/relationships" xmlns:p="http://schemas.openxmlformats.org/presentationml/2006/main">
   <p:cSld>
     <p:spTree>
@@ -5490,33 +7483,115 @@
           <a:p>
             <a:r>
               <a:rPr lang="en-US" dirty="0"/>
-              <a:t>Reduces to N x N</a:t>
-            </a:r>
-          </a:p>
-        </p:txBody>
-      </p:sp>
-      <p:sp>
-        <p:nvSpPr>
-          <p:cNvPr id="4" name="Content Placeholder 3">
-            <a:extLst>
-              <a:ext uri="{FF2B5EF4-FFF2-40B4-BE49-F238E27FC236}">
-                <a16:creationId xmlns:a16="http://schemas.microsoft.com/office/drawing/2014/main" id="{237ED3ED-FEFE-4A6E-9A05-0D9A4ACBACC9}"/>
-              </a:ext>
-            </a:extLst>
-          </p:cNvPr>
-          <p:cNvSpPr>
-            <a:spLocks noGrp="1"/>
-          </p:cNvSpPr>
-          <p:nvPr>
-            <p:ph idx="1"/>
-          </p:nvPr>
-        </p:nvSpPr>
-        <p:spPr/>
-        <p:txBody>
-          <a:bodyPr/>
-          <a:lstStyle/>
-          <a:p>
-            <a:endParaRPr lang="en-US"/>
+              <a:t>Group C: Reduces to N x N</a:t>
+            </a:r>
+          </a:p>
+        </p:txBody>
+      </p:sp>
+      <p:sp>
+        <p:nvSpPr>
+          <p:cNvPr id="3" name="Content Placeholder 2">
+            <a:extLst>
+              <a:ext uri="{FF2B5EF4-FFF2-40B4-BE49-F238E27FC236}">
+                <a16:creationId xmlns:a16="http://schemas.microsoft.com/office/drawing/2014/main" id="{BADC368C-6E13-4B92-94CD-E8DCB1189780}"/>
+              </a:ext>
+            </a:extLst>
+          </p:cNvPr>
+          <p:cNvSpPr>
+            <a:spLocks noGrp="1"/>
+          </p:cNvSpPr>
+          <p:nvPr>
+            <p:ph sz="half" idx="1"/>
+          </p:nvPr>
+        </p:nvSpPr>
+        <p:spPr/>
+        <p:txBody>
+          <a:bodyPr/>
+          <a:lstStyle/>
+          <a:p>
+            <a:pPr marL="0" indent="0">
+              <a:buNone/>
+            </a:pPr>
+            <a:r>
+              <a:rPr lang="en-US" dirty="0"/>
+              <a:t>[2, 0, 1]</a:t>
+            </a:r>
+          </a:p>
+          <a:p>
+            <a:pPr marL="0" indent="0">
+              <a:buNone/>
+            </a:pPr>
+            <a:endParaRPr lang="en-US" dirty="0"/>
+          </a:p>
+          <a:p>
+            <a:pPr marL="0" indent="0">
+              <a:buNone/>
+            </a:pPr>
+            <a:endParaRPr lang="en-US" dirty="0"/>
+          </a:p>
+          <a:p>
+            <a:pPr marL="0" indent="0">
+              <a:buNone/>
+            </a:pPr>
+            <a:endParaRPr lang="en-US" dirty="0"/>
+          </a:p>
+          <a:p>
+            <a:pPr marL="0" indent="0">
+              <a:buNone/>
+            </a:pPr>
+            <a:endParaRPr lang="en-US" dirty="0"/>
+          </a:p>
+          <a:p>
+            <a:pPr marL="0" indent="0">
+              <a:buNone/>
+            </a:pPr>
+            <a:r>
+              <a:rPr lang="en-US" dirty="0"/>
+              <a:t>[2, 1, 0]</a:t>
+            </a:r>
+          </a:p>
+          <a:p>
+            <a:endParaRPr lang="en-US" dirty="0"/>
+          </a:p>
+        </p:txBody>
+      </p:sp>
+      <p:sp>
+        <p:nvSpPr>
+          <p:cNvPr id="8" name="Content Placeholder 7">
+            <a:extLst>
+              <a:ext uri="{FF2B5EF4-FFF2-40B4-BE49-F238E27FC236}">
+                <a16:creationId xmlns:a16="http://schemas.microsoft.com/office/drawing/2014/main" id="{34C2A1B6-3F37-4F02-A910-0DC83AC879D4}"/>
+              </a:ext>
+            </a:extLst>
+          </p:cNvPr>
+          <p:cNvSpPr>
+            <a:spLocks noGrp="1"/>
+          </p:cNvSpPr>
+          <p:nvPr>
+            <p:ph sz="half" idx="2"/>
+          </p:nvPr>
+        </p:nvSpPr>
+        <p:spPr/>
+        <p:txBody>
+          <a:bodyPr/>
+          <a:lstStyle/>
+          <a:p>
+            <a:pPr marL="0" indent="0">
+              <a:buNone/>
+            </a:pPr>
+            <a:r>
+              <a:rPr lang="en-US" dirty="0"/>
+              <a:t>[1, 0, H]</a:t>
+            </a:r>
+          </a:p>
+          <a:p>
+            <a:pPr marL="0" indent="0">
+              <a:buNone/>
+            </a:pPr>
+            <a:endParaRPr lang="en-US" dirty="0"/>
+          </a:p>
+          <a:p>
+            <a:endParaRPr lang="en-US" dirty="0"/>
           </a:p>
         </p:txBody>
       </p:sp>
@@ -5542,8 +7617,8 @@
         </p:blipFill>
         <p:spPr>
           <a:xfrm>
-            <a:off x="949026" y="1825625"/>
-            <a:ext cx="4829849" cy="2124371"/>
+            <a:off x="6172200" y="2388052"/>
+            <a:ext cx="3811859" cy="1676616"/>
           </a:xfrm>
           <a:prstGeom prst="rect">
             <a:avLst/>
@@ -5572,8 +7647,8 @@
         </p:blipFill>
         <p:spPr>
           <a:xfrm>
-            <a:off x="6623330" y="1825624"/>
-            <a:ext cx="2086266" cy="2124371"/>
+            <a:off x="838200" y="2212739"/>
+            <a:ext cx="1866405" cy="1900494"/>
           </a:xfrm>
           <a:prstGeom prst="rect">
             <a:avLst/>
@@ -5602,8 +7677,8 @@
         </p:blipFill>
         <p:spPr>
           <a:xfrm>
-            <a:off x="949026" y="4004960"/>
-            <a:ext cx="2143424" cy="2172003"/>
+            <a:off x="838200" y="4799823"/>
+            <a:ext cx="1875487" cy="1900494"/>
           </a:xfrm>
           <a:prstGeom prst="rect">
             <a:avLst/>
@@ -5623,7 +7698,368 @@
 </p:sld>
 </file>
 
-<file path=ppt/slides/slide21.xml><?xml version="1.0" encoding="utf-8"?>
+<file path=ppt/slides/slide27.xml><?xml version="1.0" encoding="utf-8"?>
+<p:sld xmlns:a="http://schemas.openxmlformats.org/drawingml/2006/main" xmlns:r="http://schemas.openxmlformats.org/officeDocument/2006/relationships" xmlns:p="http://schemas.openxmlformats.org/presentationml/2006/main">
+  <p:cSld>
+    <p:spTree>
+      <p:nvGrpSpPr>
+        <p:cNvPr id="1" name=""/>
+        <p:cNvGrpSpPr/>
+        <p:nvPr/>
+      </p:nvGrpSpPr>
+      <p:grpSpPr>
+        <a:xfrm>
+          <a:off x="0" y="0"/>
+          <a:ext cx="0" cy="0"/>
+          <a:chOff x="0" y="0"/>
+          <a:chExt cx="0" cy="0"/>
+        </a:xfrm>
+      </p:grpSpPr>
+      <p:sp>
+        <p:nvSpPr>
+          <p:cNvPr id="2" name="Title 1">
+            <a:extLst>
+              <a:ext uri="{FF2B5EF4-FFF2-40B4-BE49-F238E27FC236}">
+                <a16:creationId xmlns:a16="http://schemas.microsoft.com/office/drawing/2014/main" id="{258A1E2C-6F1D-4E9B-BB1C-80477BFEB0A8}"/>
+              </a:ext>
+            </a:extLst>
+          </p:cNvPr>
+          <p:cNvSpPr>
+            <a:spLocks noGrp="1"/>
+          </p:cNvSpPr>
+          <p:nvPr>
+            <p:ph type="title"/>
+          </p:nvPr>
+        </p:nvSpPr>
+        <p:spPr/>
+        <p:txBody>
+          <a:bodyPr/>
+          <a:lstStyle/>
+          <a:p>
+            <a:r>
+              <a:rPr lang="en-US" dirty="0"/>
+              <a:t>[2, 0, 1]</a:t>
+            </a:r>
+          </a:p>
+        </p:txBody>
+      </p:sp>
+      <p:sp>
+        <p:nvSpPr>
+          <p:cNvPr id="3" name="Content Placeholder 2">
+            <a:extLst>
+              <a:ext uri="{FF2B5EF4-FFF2-40B4-BE49-F238E27FC236}">
+                <a16:creationId xmlns:a16="http://schemas.microsoft.com/office/drawing/2014/main" id="{5E422E62-D89B-4BEB-BA42-25FBF28F28E8}"/>
+              </a:ext>
+            </a:extLst>
+          </p:cNvPr>
+          <p:cNvSpPr>
+            <a:spLocks noGrp="1"/>
+          </p:cNvSpPr>
+          <p:nvPr>
+            <p:ph sz="half" idx="1"/>
+          </p:nvPr>
+        </p:nvSpPr>
+        <p:spPr/>
+        <p:txBody>
+          <a:bodyPr/>
+          <a:lstStyle/>
+          <a:p>
+            <a:r>
+              <a:rPr lang="en-US" dirty="0"/>
+              <a:t>Op broke of the end piece and </a:t>
+            </a:r>
+            <a:br>
+              <a:rPr lang="en-US" dirty="0"/>
+            </a:br>
+            <a:r>
+              <a:rPr lang="en-US" dirty="0"/>
+              <a:t>H = 0</a:t>
+            </a:r>
+          </a:p>
+          <a:p>
+            <a:endParaRPr lang="en-US" dirty="0"/>
+          </a:p>
+        </p:txBody>
+      </p:sp>
+      <p:sp>
+        <p:nvSpPr>
+          <p:cNvPr id="4" name="Content Placeholder 3">
+            <a:extLst>
+              <a:ext uri="{FF2B5EF4-FFF2-40B4-BE49-F238E27FC236}">
+                <a16:creationId xmlns:a16="http://schemas.microsoft.com/office/drawing/2014/main" id="{42E33530-38A0-4B46-B85E-2832191B5DC0}"/>
+              </a:ext>
+            </a:extLst>
+          </p:cNvPr>
+          <p:cNvSpPr>
+            <a:spLocks noGrp="1"/>
+          </p:cNvSpPr>
+          <p:nvPr>
+            <p:ph sz="half" idx="2"/>
+          </p:nvPr>
+        </p:nvSpPr>
+        <p:spPr/>
+        <p:txBody>
+          <a:bodyPr/>
+          <a:lstStyle/>
+          <a:p>
+            <a:r>
+              <a:rPr lang="en-US" dirty="0"/>
+              <a:t>[1, 0, 2]; Solved N x N</a:t>
+            </a:r>
+          </a:p>
+        </p:txBody>
+      </p:sp>
+      <p:pic>
+        <p:nvPicPr>
+          <p:cNvPr id="6" name="Picture 5">
+            <a:extLst>
+              <a:ext uri="{FF2B5EF4-FFF2-40B4-BE49-F238E27FC236}">
+                <a16:creationId xmlns:a16="http://schemas.microsoft.com/office/drawing/2014/main" id="{D13EACF0-3644-439F-B83A-E8ACD7CA88CF}"/>
+              </a:ext>
+            </a:extLst>
+          </p:cNvPr>
+          <p:cNvPicPr>
+            <a:picLocks noChangeAspect="1"/>
+          </p:cNvPicPr>
+          <p:nvPr/>
+        </p:nvPicPr>
+        <p:blipFill>
+          <a:blip r:embed="rId2"/>
+          <a:stretch>
+            <a:fillRect/>
+          </a:stretch>
+        </p:blipFill>
+        <p:spPr>
+          <a:xfrm>
+            <a:off x="2385867" y="2824014"/>
+            <a:ext cx="2086266" cy="2124371"/>
+          </a:xfrm>
+          <a:prstGeom prst="rect">
+            <a:avLst/>
+          </a:prstGeom>
+        </p:spPr>
+      </p:pic>
+      <p:pic>
+        <p:nvPicPr>
+          <p:cNvPr id="8" name="Picture 7">
+            <a:extLst>
+              <a:ext uri="{FF2B5EF4-FFF2-40B4-BE49-F238E27FC236}">
+                <a16:creationId xmlns:a16="http://schemas.microsoft.com/office/drawing/2014/main" id="{B2CB4E18-72E8-4488-B539-4CB090584F1E}"/>
+              </a:ext>
+            </a:extLst>
+          </p:cNvPr>
+          <p:cNvPicPr>
+            <a:picLocks noChangeAspect="1"/>
+          </p:cNvPicPr>
+          <p:nvPr/>
+        </p:nvPicPr>
+        <p:blipFill>
+          <a:blip r:embed="rId3"/>
+          <a:stretch>
+            <a:fillRect/>
+          </a:stretch>
+        </p:blipFill>
+        <p:spPr>
+          <a:xfrm>
+            <a:off x="7370919" y="2747803"/>
+            <a:ext cx="2200582" cy="2200582"/>
+          </a:xfrm>
+          <a:prstGeom prst="rect">
+            <a:avLst/>
+          </a:prstGeom>
+        </p:spPr>
+      </p:pic>
+    </p:spTree>
+    <p:extLst>
+      <p:ext uri="{BB962C8B-B14F-4D97-AF65-F5344CB8AC3E}">
+        <p14:creationId xmlns:p14="http://schemas.microsoft.com/office/powerpoint/2010/main" val="1214598860"/>
+      </p:ext>
+    </p:extLst>
+  </p:cSld>
+  <p:clrMapOvr>
+    <a:masterClrMapping/>
+  </p:clrMapOvr>
+</p:sld>
+</file>
+
+<file path=ppt/slides/slide28.xml><?xml version="1.0" encoding="utf-8"?>
+<p:sld xmlns:a="http://schemas.openxmlformats.org/drawingml/2006/main" xmlns:r="http://schemas.openxmlformats.org/officeDocument/2006/relationships" xmlns:p="http://schemas.openxmlformats.org/presentationml/2006/main">
+  <p:cSld>
+    <p:spTree>
+      <p:nvGrpSpPr>
+        <p:cNvPr id="1" name=""/>
+        <p:cNvGrpSpPr/>
+        <p:nvPr/>
+      </p:nvGrpSpPr>
+      <p:grpSpPr>
+        <a:xfrm>
+          <a:off x="0" y="0"/>
+          <a:ext cx="0" cy="0"/>
+          <a:chOff x="0" y="0"/>
+          <a:chExt cx="0" cy="0"/>
+        </a:xfrm>
+      </p:grpSpPr>
+      <p:sp>
+        <p:nvSpPr>
+          <p:cNvPr id="2" name="Title 1">
+            <a:extLst>
+              <a:ext uri="{FF2B5EF4-FFF2-40B4-BE49-F238E27FC236}">
+                <a16:creationId xmlns:a16="http://schemas.microsoft.com/office/drawing/2014/main" id="{E278B289-F891-486A-99E1-E50EA0724C6C}"/>
+              </a:ext>
+            </a:extLst>
+          </p:cNvPr>
+          <p:cNvSpPr>
+            <a:spLocks noGrp="1"/>
+          </p:cNvSpPr>
+          <p:nvPr>
+            <p:ph type="title"/>
+          </p:nvPr>
+        </p:nvSpPr>
+        <p:spPr/>
+        <p:txBody>
+          <a:bodyPr/>
+          <a:lstStyle/>
+          <a:p>
+            <a:r>
+              <a:rPr lang="en-US" dirty="0"/>
+              <a:t>[2, 1, 0]</a:t>
+            </a:r>
+          </a:p>
+        </p:txBody>
+      </p:sp>
+      <p:sp>
+        <p:nvSpPr>
+          <p:cNvPr id="3" name="Content Placeholder 2">
+            <a:extLst>
+              <a:ext uri="{FF2B5EF4-FFF2-40B4-BE49-F238E27FC236}">
+                <a16:creationId xmlns:a16="http://schemas.microsoft.com/office/drawing/2014/main" id="{C6461E3B-8D3F-447B-A18B-592705B89000}"/>
+              </a:ext>
+            </a:extLst>
+          </p:cNvPr>
+          <p:cNvSpPr>
+            <a:spLocks noGrp="1"/>
+          </p:cNvSpPr>
+          <p:nvPr>
+            <p:ph sz="half" idx="1"/>
+          </p:nvPr>
+        </p:nvSpPr>
+        <p:spPr/>
+        <p:txBody>
+          <a:bodyPr/>
+          <a:lstStyle/>
+          <a:p>
+            <a:r>
+              <a:rPr lang="en-US" dirty="0"/>
+              <a:t>Op broke off both end pieces and H = 1</a:t>
+            </a:r>
+          </a:p>
+          <a:p>
+            <a:endParaRPr lang="en-US" dirty="0"/>
+          </a:p>
+        </p:txBody>
+      </p:sp>
+      <p:sp>
+        <p:nvSpPr>
+          <p:cNvPr id="4" name="Content Placeholder 3">
+            <a:extLst>
+              <a:ext uri="{FF2B5EF4-FFF2-40B4-BE49-F238E27FC236}">
+                <a16:creationId xmlns:a16="http://schemas.microsoft.com/office/drawing/2014/main" id="{B5E65185-901E-457C-AA96-654F8E01ABF6}"/>
+              </a:ext>
+            </a:extLst>
+          </p:cNvPr>
+          <p:cNvSpPr>
+            <a:spLocks noGrp="1"/>
+          </p:cNvSpPr>
+          <p:nvPr>
+            <p:ph sz="half" idx="2"/>
+          </p:nvPr>
+        </p:nvSpPr>
+        <p:spPr/>
+        <p:txBody>
+          <a:bodyPr/>
+          <a:lstStyle/>
+          <a:p>
+            <a:r>
+              <a:rPr lang="en-US" dirty="0"/>
+              <a:t>[1, 0, 2]; Solved N x N</a:t>
+            </a:r>
+          </a:p>
+        </p:txBody>
+      </p:sp>
+      <p:pic>
+        <p:nvPicPr>
+          <p:cNvPr id="6" name="Picture 5">
+            <a:extLst>
+              <a:ext uri="{FF2B5EF4-FFF2-40B4-BE49-F238E27FC236}">
+                <a16:creationId xmlns:a16="http://schemas.microsoft.com/office/drawing/2014/main" id="{F29954B3-AC1E-42DD-BA2D-BBFAD391E12D}"/>
+              </a:ext>
+            </a:extLst>
+          </p:cNvPr>
+          <p:cNvPicPr>
+            <a:picLocks noChangeAspect="1"/>
+          </p:cNvPicPr>
+          <p:nvPr/>
+        </p:nvPicPr>
+        <p:blipFill>
+          <a:blip r:embed="rId2"/>
+          <a:stretch>
+            <a:fillRect/>
+          </a:stretch>
+        </p:blipFill>
+        <p:spPr>
+          <a:xfrm>
+            <a:off x="2258785" y="2789046"/>
+            <a:ext cx="2143424" cy="2172003"/>
+          </a:xfrm>
+          <a:prstGeom prst="rect">
+            <a:avLst/>
+          </a:prstGeom>
+        </p:spPr>
+      </p:pic>
+      <p:pic>
+        <p:nvPicPr>
+          <p:cNvPr id="8" name="Picture 7">
+            <a:extLst>
+              <a:ext uri="{FF2B5EF4-FFF2-40B4-BE49-F238E27FC236}">
+                <a16:creationId xmlns:a16="http://schemas.microsoft.com/office/drawing/2014/main" id="{BBAAB1EC-6817-4686-9FD5-800E28E4230D}"/>
+              </a:ext>
+            </a:extLst>
+          </p:cNvPr>
+          <p:cNvPicPr>
+            <a:picLocks noChangeAspect="1"/>
+          </p:cNvPicPr>
+          <p:nvPr/>
+        </p:nvPicPr>
+        <p:blipFill>
+          <a:blip r:embed="rId3"/>
+          <a:stretch>
+            <a:fillRect/>
+          </a:stretch>
+        </p:blipFill>
+        <p:spPr>
+          <a:xfrm>
+            <a:off x="7681761" y="2585187"/>
+            <a:ext cx="2162477" cy="2200582"/>
+          </a:xfrm>
+          <a:prstGeom prst="rect">
+            <a:avLst/>
+          </a:prstGeom>
+        </p:spPr>
+      </p:pic>
+    </p:spTree>
+    <p:extLst>
+      <p:ext uri="{BB962C8B-B14F-4D97-AF65-F5344CB8AC3E}">
+        <p14:creationId xmlns:p14="http://schemas.microsoft.com/office/powerpoint/2010/main" val="2361846571"/>
+      </p:ext>
+    </p:extLst>
+  </p:cSld>
+  <p:clrMapOvr>
+    <a:masterClrMapping/>
+  </p:clrMapOvr>
+</p:sld>
+</file>
+
+<file path=ppt/slides/slide29.xml><?xml version="1.0" encoding="utf-8"?>
 <p:sld xmlns:a="http://schemas.openxmlformats.org/drawingml/2006/main" xmlns:r="http://schemas.openxmlformats.org/officeDocument/2006/relationships" xmlns:p="http://schemas.openxmlformats.org/presentationml/2006/main">
   <p:cSld>
     <p:spTree>
@@ -5797,7 +8233,7 @@
 </p:sld>
 </file>
 
-<file path=ppt/slides/slide22.xml><?xml version="1.0" encoding="utf-8"?>
+<file path=ppt/slides/slide3.xml><?xml version="1.0" encoding="utf-8"?>
 <p:sld xmlns:a="http://schemas.openxmlformats.org/drawingml/2006/main" xmlns:r="http://schemas.openxmlformats.org/officeDocument/2006/relationships" xmlns:p="http://schemas.openxmlformats.org/presentationml/2006/main">
   <p:cSld>
     <p:spTree>
@@ -5819,7 +8255,7 @@
           <p:cNvPr id="2" name="Title 1">
             <a:extLst>
               <a:ext uri="{FF2B5EF4-FFF2-40B4-BE49-F238E27FC236}">
-                <a16:creationId xmlns:a16="http://schemas.microsoft.com/office/drawing/2014/main" id="{258A1E2C-6F1D-4E9B-BB1C-80477BFEB0A8}"/>
+                <a16:creationId xmlns:a16="http://schemas.microsoft.com/office/drawing/2014/main" id="{02A91E05-0677-471F-A722-3405C1F26546}"/>
               </a:ext>
             </a:extLst>
           </p:cNvPr>
@@ -5837,141 +8273,40 @@
           <a:p>
             <a:r>
               <a:rPr lang="en-US" dirty="0"/>
-              <a:t>[2, 0, 1]</a:t>
-            </a:r>
-          </a:p>
-        </p:txBody>
-      </p:sp>
-      <p:sp>
-        <p:nvSpPr>
-          <p:cNvPr id="3" name="Content Placeholder 2">
-            <a:extLst>
-              <a:ext uri="{FF2B5EF4-FFF2-40B4-BE49-F238E27FC236}">
-                <a16:creationId xmlns:a16="http://schemas.microsoft.com/office/drawing/2014/main" id="{5E422E62-D89B-4BEB-BA42-25FBF28F28E8}"/>
-              </a:ext>
-            </a:extLst>
-          </p:cNvPr>
-          <p:cNvSpPr>
-            <a:spLocks noGrp="1"/>
-          </p:cNvSpPr>
-          <p:nvPr>
-            <p:ph sz="half" idx="1"/>
-          </p:nvPr>
-        </p:nvSpPr>
-        <p:spPr/>
-        <p:txBody>
-          <a:bodyPr/>
-          <a:lstStyle/>
-          <a:p>
-            <a:r>
-              <a:rPr lang="en-US" dirty="0"/>
-              <a:t>Op broke of the end piece and </a:t>
-            </a:r>
-            <a:br>
-              <a:rPr lang="en-US" dirty="0"/>
-            </a:br>
-            <a:r>
-              <a:rPr lang="en-US" dirty="0"/>
-              <a:t>H = 0</a:t>
-            </a:r>
-          </a:p>
-          <a:p>
-            <a:endParaRPr lang="en-US" dirty="0"/>
-          </a:p>
-        </p:txBody>
-      </p:sp>
-      <p:sp>
-        <p:nvSpPr>
-          <p:cNvPr id="4" name="Content Placeholder 3">
-            <a:extLst>
-              <a:ext uri="{FF2B5EF4-FFF2-40B4-BE49-F238E27FC236}">
-                <a16:creationId xmlns:a16="http://schemas.microsoft.com/office/drawing/2014/main" id="{42E33530-38A0-4B46-B85E-2832191B5DC0}"/>
-              </a:ext>
-            </a:extLst>
-          </p:cNvPr>
-          <p:cNvSpPr>
-            <a:spLocks noGrp="1"/>
-          </p:cNvSpPr>
-          <p:nvPr>
-            <p:ph sz="half" idx="2"/>
-          </p:nvPr>
-        </p:nvSpPr>
-        <p:spPr/>
-        <p:txBody>
-          <a:bodyPr/>
-          <a:lstStyle/>
-          <a:p>
-            <a:r>
-              <a:rPr lang="en-US" dirty="0"/>
-              <a:t>[1, 0, 2]; Solved N x N</a:t>
-            </a:r>
-          </a:p>
-        </p:txBody>
-      </p:sp>
-      <p:pic>
-        <p:nvPicPr>
-          <p:cNvPr id="6" name="Picture 5">
-            <a:extLst>
-              <a:ext uri="{FF2B5EF4-FFF2-40B4-BE49-F238E27FC236}">
-                <a16:creationId xmlns:a16="http://schemas.microsoft.com/office/drawing/2014/main" id="{D13EACF0-3644-439F-B83A-E8ACD7CA88CF}"/>
-              </a:ext>
-            </a:extLst>
-          </p:cNvPr>
-          <p:cNvPicPr>
-            <a:picLocks noChangeAspect="1"/>
-          </p:cNvPicPr>
-          <p:nvPr/>
-        </p:nvPicPr>
-        <p:blipFill>
-          <a:blip r:embed="rId2"/>
-          <a:stretch>
-            <a:fillRect/>
-          </a:stretch>
-        </p:blipFill>
-        <p:spPr>
-          <a:xfrm>
-            <a:off x="2385867" y="2824014"/>
-            <a:ext cx="2086266" cy="2124371"/>
-          </a:xfrm>
-          <a:prstGeom prst="rect">
-            <a:avLst/>
-          </a:prstGeom>
-        </p:spPr>
-      </p:pic>
-      <p:pic>
-        <p:nvPicPr>
-          <p:cNvPr id="8" name="Picture 7">
-            <a:extLst>
-              <a:ext uri="{FF2B5EF4-FFF2-40B4-BE49-F238E27FC236}">
-                <a16:creationId xmlns:a16="http://schemas.microsoft.com/office/drawing/2014/main" id="{B2CB4E18-72E8-4488-B539-4CB090584F1E}"/>
-              </a:ext>
-            </a:extLst>
-          </p:cNvPr>
-          <p:cNvPicPr>
-            <a:picLocks noChangeAspect="1"/>
-          </p:cNvPicPr>
-          <p:nvPr/>
-        </p:nvPicPr>
-        <p:blipFill>
-          <a:blip r:embed="rId3"/>
-          <a:stretch>
-            <a:fillRect/>
-          </a:stretch>
-        </p:blipFill>
-        <p:spPr>
-          <a:xfrm>
-            <a:off x="7370919" y="2747803"/>
-            <a:ext cx="2200582" cy="2200582"/>
-          </a:xfrm>
-          <a:prstGeom prst="rect">
-            <a:avLst/>
-          </a:prstGeom>
-        </p:spPr>
-      </p:pic>
+              <a:t>What is the Combinatorial Game Chomp?</a:t>
+            </a:r>
+          </a:p>
+        </p:txBody>
+      </p:sp>
+      <p:sp>
+        <p:nvSpPr>
+          <p:cNvPr id="3" name="Text Placeholder 2">
+            <a:extLst>
+              <a:ext uri="{FF2B5EF4-FFF2-40B4-BE49-F238E27FC236}">
+                <a16:creationId xmlns:a16="http://schemas.microsoft.com/office/drawing/2014/main" id="{C8880096-97DD-4692-A3ED-EF5E391534B5}"/>
+              </a:ext>
+            </a:extLst>
+          </p:cNvPr>
+          <p:cNvSpPr>
+            <a:spLocks noGrp="1"/>
+          </p:cNvSpPr>
+          <p:nvPr>
+            <p:ph type="body" idx="1"/>
+          </p:nvPr>
+        </p:nvSpPr>
+        <p:spPr/>
+        <p:txBody>
+          <a:bodyPr/>
+          <a:lstStyle/>
+          <a:p>
+            <a:endParaRPr lang="en-US"/>
+          </a:p>
+        </p:txBody>
+      </p:sp>
     </p:spTree>
     <p:extLst>
       <p:ext uri="{BB962C8B-B14F-4D97-AF65-F5344CB8AC3E}">
-        <p14:creationId xmlns:p14="http://schemas.microsoft.com/office/powerpoint/2010/main" val="1214598860"/>
+        <p14:creationId xmlns:p14="http://schemas.microsoft.com/office/powerpoint/2010/main" val="3778080675"/>
       </p:ext>
     </p:extLst>
   </p:cSld>
@@ -5981,7 +8316,7 @@
 </p:sld>
 </file>
 
-<file path=ppt/slides/slide23.xml><?xml version="1.0" encoding="utf-8"?>
+<file path=ppt/slides/slide30.xml><?xml version="1.0" encoding="utf-8"?>
 <p:sld xmlns:a="http://schemas.openxmlformats.org/drawingml/2006/main" xmlns:r="http://schemas.openxmlformats.org/officeDocument/2006/relationships" xmlns:p="http://schemas.openxmlformats.org/presentationml/2006/main">
   <p:cSld>
     <p:spTree>
@@ -6003,7 +8338,7 @@
           <p:cNvPr id="2" name="Title 1">
             <a:extLst>
               <a:ext uri="{FF2B5EF4-FFF2-40B4-BE49-F238E27FC236}">
-                <a16:creationId xmlns:a16="http://schemas.microsoft.com/office/drawing/2014/main" id="{E278B289-F891-486A-99E1-E50EA0724C6C}"/>
+                <a16:creationId xmlns:a16="http://schemas.microsoft.com/office/drawing/2014/main" id="{E2A65C54-068E-47D0-AAD2-F753C300D8BC}"/>
               </a:ext>
             </a:extLst>
           </p:cNvPr>
@@ -6021,7 +8356,7 @@
           <a:p>
             <a:r>
               <a:rPr lang="en-US" dirty="0"/>
-              <a:t>[2, 1, 0]</a:t>
+              <a:t>What does that look like for a [2, H, 2]?</a:t>
             </a:r>
           </a:p>
         </p:txBody>
@@ -6031,7 +8366,7 @@
           <p:cNvPr id="3" name="Content Placeholder 2">
             <a:extLst>
               <a:ext uri="{FF2B5EF4-FFF2-40B4-BE49-F238E27FC236}">
-                <a16:creationId xmlns:a16="http://schemas.microsoft.com/office/drawing/2014/main" id="{C6461E3B-8D3F-447B-A18B-592705B89000}"/>
+                <a16:creationId xmlns:a16="http://schemas.microsoft.com/office/drawing/2014/main" id="{5A7D1CF4-C6CB-4D2B-98DF-6FED0276C1B9}"/>
               </a:ext>
             </a:extLst>
           </p:cNvPr>
@@ -6042,113 +8377,203 @@
             <p:ph sz="half" idx="1"/>
           </p:nvPr>
         </p:nvSpPr>
-        <p:spPr/>
-        <p:txBody>
-          <a:bodyPr/>
-          <a:lstStyle/>
-          <a:p>
-            <a:r>
-              <a:rPr lang="en-US" dirty="0"/>
-              <a:t>Op broke off both end pieces and H = 1</a:t>
-            </a:r>
-          </a:p>
-          <a:p>
-            <a:endParaRPr lang="en-US" dirty="0"/>
-          </a:p>
-        </p:txBody>
-      </p:sp>
-      <p:sp>
-        <p:nvSpPr>
-          <p:cNvPr id="4" name="Content Placeholder 3">
-            <a:extLst>
-              <a:ext uri="{FF2B5EF4-FFF2-40B4-BE49-F238E27FC236}">
-                <a16:creationId xmlns:a16="http://schemas.microsoft.com/office/drawing/2014/main" id="{B5E65185-901E-457C-AA96-654F8E01ABF6}"/>
-              </a:ext>
-            </a:extLst>
-          </p:cNvPr>
-          <p:cNvSpPr>
-            <a:spLocks noGrp="1"/>
-          </p:cNvSpPr>
-          <p:nvPr>
-            <p:ph sz="half" idx="2"/>
-          </p:nvPr>
-        </p:nvSpPr>
-        <p:spPr/>
-        <p:txBody>
-          <a:bodyPr/>
-          <a:lstStyle/>
-          <a:p>
-            <a:r>
-              <a:rPr lang="en-US" dirty="0"/>
-              <a:t>[1, 0, 2]; Solved N x N</a:t>
-            </a:r>
-          </a:p>
-        </p:txBody>
-      </p:sp>
-      <p:pic>
-        <p:nvPicPr>
-          <p:cNvPr id="6" name="Picture 5">
-            <a:extLst>
-              <a:ext uri="{FF2B5EF4-FFF2-40B4-BE49-F238E27FC236}">
-                <a16:creationId xmlns:a16="http://schemas.microsoft.com/office/drawing/2014/main" id="{F29954B3-AC1E-42DD-BA2D-BBFAD391E12D}"/>
-              </a:ext>
-            </a:extLst>
-          </p:cNvPr>
-          <p:cNvPicPr>
-            <a:picLocks noChangeAspect="1"/>
-          </p:cNvPicPr>
-          <p:nvPr/>
-        </p:nvPicPr>
-        <p:blipFill>
-          <a:blip r:embed="rId2"/>
-          <a:stretch>
-            <a:fillRect/>
-          </a:stretch>
-        </p:blipFill>
         <p:spPr>
           <a:xfrm>
-            <a:off x="2258785" y="2789046"/>
-            <a:ext cx="2143424" cy="2172003"/>
+            <a:off x="838200" y="1756305"/>
+            <a:ext cx="5181600" cy="4351338"/>
+          </a:xfrm>
+        </p:spPr>
+        <p:txBody>
+          <a:bodyPr>
+            <a:normAutofit/>
+          </a:bodyPr>
+          <a:lstStyle/>
+          <a:p>
+            <a:r>
+              <a:rPr lang="en-US" dirty="0"/>
+              <a:t>Reduces to 1 x N:</a:t>
+            </a:r>
+          </a:p>
+          <a:p>
+            <a:pPr lvl="1"/>
+            <a:r>
+              <a:rPr lang="en-US" dirty="0"/>
+              <a:t>[H]</a:t>
+            </a:r>
+          </a:p>
+          <a:p>
+            <a:pPr lvl="1"/>
+            <a:r>
+              <a:rPr lang="en-US" dirty="0"/>
+              <a:t>[1, 0, 0]</a:t>
+            </a:r>
+          </a:p>
+          <a:p>
+            <a:pPr lvl="1"/>
+            <a:endParaRPr lang="en-US" dirty="0"/>
+          </a:p>
+          <a:p>
+            <a:pPr lvl="1"/>
+            <a:endParaRPr lang="en-US" dirty="0"/>
+          </a:p>
+          <a:p>
+            <a:r>
+              <a:rPr lang="en-US" dirty="0"/>
+              <a:t>Reduces to 2 x N:</a:t>
+            </a:r>
+          </a:p>
+          <a:p>
+            <a:pPr lvl="1"/>
+            <a:r>
+              <a:rPr lang="en-US" dirty="0"/>
+              <a:t>[1, H, 2]</a:t>
+            </a:r>
+          </a:p>
+          <a:p>
+            <a:pPr lvl="1"/>
+            <a:r>
+              <a:rPr lang="en-US" dirty="0"/>
+              <a:t>[0, H, 2]</a:t>
+            </a:r>
+          </a:p>
+          <a:p>
+            <a:pPr lvl="1"/>
+            <a:r>
+              <a:rPr lang="en-US" dirty="0"/>
+              <a:t>[2, 0, 0]</a:t>
+            </a:r>
+          </a:p>
+          <a:p>
+            <a:endParaRPr lang="en-US" dirty="0"/>
+          </a:p>
+        </p:txBody>
+      </p:sp>
+      <p:sp>
+        <p:nvSpPr>
+          <p:cNvPr id="4" name="Content Placeholder 3">
+            <a:extLst>
+              <a:ext uri="{FF2B5EF4-FFF2-40B4-BE49-F238E27FC236}">
+                <a16:creationId xmlns:a16="http://schemas.microsoft.com/office/drawing/2014/main" id="{ED6398BE-EA9B-4EB3-AA18-38310CF204F4}"/>
+              </a:ext>
+            </a:extLst>
+          </p:cNvPr>
+          <p:cNvSpPr>
+            <a:spLocks noGrp="1"/>
+          </p:cNvSpPr>
+          <p:nvPr>
+            <p:ph sz="half" idx="2"/>
+          </p:nvPr>
+        </p:nvSpPr>
+        <p:spPr>
+          <a:xfrm>
+            <a:off x="6172200" y="1756305"/>
+            <a:ext cx="5181600" cy="4351338"/>
+          </a:xfrm>
+        </p:spPr>
+        <p:txBody>
+          <a:bodyPr>
+            <a:normAutofit/>
+          </a:bodyPr>
+          <a:lstStyle/>
+          <a:p>
+            <a:r>
+              <a:rPr lang="en-US" dirty="0"/>
+              <a:t>Reduces to N x N:</a:t>
+            </a:r>
+          </a:p>
+          <a:p>
+            <a:pPr lvl="1"/>
+            <a:r>
+              <a:rPr lang="en-US" dirty="0"/>
+              <a:t>[1, 0, H]</a:t>
+            </a:r>
+          </a:p>
+          <a:p>
+            <a:pPr lvl="1"/>
+            <a:r>
+              <a:rPr lang="en-US" dirty="0"/>
+              <a:t>[2, 0, 1]</a:t>
+            </a:r>
+          </a:p>
+          <a:p>
+            <a:pPr lvl="1"/>
+            <a:r>
+              <a:rPr lang="en-US" dirty="0"/>
+              <a:t>[2, 1, 0]</a:t>
+            </a:r>
+          </a:p>
+          <a:p>
+            <a:pPr lvl="1"/>
+            <a:endParaRPr lang="en-US" dirty="0"/>
+          </a:p>
+          <a:p>
+            <a:r>
+              <a:rPr lang="en-US" dirty="0"/>
+              <a:t>Group D:</a:t>
+            </a:r>
+          </a:p>
+          <a:p>
+            <a:pPr lvl="1"/>
+            <a:r>
+              <a:rPr lang="en-US" dirty="0"/>
+              <a:t>[2, H, 2 + K]</a:t>
+            </a:r>
+          </a:p>
+          <a:p>
+            <a:pPr lvl="1"/>
+            <a:r>
+              <a:rPr lang="en-US" dirty="0"/>
+              <a:t>[2, H, 1]</a:t>
+            </a:r>
+          </a:p>
+          <a:p>
+            <a:pPr lvl="1"/>
+            <a:r>
+              <a:rPr lang="en-US" dirty="0"/>
+              <a:t>[2, H, 0]</a:t>
+            </a:r>
+          </a:p>
+        </p:txBody>
+      </p:sp>
+      <p:sp>
+        <p:nvSpPr>
+          <p:cNvPr id="5" name="TextBox 4">
+            <a:extLst>
+              <a:ext uri="{FF2B5EF4-FFF2-40B4-BE49-F238E27FC236}">
+                <a16:creationId xmlns:a16="http://schemas.microsoft.com/office/drawing/2014/main" id="{8A1FF5A1-F3F6-450F-A955-5C5736D301B8}"/>
+              </a:ext>
+            </a:extLst>
+          </p:cNvPr>
+          <p:cNvSpPr txBox="1"/>
+          <p:nvPr/>
+        </p:nvSpPr>
+        <p:spPr>
+          <a:xfrm>
+            <a:off x="838200" y="1268607"/>
+            <a:ext cx="1171539" cy="369332"/>
           </a:xfrm>
           <a:prstGeom prst="rect">
             <a:avLst/>
           </a:prstGeom>
+          <a:noFill/>
         </p:spPr>
-      </p:pic>
-      <p:pic>
-        <p:nvPicPr>
-          <p:cNvPr id="8" name="Picture 7">
-            <a:extLst>
-              <a:ext uri="{FF2B5EF4-FFF2-40B4-BE49-F238E27FC236}">
-                <a16:creationId xmlns:a16="http://schemas.microsoft.com/office/drawing/2014/main" id="{BBAAB1EC-6817-4686-9FD5-800E28E4230D}"/>
-              </a:ext>
-            </a:extLst>
-          </p:cNvPr>
-          <p:cNvPicPr>
-            <a:picLocks noChangeAspect="1"/>
-          </p:cNvPicPr>
-          <p:nvPr/>
-        </p:nvPicPr>
-        <p:blipFill>
-          <a:blip r:embed="rId3"/>
-          <a:stretch>
-            <a:fillRect/>
-          </a:stretch>
-        </p:blipFill>
-        <p:spPr>
-          <a:xfrm>
-            <a:off x="7681761" y="2585187"/>
-            <a:ext cx="2162477" cy="2200582"/>
-          </a:xfrm>
-          <a:prstGeom prst="rect">
-            <a:avLst/>
-          </a:prstGeom>
-        </p:spPr>
-      </p:pic>
+        <p:txBody>
+          <a:bodyPr wrap="none" rtlCol="0">
+            <a:spAutoFit/>
+          </a:bodyPr>
+          <a:lstStyle/>
+          <a:p>
+            <a:r>
+              <a:rPr lang="en-US" dirty="0"/>
+              <a:t>Reordered</a:t>
+            </a:r>
+          </a:p>
+        </p:txBody>
+      </p:sp>
     </p:spTree>
     <p:extLst>
       <p:ext uri="{BB962C8B-B14F-4D97-AF65-F5344CB8AC3E}">
-        <p14:creationId xmlns:p14="http://schemas.microsoft.com/office/powerpoint/2010/main" val="2361846571"/>
+        <p14:creationId xmlns:p14="http://schemas.microsoft.com/office/powerpoint/2010/main" val="4060305521"/>
       </p:ext>
     </p:extLst>
   </p:cSld>
@@ -6158,7 +8583,7 @@
 </p:sld>
 </file>
 
-<file path=ppt/slides/slide24.xml><?xml version="1.0" encoding="utf-8"?>
+<file path=ppt/slides/slide31.xml><?xml version="1.0" encoding="utf-8"?>
 <p:sld xmlns:a="http://schemas.openxmlformats.org/drawingml/2006/main" xmlns:r="http://schemas.openxmlformats.org/officeDocument/2006/relationships" xmlns:p="http://schemas.openxmlformats.org/presentationml/2006/main">
   <p:cSld>
     <p:spTree>
@@ -6198,36 +8623,196 @@
           <a:p>
             <a:r>
               <a:rPr lang="en-US" dirty="0"/>
-              <a:t>[2, H, 2]</a:t>
-            </a:r>
-          </a:p>
-        </p:txBody>
-      </p:sp>
-      <p:sp>
-        <p:nvSpPr>
-          <p:cNvPr id="3" name="Text Placeholder 2">
-            <a:extLst>
-              <a:ext uri="{FF2B5EF4-FFF2-40B4-BE49-F238E27FC236}">
-                <a16:creationId xmlns:a16="http://schemas.microsoft.com/office/drawing/2014/main" id="{BC0136F1-CF12-49CF-81DF-255A1710C063}"/>
-              </a:ext>
-            </a:extLst>
-          </p:cNvPr>
-          <p:cNvSpPr>
-            <a:spLocks noGrp="1"/>
-          </p:cNvSpPr>
-          <p:nvPr>
-            <p:ph type="body" idx="1"/>
-          </p:nvPr>
-        </p:nvSpPr>
-        <p:spPr/>
-        <p:txBody>
-          <a:bodyPr/>
-          <a:lstStyle/>
-          <a:p>
-            <a:endParaRPr lang="en-US"/>
-          </a:p>
-        </p:txBody>
-      </p:sp>
+              <a:t>Group D: Maintain [2, H, 2]</a:t>
+            </a:r>
+          </a:p>
+        </p:txBody>
+      </p:sp>
+      <p:sp>
+        <p:nvSpPr>
+          <p:cNvPr id="4" name="Content Placeholder 3">
+            <a:extLst>
+              <a:ext uri="{FF2B5EF4-FFF2-40B4-BE49-F238E27FC236}">
+                <a16:creationId xmlns:a16="http://schemas.microsoft.com/office/drawing/2014/main" id="{71DEB31E-79CD-4CB9-BCD2-9DCDC390965F}"/>
+              </a:ext>
+            </a:extLst>
+          </p:cNvPr>
+          <p:cNvSpPr>
+            <a:spLocks noGrp="1"/>
+          </p:cNvSpPr>
+          <p:nvPr>
+            <p:ph sz="half" idx="1"/>
+          </p:nvPr>
+        </p:nvSpPr>
+        <p:spPr/>
+        <p:txBody>
+          <a:bodyPr/>
+          <a:lstStyle/>
+          <a:p>
+            <a:pPr marL="0" indent="0">
+              <a:buNone/>
+            </a:pPr>
+            <a:r>
+              <a:rPr lang="en-US" dirty="0"/>
+              <a:t>[2, H, 2 + K]</a:t>
+            </a:r>
+          </a:p>
+          <a:p>
+            <a:endParaRPr lang="en-US" dirty="0"/>
+          </a:p>
+        </p:txBody>
+      </p:sp>
+      <p:sp>
+        <p:nvSpPr>
+          <p:cNvPr id="5" name="Content Placeholder 4">
+            <a:extLst>
+              <a:ext uri="{FF2B5EF4-FFF2-40B4-BE49-F238E27FC236}">
+                <a16:creationId xmlns:a16="http://schemas.microsoft.com/office/drawing/2014/main" id="{8EACF7B7-AB64-4B72-914C-B834FBDE674E}"/>
+              </a:ext>
+            </a:extLst>
+          </p:cNvPr>
+          <p:cNvSpPr>
+            <a:spLocks noGrp="1"/>
+          </p:cNvSpPr>
+          <p:nvPr>
+            <p:ph sz="half" idx="2"/>
+          </p:nvPr>
+        </p:nvSpPr>
+        <p:spPr/>
+        <p:txBody>
+          <a:bodyPr/>
+          <a:lstStyle/>
+          <a:p>
+            <a:pPr marL="0" indent="0">
+              <a:buNone/>
+            </a:pPr>
+            <a:r>
+              <a:rPr lang="en-US" dirty="0"/>
+              <a:t>[2, H, 1]</a:t>
+            </a:r>
+          </a:p>
+          <a:p>
+            <a:pPr marL="0" indent="0">
+              <a:buNone/>
+            </a:pPr>
+            <a:endParaRPr lang="en-US" dirty="0"/>
+          </a:p>
+          <a:p>
+            <a:pPr marL="0" indent="0">
+              <a:buNone/>
+            </a:pPr>
+            <a:endParaRPr lang="en-US" dirty="0"/>
+          </a:p>
+          <a:p>
+            <a:pPr marL="0" indent="0">
+              <a:buNone/>
+            </a:pPr>
+            <a:endParaRPr lang="en-US" dirty="0"/>
+          </a:p>
+          <a:p>
+            <a:pPr marL="0" indent="0">
+              <a:buNone/>
+            </a:pPr>
+            <a:r>
+              <a:rPr lang="en-US" dirty="0"/>
+              <a:t>[2, H, 0]</a:t>
+            </a:r>
+          </a:p>
+          <a:p>
+            <a:endParaRPr lang="en-US" dirty="0"/>
+          </a:p>
+        </p:txBody>
+      </p:sp>
+      <p:pic>
+        <p:nvPicPr>
+          <p:cNvPr id="6" name="Picture 5">
+            <a:extLst>
+              <a:ext uri="{FF2B5EF4-FFF2-40B4-BE49-F238E27FC236}">
+                <a16:creationId xmlns:a16="http://schemas.microsoft.com/office/drawing/2014/main" id="{F32F270F-2469-4601-AEA5-8A59D18CE74F}"/>
+              </a:ext>
+            </a:extLst>
+          </p:cNvPr>
+          <p:cNvPicPr>
+            <a:picLocks noChangeAspect="1"/>
+          </p:cNvPicPr>
+          <p:nvPr/>
+        </p:nvPicPr>
+        <p:blipFill>
+          <a:blip r:embed="rId2"/>
+          <a:stretch>
+            <a:fillRect/>
+          </a:stretch>
+        </p:blipFill>
+        <p:spPr>
+          <a:xfrm>
+            <a:off x="927100" y="2244079"/>
+            <a:ext cx="4420493" cy="3514430"/>
+          </a:xfrm>
+          <a:prstGeom prst="rect">
+            <a:avLst/>
+          </a:prstGeom>
+        </p:spPr>
+      </p:pic>
+      <p:pic>
+        <p:nvPicPr>
+          <p:cNvPr id="7" name="Picture 6">
+            <a:extLst>
+              <a:ext uri="{FF2B5EF4-FFF2-40B4-BE49-F238E27FC236}">
+                <a16:creationId xmlns:a16="http://schemas.microsoft.com/office/drawing/2014/main" id="{F43E4DAD-F769-4585-A45B-D8BFE468AAC5}"/>
+              </a:ext>
+            </a:extLst>
+          </p:cNvPr>
+          <p:cNvPicPr>
+            <a:picLocks noChangeAspect="1"/>
+          </p:cNvPicPr>
+          <p:nvPr/>
+        </p:nvPicPr>
+        <p:blipFill>
+          <a:blip r:embed="rId3"/>
+          <a:stretch>
+            <a:fillRect/>
+          </a:stretch>
+        </p:blipFill>
+        <p:spPr>
+          <a:xfrm>
+            <a:off x="6286500" y="2244079"/>
+            <a:ext cx="2959100" cy="1576798"/>
+          </a:xfrm>
+          <a:prstGeom prst="rect">
+            <a:avLst/>
+          </a:prstGeom>
+        </p:spPr>
+      </p:pic>
+      <p:pic>
+        <p:nvPicPr>
+          <p:cNvPr id="8" name="Picture 7">
+            <a:extLst>
+              <a:ext uri="{FF2B5EF4-FFF2-40B4-BE49-F238E27FC236}">
+                <a16:creationId xmlns:a16="http://schemas.microsoft.com/office/drawing/2014/main" id="{DEF7D942-8E1C-4992-ABC7-3636BB98437F}"/>
+              </a:ext>
+            </a:extLst>
+          </p:cNvPr>
+          <p:cNvPicPr>
+            <a:picLocks noChangeAspect="1"/>
+          </p:cNvPicPr>
+          <p:nvPr/>
+        </p:nvPicPr>
+        <p:blipFill>
+          <a:blip r:embed="rId4"/>
+          <a:stretch>
+            <a:fillRect/>
+          </a:stretch>
+        </p:blipFill>
+        <p:spPr>
+          <a:xfrm>
+            <a:off x="6172200" y="4239331"/>
+            <a:ext cx="3210262" cy="1427488"/>
+          </a:xfrm>
+          <a:prstGeom prst="rect">
+            <a:avLst/>
+          </a:prstGeom>
+        </p:spPr>
+      </p:pic>
     </p:spTree>
     <p:extLst>
       <p:ext uri="{BB962C8B-B14F-4D97-AF65-F5344CB8AC3E}">
@@ -6241,7 +8826,7 @@
 </p:sld>
 </file>
 
-<file path=ppt/slides/slide25.xml><?xml version="1.0" encoding="utf-8"?>
+<file path=ppt/slides/slide32.xml><?xml version="1.0" encoding="utf-8"?>
 <p:sld xmlns:a="http://schemas.openxmlformats.org/drawingml/2006/main" xmlns:r="http://schemas.openxmlformats.org/officeDocument/2006/relationships" xmlns:p="http://schemas.openxmlformats.org/presentationml/2006/main">
   <p:cSld>
     <p:spTree>
@@ -6281,7 +8866,7 @@
           <a:p>
             <a:r>
               <a:rPr lang="en-US" dirty="0"/>
-              <a:t>[2, H – n, 2 + n]</a:t>
+              <a:t>[2, H – K, 2 + K]</a:t>
             </a:r>
           </a:p>
         </p:txBody>
@@ -6342,7 +8927,7 @@
           <a:p>
             <a:r>
               <a:rPr lang="en-US" dirty="0"/>
-              <a:t>[2, H – n, 2]; Maintain [2, H, 2] form</a:t>
+              <a:t>[2, H – K, 2]; Maintain [2, H, 2] form</a:t>
             </a:r>
           </a:p>
         </p:txBody>
@@ -6502,7 +9087,7 @@
 </p:sld>
 </file>
 
-<file path=ppt/slides/slide26.xml><?xml version="1.0" encoding="utf-8"?>
+<file path=ppt/slides/slide33.xml><?xml version="1.0" encoding="utf-8"?>
 <p:sld xmlns:a="http://schemas.openxmlformats.org/drawingml/2006/main" xmlns:r="http://schemas.openxmlformats.org/officeDocument/2006/relationships" xmlns:p="http://schemas.openxmlformats.org/presentationml/2006/main">
   <p:cSld>
     <p:spTree>
@@ -6699,7 +9284,7 @@
 </p:sld>
 </file>
 
-<file path=ppt/slides/slide27.xml><?xml version="1.0" encoding="utf-8"?>
+<file path=ppt/slides/slide34.xml><?xml version="1.0" encoding="utf-8"?>
 <p:sld xmlns:a="http://schemas.openxmlformats.org/drawingml/2006/main" xmlns:r="http://schemas.openxmlformats.org/officeDocument/2006/relationships" xmlns:p="http://schemas.openxmlformats.org/presentationml/2006/main">
   <p:cSld>
     <p:spTree>
@@ -6881,7 +9466,7 @@
 </p:sld>
 </file>
 
-<file path=ppt/slides/slide28.xml><?xml version="1.0" encoding="utf-8"?>
+<file path=ppt/slides/slide35.xml><?xml version="1.0" encoding="utf-8"?>
 <p:sld xmlns:a="http://schemas.openxmlformats.org/drawingml/2006/main" xmlns:r="http://schemas.openxmlformats.org/officeDocument/2006/relationships" xmlns:p="http://schemas.openxmlformats.org/presentationml/2006/main">
   <p:cSld>
     <p:spTree>
@@ -6903,7 +9488,7 @@
           <p:cNvPr id="2" name="Title 1">
             <a:extLst>
               <a:ext uri="{FF2B5EF4-FFF2-40B4-BE49-F238E27FC236}">
-                <a16:creationId xmlns:a16="http://schemas.microsoft.com/office/drawing/2014/main" id="{88B2E67C-F2D9-46C6-A957-2726761AAC94}"/>
+                <a16:creationId xmlns:a16="http://schemas.microsoft.com/office/drawing/2014/main" id="{E2A65C54-068E-47D0-AAD2-F753C300D8BC}"/>
               </a:ext>
             </a:extLst>
           </p:cNvPr>
@@ -6921,7 +9506,7 @@
           <a:p>
             <a:r>
               <a:rPr lang="en-US" dirty="0"/>
-              <a:t>Summary and Current Problems</a:t>
+              <a:t>What does that look like for a [2, H, 2]?</a:t>
             </a:r>
           </a:p>
         </p:txBody>
@@ -6931,46 +9516,206 @@
           <p:cNvPr id="3" name="Content Placeholder 2">
             <a:extLst>
               <a:ext uri="{FF2B5EF4-FFF2-40B4-BE49-F238E27FC236}">
-                <a16:creationId xmlns:a16="http://schemas.microsoft.com/office/drawing/2014/main" id="{372F942C-8F57-49FA-BB55-DA08D6BBAE6B}"/>
-              </a:ext>
-            </a:extLst>
-          </p:cNvPr>
-          <p:cNvSpPr>
-            <a:spLocks noGrp="1"/>
-          </p:cNvSpPr>
-          <p:nvPr>
-            <p:ph idx="1"/>
-          </p:nvPr>
-        </p:nvSpPr>
-        <p:spPr/>
-        <p:txBody>
-          <a:bodyPr/>
-          <a:lstStyle/>
-          <a:p>
-            <a:r>
-              <a:rPr lang="en-US" dirty="0"/>
-              <a:t>As far as I can tell, no one else used the truncated forms before</a:t>
-            </a:r>
-          </a:p>
-          <a:p>
-            <a:r>
-              <a:rPr lang="en-US" dirty="0"/>
-              <a:t>Partial solution and stable boards</a:t>
-            </a:r>
-          </a:p>
-          <a:p>
+                <a16:creationId xmlns:a16="http://schemas.microsoft.com/office/drawing/2014/main" id="{5A7D1CF4-C6CB-4D2B-98DF-6FED0276C1B9}"/>
+              </a:ext>
+            </a:extLst>
+          </p:cNvPr>
+          <p:cNvSpPr>
+            <a:spLocks noGrp="1"/>
+          </p:cNvSpPr>
+          <p:nvPr>
+            <p:ph sz="half" idx="1"/>
+          </p:nvPr>
+        </p:nvSpPr>
+        <p:spPr>
+          <a:xfrm>
+            <a:off x="838200" y="1756305"/>
+            <a:ext cx="5181600" cy="4351338"/>
+          </a:xfrm>
+        </p:spPr>
+        <p:txBody>
+          <a:bodyPr>
+            <a:normAutofit/>
+          </a:bodyPr>
+          <a:lstStyle/>
+          <a:p>
+            <a:r>
+              <a:rPr lang="en-US" dirty="0"/>
+              <a:t>Reduces to 1 x N:</a:t>
+            </a:r>
+          </a:p>
+          <a:p>
+            <a:pPr lvl="1"/>
+            <a:r>
+              <a:rPr lang="en-US" dirty="0"/>
+              <a:t>[H]</a:t>
+            </a:r>
+          </a:p>
+          <a:p>
+            <a:pPr lvl="1"/>
+            <a:r>
+              <a:rPr lang="en-US" dirty="0"/>
+              <a:t>[1, 0, 0]</a:t>
+            </a:r>
+          </a:p>
+          <a:p>
+            <a:pPr lvl="1"/>
             <a:endParaRPr lang="en-US" dirty="0"/>
           </a:p>
           <a:p>
-            <a:r>
-              <a:rPr lang="en-US" dirty="0"/>
-              <a:t>Not very elegant, cases may reduce</a:t>
-            </a:r>
-          </a:p>
-          <a:p>
-            <a:r>
-              <a:rPr lang="en-US" dirty="0"/>
-              <a:t>Can't reach in one move from $3$ x $N$, but it is stable</a:t>
+            <a:pPr lvl="1"/>
+            <a:endParaRPr lang="en-US" dirty="0"/>
+          </a:p>
+          <a:p>
+            <a:r>
+              <a:rPr lang="en-US" dirty="0"/>
+              <a:t>Reduces to 2 x N:</a:t>
+            </a:r>
+          </a:p>
+          <a:p>
+            <a:pPr lvl="1"/>
+            <a:r>
+              <a:rPr lang="en-US" dirty="0"/>
+              <a:t>[1, H, 2]</a:t>
+            </a:r>
+          </a:p>
+          <a:p>
+            <a:pPr lvl="1"/>
+            <a:r>
+              <a:rPr lang="en-US" dirty="0"/>
+              <a:t>[0, H, 2]</a:t>
+            </a:r>
+          </a:p>
+          <a:p>
+            <a:pPr lvl="1"/>
+            <a:r>
+              <a:rPr lang="en-US" dirty="0"/>
+              <a:t>[2, 0, 0]</a:t>
+            </a:r>
+          </a:p>
+          <a:p>
+            <a:endParaRPr lang="en-US" dirty="0"/>
+          </a:p>
+        </p:txBody>
+      </p:sp>
+      <p:sp>
+        <p:nvSpPr>
+          <p:cNvPr id="4" name="Content Placeholder 3">
+            <a:extLst>
+              <a:ext uri="{FF2B5EF4-FFF2-40B4-BE49-F238E27FC236}">
+                <a16:creationId xmlns:a16="http://schemas.microsoft.com/office/drawing/2014/main" id="{ED6398BE-EA9B-4EB3-AA18-38310CF204F4}"/>
+              </a:ext>
+            </a:extLst>
+          </p:cNvPr>
+          <p:cNvSpPr>
+            <a:spLocks noGrp="1"/>
+          </p:cNvSpPr>
+          <p:nvPr>
+            <p:ph sz="half" idx="2"/>
+          </p:nvPr>
+        </p:nvSpPr>
+        <p:spPr>
+          <a:xfrm>
+            <a:off x="6172200" y="1756305"/>
+            <a:ext cx="5181600" cy="4351338"/>
+          </a:xfrm>
+        </p:spPr>
+        <p:txBody>
+          <a:bodyPr>
+            <a:normAutofit/>
+          </a:bodyPr>
+          <a:lstStyle/>
+          <a:p>
+            <a:r>
+              <a:rPr lang="en-US" dirty="0"/>
+              <a:t>Reduces to N x N:</a:t>
+            </a:r>
+          </a:p>
+          <a:p>
+            <a:pPr lvl="1"/>
+            <a:r>
+              <a:rPr lang="en-US" dirty="0"/>
+              <a:t>[1, 0, H]</a:t>
+            </a:r>
+          </a:p>
+          <a:p>
+            <a:pPr lvl="1"/>
+            <a:r>
+              <a:rPr lang="en-US" dirty="0"/>
+              <a:t>[2, 0, 1]</a:t>
+            </a:r>
+          </a:p>
+          <a:p>
+            <a:pPr lvl="1"/>
+            <a:r>
+              <a:rPr lang="en-US" dirty="0"/>
+              <a:t>[2, 1, 0]</a:t>
+            </a:r>
+          </a:p>
+          <a:p>
+            <a:pPr lvl="1"/>
+            <a:endParaRPr lang="en-US" dirty="0"/>
+          </a:p>
+          <a:p>
+            <a:r>
+              <a:rPr lang="en-US" dirty="0"/>
+              <a:t>Maintain [2, H, 2]:</a:t>
+            </a:r>
+          </a:p>
+          <a:p>
+            <a:pPr lvl="1"/>
+            <a:r>
+              <a:rPr lang="en-US" dirty="0"/>
+              <a:t>[2, H, 2 + K]</a:t>
+            </a:r>
+          </a:p>
+          <a:p>
+            <a:pPr lvl="1"/>
+            <a:r>
+              <a:rPr lang="en-US" dirty="0"/>
+              <a:t>[2, H, 1]</a:t>
+            </a:r>
+          </a:p>
+          <a:p>
+            <a:pPr lvl="1"/>
+            <a:r>
+              <a:rPr lang="en-US" dirty="0"/>
+              <a:t>[2, H, 0]</a:t>
+            </a:r>
+          </a:p>
+        </p:txBody>
+      </p:sp>
+      <p:sp>
+        <p:nvSpPr>
+          <p:cNvPr id="5" name="TextBox 4">
+            <a:extLst>
+              <a:ext uri="{FF2B5EF4-FFF2-40B4-BE49-F238E27FC236}">
+                <a16:creationId xmlns:a16="http://schemas.microsoft.com/office/drawing/2014/main" id="{8A1FF5A1-F3F6-450F-A955-5C5736D301B8}"/>
+              </a:ext>
+            </a:extLst>
+          </p:cNvPr>
+          <p:cNvSpPr txBox="1"/>
+          <p:nvPr/>
+        </p:nvSpPr>
+        <p:spPr>
+          <a:xfrm>
+            <a:off x="838200" y="1268607"/>
+            <a:ext cx="1171539" cy="369332"/>
+          </a:xfrm>
+          <a:prstGeom prst="rect">
+            <a:avLst/>
+          </a:prstGeom>
+          <a:noFill/>
+        </p:spPr>
+        <p:txBody>
+          <a:bodyPr wrap="none" rtlCol="0">
+            <a:spAutoFit/>
+          </a:bodyPr>
+          <a:lstStyle/>
+          <a:p>
+            <a:r>
+              <a:rPr lang="en-US" dirty="0"/>
+              <a:t>Reordered</a:t>
             </a:r>
           </a:p>
         </p:txBody>
@@ -6978,7 +9723,7 @@
     </p:spTree>
     <p:extLst>
       <p:ext uri="{BB962C8B-B14F-4D97-AF65-F5344CB8AC3E}">
-        <p14:creationId xmlns:p14="http://schemas.microsoft.com/office/powerpoint/2010/main" val="3292820267"/>
+        <p14:creationId xmlns:p14="http://schemas.microsoft.com/office/powerpoint/2010/main" val="3318724650"/>
       </p:ext>
     </p:extLst>
   </p:cSld>
@@ -6988,7 +9733,7 @@
 </p:sld>
 </file>
 
-<file path=ppt/slides/slide3.xml><?xml version="1.0" encoding="utf-8"?>
+<file path=ppt/slides/slide36.xml><?xml version="1.0" encoding="utf-8"?>
 <p:sld xmlns:a="http://schemas.openxmlformats.org/drawingml/2006/main" xmlns:r="http://schemas.openxmlformats.org/officeDocument/2006/relationships" xmlns:p="http://schemas.openxmlformats.org/presentationml/2006/main">
   <p:cSld>
     <p:spTree>
@@ -7010,7 +9755,7 @@
           <p:cNvPr id="2" name="Title 1">
             <a:extLst>
               <a:ext uri="{FF2B5EF4-FFF2-40B4-BE49-F238E27FC236}">
-                <a16:creationId xmlns:a16="http://schemas.microsoft.com/office/drawing/2014/main" id="{02A91E05-0677-471F-A722-3405C1F26546}"/>
+                <a16:creationId xmlns:a16="http://schemas.microsoft.com/office/drawing/2014/main" id="{88B2E67C-F2D9-46C6-A957-2726761AAC94}"/>
               </a:ext>
             </a:extLst>
           </p:cNvPr>
@@ -7028,40 +9773,64 @@
           <a:p>
             <a:r>
               <a:rPr lang="en-US" dirty="0"/>
-              <a:t>What is a Combinatorial Game</a:t>
-            </a:r>
-          </a:p>
-        </p:txBody>
-      </p:sp>
-      <p:sp>
-        <p:nvSpPr>
-          <p:cNvPr id="3" name="Text Placeholder 2">
-            <a:extLst>
-              <a:ext uri="{FF2B5EF4-FFF2-40B4-BE49-F238E27FC236}">
-                <a16:creationId xmlns:a16="http://schemas.microsoft.com/office/drawing/2014/main" id="{C8880096-97DD-4692-A3ED-EF5E391534B5}"/>
-              </a:ext>
-            </a:extLst>
-          </p:cNvPr>
-          <p:cNvSpPr>
-            <a:spLocks noGrp="1"/>
-          </p:cNvSpPr>
-          <p:nvPr>
-            <p:ph type="body" idx="1"/>
-          </p:nvPr>
-        </p:nvSpPr>
-        <p:spPr/>
-        <p:txBody>
-          <a:bodyPr/>
-          <a:lstStyle/>
-          <a:p>
-            <a:endParaRPr lang="en-US"/>
+              <a:t>Summary and Current Problems</a:t>
+            </a:r>
+          </a:p>
+        </p:txBody>
+      </p:sp>
+      <p:sp>
+        <p:nvSpPr>
+          <p:cNvPr id="3" name="Content Placeholder 2">
+            <a:extLst>
+              <a:ext uri="{FF2B5EF4-FFF2-40B4-BE49-F238E27FC236}">
+                <a16:creationId xmlns:a16="http://schemas.microsoft.com/office/drawing/2014/main" id="{372F942C-8F57-49FA-BB55-DA08D6BBAE6B}"/>
+              </a:ext>
+            </a:extLst>
+          </p:cNvPr>
+          <p:cNvSpPr>
+            <a:spLocks noGrp="1"/>
+          </p:cNvSpPr>
+          <p:nvPr>
+            <p:ph idx="1"/>
+          </p:nvPr>
+        </p:nvSpPr>
+        <p:spPr/>
+        <p:txBody>
+          <a:bodyPr/>
+          <a:lstStyle/>
+          <a:p>
+            <a:r>
+              <a:rPr lang="en-US" dirty="0"/>
+              <a:t>As far as I can tell, no one else used the truncated forms before</a:t>
+            </a:r>
+          </a:p>
+          <a:p>
+            <a:r>
+              <a:rPr lang="en-US" dirty="0"/>
+              <a:t>Partial solution and stable boards</a:t>
+            </a:r>
+          </a:p>
+          <a:p>
+            <a:endParaRPr lang="en-US" dirty="0"/>
+          </a:p>
+          <a:p>
+            <a:r>
+              <a:rPr lang="en-US" dirty="0"/>
+              <a:t>Not very elegant, cases may reduce</a:t>
+            </a:r>
+          </a:p>
+          <a:p>
+            <a:r>
+              <a:rPr lang="en-US" dirty="0"/>
+              <a:t>Can't reach in one move from $3$ x $N$, but it is stable</a:t>
+            </a:r>
           </a:p>
         </p:txBody>
       </p:sp>
     </p:spTree>
     <p:extLst>
       <p:ext uri="{BB962C8B-B14F-4D97-AF65-F5344CB8AC3E}">
-        <p14:creationId xmlns:p14="http://schemas.microsoft.com/office/powerpoint/2010/main" val="3778080675"/>
+        <p14:creationId xmlns:p14="http://schemas.microsoft.com/office/powerpoint/2010/main" val="3292820267"/>
       </p:ext>
     </p:extLst>
   </p:cSld>
@@ -7801,7 +10570,7 @@
         </p:blipFill>
         <p:spPr>
           <a:xfrm>
-            <a:off x="7113469" y="5083937"/>
+            <a:off x="1525103" y="5450810"/>
             <a:ext cx="1330394" cy="913134"/>
           </a:xfrm>
           <a:prstGeom prst="rect">
